--- a/talks/strumenta/tensor-sensor.pptx
+++ b/talks/strumenta/tensor-sensor.pptx
@@ -5,31 +5,34 @@
     <p:sldMasterId id="2147483672" r:id="rId1"/>
   </p:sldMasterIdLst>
   <p:notesMasterIdLst>
-    <p:notesMasterId r:id="rId21"/>
+    <p:notesMasterId r:id="rId24"/>
   </p:notesMasterIdLst>
   <p:handoutMasterIdLst>
-    <p:handoutMasterId r:id="rId22"/>
+    <p:handoutMasterId r:id="rId25"/>
   </p:handoutMasterIdLst>
   <p:sldIdLst>
     <p:sldId id="256" r:id="rId2"/>
-    <p:sldId id="289" r:id="rId3"/>
-    <p:sldId id="290" r:id="rId4"/>
-    <p:sldId id="291" r:id="rId5"/>
-    <p:sldId id="292" r:id="rId6"/>
-    <p:sldId id="293" r:id="rId7"/>
-    <p:sldId id="294" r:id="rId8"/>
-    <p:sldId id="295" r:id="rId9"/>
-    <p:sldId id="296" r:id="rId10"/>
-    <p:sldId id="298" r:id="rId11"/>
-    <p:sldId id="299" r:id="rId12"/>
-    <p:sldId id="300" r:id="rId13"/>
-    <p:sldId id="302" r:id="rId14"/>
-    <p:sldId id="301" r:id="rId15"/>
-    <p:sldId id="303" r:id="rId16"/>
-    <p:sldId id="304" r:id="rId17"/>
-    <p:sldId id="305" r:id="rId18"/>
-    <p:sldId id="306" r:id="rId19"/>
-    <p:sldId id="297" r:id="rId20"/>
+    <p:sldId id="307" r:id="rId3"/>
+    <p:sldId id="289" r:id="rId4"/>
+    <p:sldId id="308" r:id="rId5"/>
+    <p:sldId id="309" r:id="rId6"/>
+    <p:sldId id="290" r:id="rId7"/>
+    <p:sldId id="291" r:id="rId8"/>
+    <p:sldId id="292" r:id="rId9"/>
+    <p:sldId id="293" r:id="rId10"/>
+    <p:sldId id="294" r:id="rId11"/>
+    <p:sldId id="295" r:id="rId12"/>
+    <p:sldId id="296" r:id="rId13"/>
+    <p:sldId id="298" r:id="rId14"/>
+    <p:sldId id="299" r:id="rId15"/>
+    <p:sldId id="300" r:id="rId16"/>
+    <p:sldId id="302" r:id="rId17"/>
+    <p:sldId id="301" r:id="rId18"/>
+    <p:sldId id="303" r:id="rId19"/>
+    <p:sldId id="304" r:id="rId20"/>
+    <p:sldId id="305" r:id="rId21"/>
+    <p:sldId id="306" r:id="rId22"/>
+    <p:sldId id="310" r:id="rId23"/>
   </p:sldIdLst>
   <p:sldSz cx="12192000" cy="6858000"/>
   <p:notesSz cx="9144000" cy="6858000"/>
@@ -4055,7 +4058,7 @@
           <p:cNvPr id="2" name="Title 1">
             <a:extLst>
               <a:ext uri="{FF2B5EF4-FFF2-40B4-BE49-F238E27FC236}">
-                <a16:creationId xmlns:a16="http://schemas.microsoft.com/office/drawing/2014/main" id="{906CE396-B085-E245-AB6B-2C5E398C01CE}"/>
+                <a16:creationId xmlns:a16="http://schemas.microsoft.com/office/drawing/2014/main" id="{414E8CDF-97F8-BA4F-995B-9E79802D7E0F}"/>
               </a:ext>
             </a:extLst>
           </p:cNvPr>
@@ -4073,72 +4076,353 @@
           <a:p>
             <a:r>
               <a:rPr lang="en-US" dirty="0"/>
-              <a:t>Screams for code instrumentation, right?</a:t>
-            </a:r>
-          </a:p>
-        </p:txBody>
-      </p:sp>
-      <p:sp>
-        <p:nvSpPr>
-          <p:cNvPr id="3" name="Content Placeholder 2">
-            <a:extLst>
-              <a:ext uri="{FF2B5EF4-FFF2-40B4-BE49-F238E27FC236}">
-                <a16:creationId xmlns:a16="http://schemas.microsoft.com/office/drawing/2014/main" id="{CB7C9509-26D1-7046-A349-9EE4BD8352B9}"/>
-              </a:ext>
-            </a:extLst>
-          </p:cNvPr>
-          <p:cNvSpPr>
-            <a:spLocks noGrp="1"/>
-          </p:cNvSpPr>
+              <a:t>Requirement: explain code w/o errors</a:t>
+            </a:r>
+          </a:p>
+        </p:txBody>
+      </p:sp>
+      <p:pic>
+        <p:nvPicPr>
+          <p:cNvPr id="5" name="Content Placeholder 4">
+            <a:extLst>
+              <a:ext uri="{FF2B5EF4-FFF2-40B4-BE49-F238E27FC236}">
+                <a16:creationId xmlns:a16="http://schemas.microsoft.com/office/drawing/2014/main" id="{F62B8AAC-7B21-4946-A6A9-8B21D5E03563}"/>
+              </a:ext>
+            </a:extLst>
+          </p:cNvPr>
+          <p:cNvPicPr>
+            <a:picLocks noGrp="1" noChangeAspect="1"/>
+          </p:cNvPicPr>
           <p:nvPr>
             <p:ph idx="1"/>
           </p:nvPr>
-        </p:nvSpPr>
-        <p:spPr/>
-        <p:txBody>
-          <a:bodyPr>
-            <a:normAutofit/>
+        </p:nvPicPr>
+        <p:blipFill>
+          <a:blip r:embed="rId2"/>
+          <a:stretch>
+            <a:fillRect/>
+          </a:stretch>
+        </p:blipFill>
+        <p:spPr>
+          <a:xfrm>
+            <a:off x="361494" y="1690688"/>
+            <a:ext cx="3733800" cy="2120900"/>
+          </a:xfrm>
+        </p:spPr>
+      </p:pic>
+      <p:pic>
+        <p:nvPicPr>
+          <p:cNvPr id="7" name="Picture 6">
+            <a:extLst>
+              <a:ext uri="{FF2B5EF4-FFF2-40B4-BE49-F238E27FC236}">
+                <a16:creationId xmlns:a16="http://schemas.microsoft.com/office/drawing/2014/main" id="{F608205B-45C4-2349-BC49-9E88A9AC5BFC}"/>
+              </a:ext>
+            </a:extLst>
+          </p:cNvPr>
+          <p:cNvPicPr>
+            <a:picLocks noChangeAspect="1"/>
+          </p:cNvPicPr>
+          <p:nvPr/>
+        </p:nvPicPr>
+        <p:blipFill>
+          <a:blip r:embed="rId3"/>
+          <a:stretch>
+            <a:fillRect/>
+          </a:stretch>
+        </p:blipFill>
+        <p:spPr>
+          <a:xfrm>
+            <a:off x="7759504" y="3082302"/>
+            <a:ext cx="2578100" cy="1219200"/>
+          </a:xfrm>
+          <a:prstGeom prst="rect">
+            <a:avLst/>
+          </a:prstGeom>
+        </p:spPr>
+      </p:pic>
+      <p:pic>
+        <p:nvPicPr>
+          <p:cNvPr id="9" name="Picture 8">
+            <a:extLst>
+              <a:ext uri="{FF2B5EF4-FFF2-40B4-BE49-F238E27FC236}">
+                <a16:creationId xmlns:a16="http://schemas.microsoft.com/office/drawing/2014/main" id="{206D3E3A-529F-734E-A101-BA4130C4BBD2}"/>
+              </a:ext>
+            </a:extLst>
+          </p:cNvPr>
+          <p:cNvPicPr>
+            <a:picLocks noChangeAspect="1"/>
+          </p:cNvPicPr>
+          <p:nvPr/>
+        </p:nvPicPr>
+        <p:blipFill>
+          <a:blip r:embed="rId4"/>
+          <a:stretch>
+            <a:fillRect/>
+          </a:stretch>
+        </p:blipFill>
+        <p:spPr>
+          <a:xfrm>
+            <a:off x="7029254" y="1804447"/>
+            <a:ext cx="4038600" cy="812800"/>
+          </a:xfrm>
+          <a:prstGeom prst="rect">
+            <a:avLst/>
+          </a:prstGeom>
+        </p:spPr>
+      </p:pic>
+      <p:sp>
+        <p:nvSpPr>
+          <p:cNvPr id="10" name="Rectangle 9">
+            <a:extLst>
+              <a:ext uri="{FF2B5EF4-FFF2-40B4-BE49-F238E27FC236}">
+                <a16:creationId xmlns:a16="http://schemas.microsoft.com/office/drawing/2014/main" id="{0DDF4ACC-206E-644A-ABE0-2F61642F6F62}"/>
+              </a:ext>
+            </a:extLst>
+          </p:cNvPr>
+          <p:cNvSpPr/>
+          <p:nvPr/>
+        </p:nvSpPr>
+        <p:spPr>
+          <a:xfrm>
+            <a:off x="510100" y="1690688"/>
+            <a:ext cx="3585194" cy="330257"/>
+          </a:xfrm>
+          <a:prstGeom prst="rect">
+            <a:avLst/>
+          </a:prstGeom>
+          <a:noFill/>
+          <a:ln w="19050">
+            <a:solidFill>
+              <a:srgbClr val="E4754F"/>
+            </a:solidFill>
+          </a:ln>
+        </p:spPr>
+        <p:style>
+          <a:lnRef idx="2">
+            <a:schemeClr val="accent1">
+              <a:shade val="50000"/>
+            </a:schemeClr>
+          </a:lnRef>
+          <a:fillRef idx="1">
+            <a:schemeClr val="accent1"/>
+          </a:fillRef>
+          <a:effectRef idx="0">
+            <a:schemeClr val="accent1"/>
+          </a:effectRef>
+          <a:fontRef idx="minor">
+            <a:schemeClr val="lt1"/>
+          </a:fontRef>
+        </p:style>
+        <p:txBody>
+          <a:bodyPr rtlCol="0" anchor="ctr"/>
+          <a:lstStyle/>
+          <a:p>
+            <a:pPr algn="ctr"/>
+            <a:endParaRPr lang="en-US"/>
+          </a:p>
+        </p:txBody>
+      </p:sp>
+      <p:pic>
+        <p:nvPicPr>
+          <p:cNvPr id="12" name="Picture 11">
+            <a:extLst>
+              <a:ext uri="{FF2B5EF4-FFF2-40B4-BE49-F238E27FC236}">
+                <a16:creationId xmlns:a16="http://schemas.microsoft.com/office/drawing/2014/main" id="{920D7AB4-496D-C34D-AFB3-46ACAA75E25F}"/>
+              </a:ext>
+            </a:extLst>
+          </p:cNvPr>
+          <p:cNvPicPr>
+            <a:picLocks noChangeAspect="1"/>
+          </p:cNvPicPr>
+          <p:nvPr/>
+        </p:nvPicPr>
+        <p:blipFill>
+          <a:blip r:embed="rId5"/>
+          <a:stretch>
+            <a:fillRect/>
+          </a:stretch>
+        </p:blipFill>
+        <p:spPr>
+          <a:xfrm>
+            <a:off x="361494" y="4081807"/>
+            <a:ext cx="6155581" cy="2734564"/>
+          </a:xfrm>
+          <a:prstGeom prst="rect">
+            <a:avLst/>
+          </a:prstGeom>
+        </p:spPr>
+      </p:pic>
+      <p:sp>
+        <p:nvSpPr>
+          <p:cNvPr id="13" name="TextBox 12">
+            <a:extLst>
+              <a:ext uri="{FF2B5EF4-FFF2-40B4-BE49-F238E27FC236}">
+                <a16:creationId xmlns:a16="http://schemas.microsoft.com/office/drawing/2014/main" id="{B33509D6-EC6F-A347-8DD4-BC83D7071C34}"/>
+              </a:ext>
+            </a:extLst>
+          </p:cNvPr>
+          <p:cNvSpPr txBox="1"/>
+          <p:nvPr/>
+        </p:nvSpPr>
+        <p:spPr>
+          <a:xfrm>
+            <a:off x="3346515" y="6018041"/>
+            <a:ext cx="3544560" cy="369332"/>
+          </a:xfrm>
+          <a:prstGeom prst="rect">
+            <a:avLst/>
+          </a:prstGeom>
+          <a:noFill/>
+        </p:spPr>
+        <p:txBody>
+          <a:bodyPr wrap="none" rtlCol="0">
+            <a:spAutoFit/>
           </a:bodyPr>
           <a:lstStyle/>
           <a:p>
             <a:r>
               <a:rPr lang="en-US" dirty="0"/>
-              <a:t>I considered injecting Python bytecode to track subexpression evaluation and to get finer-grained exception handling</a:t>
-            </a:r>
-          </a:p>
-          <a:p>
-            <a:r>
-              <a:rPr lang="en-US" dirty="0"/>
-              <a:t>That might require a separate tool and preprocessing, rather than simply importing a library</a:t>
-            </a:r>
-          </a:p>
-          <a:p>
-            <a:r>
-              <a:rPr lang="en-US" dirty="0"/>
-              <a:t>Injected code could slow down entire program execution significantly</a:t>
-            </a:r>
-          </a:p>
-          <a:p>
-            <a:r>
-              <a:rPr lang="en-US" dirty="0"/>
-              <a:t>Injected code might affect Python optimization / concurrency</a:t>
-            </a:r>
-          </a:p>
-          <a:p>
-            <a:r>
-              <a:rPr lang="en-US" dirty="0"/>
-              <a:t>It seemed like a lot of work to learn and implement for a skill I probably would never need again</a:t>
-            </a:r>
-          </a:p>
-          <a:p>
-            <a:endParaRPr lang="en-US" dirty="0"/>
-          </a:p>
-        </p:txBody>
-      </p:sp>
+              <a:t>Greater than 2 and 3 dimensions</a:t>
+            </a:r>
+          </a:p>
+        </p:txBody>
+      </p:sp>
+      <p:cxnSp>
+        <p:nvCxnSpPr>
+          <p:cNvPr id="14" name="Straight Arrow Connector 13">
+            <a:extLst>
+              <a:ext uri="{FF2B5EF4-FFF2-40B4-BE49-F238E27FC236}">
+                <a16:creationId xmlns:a16="http://schemas.microsoft.com/office/drawing/2014/main" id="{39F31D14-AB77-A74D-BE71-97035E03188A}"/>
+              </a:ext>
+            </a:extLst>
+          </p:cNvPr>
+          <p:cNvCxnSpPr>
+            <a:cxnSpLocks/>
+            <a:stCxn id="13" idx="1"/>
+          </p:cNvCxnSpPr>
+          <p:nvPr/>
+        </p:nvCxnSpPr>
+        <p:spPr>
+          <a:xfrm flipH="1">
+            <a:off x="2639507" y="6202707"/>
+            <a:ext cx="707008" cy="9557"/>
+          </a:xfrm>
+          <a:prstGeom prst="straightConnector1">
+            <a:avLst/>
+          </a:prstGeom>
+          <a:ln>
+            <a:tailEnd type="triangle"/>
+          </a:ln>
+        </p:spPr>
+        <p:style>
+          <a:lnRef idx="1">
+            <a:schemeClr val="accent1"/>
+          </a:lnRef>
+          <a:fillRef idx="0">
+            <a:schemeClr val="accent1"/>
+          </a:fillRef>
+          <a:effectRef idx="0">
+            <a:schemeClr val="accent1"/>
+          </a:effectRef>
+          <a:fontRef idx="minor">
+            <a:schemeClr val="tx1"/>
+          </a:fontRef>
+        </p:style>
+      </p:cxnSp>
+      <p:sp>
+        <p:nvSpPr>
+          <p:cNvPr id="17" name="Rectangle 16">
+            <a:extLst>
+              <a:ext uri="{FF2B5EF4-FFF2-40B4-BE49-F238E27FC236}">
+                <a16:creationId xmlns:a16="http://schemas.microsoft.com/office/drawing/2014/main" id="{97FBF7FF-F5F0-A04E-B572-2FA59D73EF33}"/>
+              </a:ext>
+            </a:extLst>
+          </p:cNvPr>
+          <p:cNvSpPr/>
+          <p:nvPr/>
+        </p:nvSpPr>
+        <p:spPr>
+          <a:xfrm>
+            <a:off x="426370" y="4541781"/>
+            <a:ext cx="3544560" cy="330257"/>
+          </a:xfrm>
+          <a:prstGeom prst="rect">
+            <a:avLst/>
+          </a:prstGeom>
+          <a:noFill/>
+          <a:ln w="19050">
+            <a:solidFill>
+              <a:srgbClr val="E4754F"/>
+            </a:solidFill>
+          </a:ln>
+        </p:spPr>
+        <p:style>
+          <a:lnRef idx="2">
+            <a:schemeClr val="accent1">
+              <a:shade val="50000"/>
+            </a:schemeClr>
+          </a:lnRef>
+          <a:fillRef idx="1">
+            <a:schemeClr val="accent1"/>
+          </a:fillRef>
+          <a:effectRef idx="0">
+            <a:schemeClr val="accent1"/>
+          </a:effectRef>
+          <a:fontRef idx="minor">
+            <a:schemeClr val="lt1"/>
+          </a:fontRef>
+        </p:style>
+        <p:txBody>
+          <a:bodyPr rtlCol="0" anchor="ctr"/>
+          <a:lstStyle/>
+          <a:p>
+            <a:pPr algn="ctr"/>
+            <a:endParaRPr lang="en-US"/>
+          </a:p>
+        </p:txBody>
+      </p:sp>
+      <p:cxnSp>
+        <p:nvCxnSpPr>
+          <p:cNvPr id="19" name="Straight Connector 18">
+            <a:extLst>
+              <a:ext uri="{FF2B5EF4-FFF2-40B4-BE49-F238E27FC236}">
+                <a16:creationId xmlns:a16="http://schemas.microsoft.com/office/drawing/2014/main" id="{7EE79A98-C646-1D4A-A18D-A0A07DC95041}"/>
+              </a:ext>
+            </a:extLst>
+          </p:cNvPr>
+          <p:cNvCxnSpPr>
+            <a:cxnSpLocks/>
+          </p:cNvCxnSpPr>
+          <p:nvPr/>
+        </p:nvCxnSpPr>
+        <p:spPr>
+          <a:xfrm>
+            <a:off x="6815581" y="1555423"/>
+            <a:ext cx="0" cy="4279769"/>
+          </a:xfrm>
+          <a:prstGeom prst="line">
+            <a:avLst/>
+          </a:prstGeom>
+        </p:spPr>
+        <p:style>
+          <a:lnRef idx="1">
+            <a:schemeClr val="accent1"/>
+          </a:lnRef>
+          <a:fillRef idx="0">
+            <a:schemeClr val="accent1"/>
+          </a:fillRef>
+          <a:effectRef idx="0">
+            <a:schemeClr val="accent1"/>
+          </a:effectRef>
+          <a:fontRef idx="minor">
+            <a:schemeClr val="tx1"/>
+          </a:fontRef>
+        </p:style>
+      </p:cxnSp>
     </p:spTree>
     <p:extLst>
       <p:ext uri="{BB962C8B-B14F-4D97-AF65-F5344CB8AC3E}">
-        <p14:creationId xmlns:p14="http://schemas.microsoft.com/office/powerpoint/2010/main" val="1540936661"/>
+        <p14:creationId xmlns:p14="http://schemas.microsoft.com/office/powerpoint/2010/main" val="3545508290"/>
       </p:ext>
     </p:extLst>
   </p:cSld>
@@ -4170,7 +4454,7 @@
           <p:cNvPr id="2" name="Title 1">
             <a:extLst>
               <a:ext uri="{FF2B5EF4-FFF2-40B4-BE49-F238E27FC236}">
-                <a16:creationId xmlns:a16="http://schemas.microsoft.com/office/drawing/2014/main" id="{837F6A9A-0A6B-B94F-8B91-6C23BBC5A946}"/>
+                <a16:creationId xmlns:a16="http://schemas.microsoft.com/office/drawing/2014/main" id="{D088C2E6-F25E-6B46-B522-C154A29F4398}"/>
               </a:ext>
             </a:extLst>
           </p:cNvPr>
@@ -4181,31 +4465,31 @@
             <p:ph type="title"/>
           </p:nvPr>
         </p:nvSpPr>
-        <p:spPr>
-          <a:xfrm>
-            <a:off x="838199" y="365125"/>
-            <a:ext cx="10662501" cy="1325563"/>
-          </a:xfrm>
-        </p:spPr>
-        <p:txBody>
-          <a:bodyPr>
-            <a:normAutofit fontScale="90000"/>
-          </a:bodyPr>
-          <a:lstStyle/>
-          <a:p>
-            <a:r>
-              <a:rPr lang="en-US" dirty="0"/>
-              <a:t>Getting operator-level exceptions w/o bytecode instrumentation requires a total hack</a:t>
-            </a:r>
-          </a:p>
-        </p:txBody>
-      </p:sp>
-      <p:sp>
-        <p:nvSpPr>
-          <p:cNvPr id="3" name="Content Placeholder 2">
-            <a:extLst>
-              <a:ext uri="{FF2B5EF4-FFF2-40B4-BE49-F238E27FC236}">
-                <a16:creationId xmlns:a16="http://schemas.microsoft.com/office/drawing/2014/main" id="{524F48FA-29F3-7C45-AEC9-CDAD6EE5405B}"/>
+        <p:spPr/>
+        <p:txBody>
+          <a:bodyPr/>
+          <a:lstStyle/>
+          <a:p>
+            <a:r>
+              <a:rPr lang="en-US" dirty="0"/>
+              <a:t>Language engineering</a:t>
+            </a:r>
+            <a:br>
+              <a:rPr lang="en-US" dirty="0"/>
+            </a:br>
+            <a:r>
+              <a:rPr lang="en-US" dirty="0"/>
+              <a:t>related implementation</a:t>
+            </a:r>
+          </a:p>
+        </p:txBody>
+      </p:sp>
+      <p:sp>
+        <p:nvSpPr>
+          <p:cNvPr id="3" name="Text Placeholder 2">
+            <a:extLst>
+              <a:ext uri="{FF2B5EF4-FFF2-40B4-BE49-F238E27FC236}">
+                <a16:creationId xmlns:a16="http://schemas.microsoft.com/office/drawing/2014/main" id="{5CB9B935-55FE-E744-8EB6-2AE7B9545811}"/>
               </a:ext>
             </a:extLst>
           </p:cNvPr>
@@ -4213,63 +4497,22 @@
             <a:spLocks noGrp="1"/>
           </p:cNvSpPr>
           <p:nvPr>
-            <p:ph idx="1"/>
+            <p:ph type="body" idx="1"/>
           </p:nvPr>
         </p:nvSpPr>
         <p:spPr/>
         <p:txBody>
-          <a:bodyPr>
-            <a:normAutofit lnSpcReduction="10000"/>
-          </a:bodyPr>
-          <a:lstStyle/>
-          <a:p>
-            <a:r>
-              <a:rPr lang="en-US" dirty="0"/>
-              <a:t>We can get (1) the full execution stack and (2) the offending line of source code</a:t>
-            </a:r>
-          </a:p>
-          <a:p>
-            <a:r>
-              <a:rPr lang="en-US" dirty="0"/>
-              <a:t>To identify the individual operator and operands that triggered an exception use brute-force:</a:t>
-            </a:r>
-          </a:p>
-          <a:p>
-            <a:pPr lvl="1"/>
-            <a:r>
-              <a:rPr lang="en-US" dirty="0"/>
-              <a:t>reevaluate each operation in the line piece-by-piece in proper order and in the correct execution context (must pick correct stack frame)</a:t>
-            </a:r>
-          </a:p>
-          <a:p>
-            <a:r>
-              <a:rPr lang="en-US" dirty="0"/>
-              <a:t>Wait for an operator to cause an exception, report op/</a:t>
-            </a:r>
-            <a:r>
-              <a:rPr lang="en-US" dirty="0" err="1"/>
-              <a:t>opnds</a:t>
-            </a:r>
-            <a:endParaRPr lang="en-US" dirty="0"/>
-          </a:p>
-          <a:p>
-            <a:r>
-              <a:rPr lang="en-US" dirty="0"/>
-              <a:t>Zero cost until error, but assumes side-effect free functions</a:t>
-            </a:r>
-          </a:p>
-          <a:p>
-            <a:r>
-              <a:rPr lang="en-US" dirty="0"/>
-              <a:t>Even if side-effecting, who cares (usually)? Program is about to terminate</a:t>
-            </a:r>
+          <a:bodyPr/>
+          <a:lstStyle/>
+          <a:p>
+            <a:endParaRPr lang="en-US"/>
           </a:p>
         </p:txBody>
       </p:sp>
     </p:spTree>
     <p:extLst>
       <p:ext uri="{BB962C8B-B14F-4D97-AF65-F5344CB8AC3E}">
-        <p14:creationId xmlns:p14="http://schemas.microsoft.com/office/powerpoint/2010/main" val="4145247834"/>
+        <p14:creationId xmlns:p14="http://schemas.microsoft.com/office/powerpoint/2010/main" val="1220282188"/>
       </p:ext>
     </p:extLst>
   </p:cSld>
@@ -4301,7 +4544,7 @@
           <p:cNvPr id="2" name="Title 1">
             <a:extLst>
               <a:ext uri="{FF2B5EF4-FFF2-40B4-BE49-F238E27FC236}">
-                <a16:creationId xmlns:a16="http://schemas.microsoft.com/office/drawing/2014/main" id="{F7B71233-6082-A34D-891B-535438901B7C}"/>
+                <a16:creationId xmlns:a16="http://schemas.microsoft.com/office/drawing/2014/main" id="{D014B71A-3678-DA44-8A7B-69B0EC06C764}"/>
               </a:ext>
             </a:extLst>
           </p:cNvPr>
@@ -4315,7 +4558,7 @@
         <p:spPr>
           <a:xfrm>
             <a:off x="838200" y="365125"/>
-            <a:ext cx="10515600" cy="727285"/>
+            <a:ext cx="10515600" cy="992335"/>
           </a:xfrm>
         </p:spPr>
         <p:txBody>
@@ -4324,7 +4567,7 @@
           <a:p>
             <a:r>
               <a:rPr lang="en-US" dirty="0"/>
-              <a:t>Reevaluation mechanism</a:t>
+              <a:t>Key questions to answer</a:t>
             </a:r>
           </a:p>
         </p:txBody>
@@ -4334,7 +4577,7 @@
           <p:cNvPr id="3" name="Content Placeholder 2">
             <a:extLst>
               <a:ext uri="{FF2B5EF4-FFF2-40B4-BE49-F238E27FC236}">
-                <a16:creationId xmlns:a16="http://schemas.microsoft.com/office/drawing/2014/main" id="{5B71B924-17ED-DE4C-80CE-C6506A32A07D}"/>
+                <a16:creationId xmlns:a16="http://schemas.microsoft.com/office/drawing/2014/main" id="{22407BF5-7163-BB43-9BA1-C1728BB28111}"/>
               </a:ext>
             </a:extLst>
           </p:cNvPr>
@@ -4347,104 +4590,103 @@
         </p:nvSpPr>
         <p:spPr>
           <a:xfrm>
-            <a:off x="754144" y="1230792"/>
-            <a:ext cx="5684363" cy="5262084"/>
+            <a:off x="838200" y="1498862"/>
+            <a:ext cx="10515600" cy="4678101"/>
           </a:xfrm>
         </p:spPr>
         <p:txBody>
           <a:bodyPr>
-            <a:normAutofit fontScale="92500" lnSpcReduction="20000"/>
+            <a:normAutofit/>
           </a:bodyPr>
           <a:lstStyle/>
           <a:p>
-            <a:r>
-              <a:rPr lang="en-US" dirty="0"/>
-              <a:t>First, check if exception is tensor-related or if exec stack descends into a known tensor lib</a:t>
-            </a:r>
-          </a:p>
-          <a:p>
-            <a:r>
-              <a:rPr lang="en-US" dirty="0"/>
-              <a:t>If so, parse deepest </a:t>
-            </a:r>
-            <a:r>
-              <a:rPr lang="en-US" i="1" dirty="0"/>
-              <a:t>user-level</a:t>
-            </a:r>
-            <a:r>
-              <a:rPr lang="en-US" dirty="0"/>
-              <a:t> offending statement and build an appropriate AST with operators as subtree roots</a:t>
-            </a:r>
-          </a:p>
-          <a:p>
-            <a:r>
-              <a:rPr lang="en-US" dirty="0"/>
-              <a:t>Uses built-in Python tokenizer</a:t>
-            </a:r>
-          </a:p>
-          <a:p>
-            <a:r>
-              <a:rPr lang="en-US" dirty="0" err="1"/>
-              <a:t>Handbuilt</a:t>
-            </a:r>
-            <a:r>
-              <a:rPr lang="en-US" dirty="0"/>
-              <a:t> Python parser for subset of statements / </a:t>
-            </a:r>
-            <a:r>
-              <a:rPr lang="en-US" dirty="0" err="1"/>
-              <a:t>exprs</a:t>
-            </a:r>
-            <a:endParaRPr lang="en-US" dirty="0"/>
-          </a:p>
-          <a:p>
-            <a:r>
-              <a:rPr lang="en-US" dirty="0"/>
-              <a:t>Avoided ANTLR to avoid introducing a lib dependency</a:t>
-            </a:r>
-          </a:p>
-          <a:p>
-            <a:r>
-              <a:rPr lang="en-US" dirty="0"/>
-              <a:t>Avoided built-in Python parser since reorg'ing AST is same work as  rolling my own parser</a:t>
-            </a:r>
-          </a:p>
-        </p:txBody>
-      </p:sp>
-      <p:pic>
-        <p:nvPicPr>
-          <p:cNvPr id="4" name="Picture 3">
-            <a:extLst>
-              <a:ext uri="{FF2B5EF4-FFF2-40B4-BE49-F238E27FC236}">
-                <a16:creationId xmlns:a16="http://schemas.microsoft.com/office/drawing/2014/main" id="{18CB3F87-D4DE-1940-8589-A9F959BA4C1D}"/>
-              </a:ext>
-            </a:extLst>
-          </p:cNvPr>
-          <p:cNvPicPr>
-            <a:picLocks noChangeAspect="1"/>
-          </p:cNvPicPr>
+            <a:pPr marL="514350" indent="-514350">
+              <a:buFont typeface="+mj-lt"/>
+              <a:buAutoNum type="arabicPeriod"/>
+            </a:pPr>
+            <a:r>
+              <a:rPr lang="en-US" dirty="0"/>
+              <a:t>Python traps exceptions at the statement level, so how can we identify offending operators and operand values? </a:t>
+            </a:r>
+          </a:p>
+          <a:p>
+            <a:pPr marL="514350" indent="-514350">
+              <a:buFont typeface="+mj-lt"/>
+              <a:buAutoNum type="arabicPeriod"/>
+            </a:pPr>
+            <a:r>
+              <a:rPr lang="en-US" dirty="0"/>
+              <a:t>How can we trap exceptions without requiring try/except blocks around statements with potential dimension problems?</a:t>
+            </a:r>
+            <a:br>
+              <a:rPr lang="en-US" dirty="0"/>
+            </a:br>
+            <a:r>
+              <a:rPr lang="en-US" dirty="0"/>
+              <a:t>(Also want to ignore non-matrix related exceptions; user shouldn't need to know Python internal execution details)</a:t>
+            </a:r>
+          </a:p>
+          <a:p>
+            <a:pPr marL="514350" indent="-514350">
+              <a:buFont typeface="+mj-lt"/>
+              <a:buAutoNum type="arabicPeriod"/>
+            </a:pPr>
+            <a:r>
+              <a:rPr lang="en-US" dirty="0"/>
+              <a:t>How can we generate matrix visualizations w/o explicit calls?</a:t>
+            </a:r>
+          </a:p>
+          <a:p>
+            <a:pPr marL="514350" indent="-514350">
+              <a:buFont typeface="+mj-lt"/>
+              <a:buAutoNum type="arabicPeriod"/>
+            </a:pPr>
+            <a:r>
+              <a:rPr lang="en-US" dirty="0"/>
+              <a:t>Can we make use of library zero cost until an exception?</a:t>
+            </a:r>
+          </a:p>
+        </p:txBody>
+      </p:sp>
+      <p:sp>
+        <p:nvSpPr>
+          <p:cNvPr id="6" name="TextBox 5">
+            <a:extLst>
+              <a:ext uri="{FF2B5EF4-FFF2-40B4-BE49-F238E27FC236}">
+                <a16:creationId xmlns:a16="http://schemas.microsoft.com/office/drawing/2014/main" id="{6A2404B0-BCDF-9C45-BF71-14219B10FE33}"/>
+              </a:ext>
+            </a:extLst>
+          </p:cNvPr>
+          <p:cNvSpPr txBox="1"/>
           <p:nvPr/>
-        </p:nvPicPr>
-        <p:blipFill>
-          <a:blip r:embed="rId2"/>
-          <a:stretch>
-            <a:fillRect/>
-          </a:stretch>
-        </p:blipFill>
-        <p:spPr>
-          <a:xfrm>
-            <a:off x="6438507" y="1230791"/>
-            <a:ext cx="5684363" cy="5084553"/>
+        </p:nvSpPr>
+        <p:spPr>
+          <a:xfrm>
+            <a:off x="404459" y="5264715"/>
+            <a:ext cx="11524309" cy="584775"/>
           </a:xfrm>
           <a:prstGeom prst="rect">
             <a:avLst/>
           </a:prstGeom>
-        </p:spPr>
-      </p:pic>
+          <a:noFill/>
+        </p:spPr>
+        <p:txBody>
+          <a:bodyPr wrap="none" rtlCol="0">
+            <a:spAutoFit/>
+          </a:bodyPr>
+          <a:lstStyle/>
+          <a:p>
+            <a:r>
+              <a:rPr lang="en-US" sz="3200" dirty="0"/>
+              <a:t>In other words, how do we make this precise and unobtrusive?</a:t>
+            </a:r>
+          </a:p>
+        </p:txBody>
+      </p:sp>
     </p:spTree>
     <p:extLst>
       <p:ext uri="{BB962C8B-B14F-4D97-AF65-F5344CB8AC3E}">
-        <p14:creationId xmlns:p14="http://schemas.microsoft.com/office/powerpoint/2010/main" val="26650210"/>
+        <p14:creationId xmlns:p14="http://schemas.microsoft.com/office/powerpoint/2010/main" val="3440886272"/>
       </p:ext>
     </p:extLst>
   </p:cSld>
@@ -4476,7 +4718,7 @@
           <p:cNvPr id="2" name="Title 1">
             <a:extLst>
               <a:ext uri="{FF2B5EF4-FFF2-40B4-BE49-F238E27FC236}">
-                <a16:creationId xmlns:a16="http://schemas.microsoft.com/office/drawing/2014/main" id="{F7B71233-6082-A34D-891B-535438901B7C}"/>
+                <a16:creationId xmlns:a16="http://schemas.microsoft.com/office/drawing/2014/main" id="{906CE396-B085-E245-AB6B-2C5E398C01CE}"/>
               </a:ext>
             </a:extLst>
           </p:cNvPr>
@@ -4487,19 +4729,14 @@
             <p:ph type="title"/>
           </p:nvPr>
         </p:nvSpPr>
-        <p:spPr>
-          <a:xfrm>
-            <a:off x="838200" y="365125"/>
-            <a:ext cx="10515600" cy="727285"/>
-          </a:xfrm>
-        </p:spPr>
+        <p:spPr/>
         <p:txBody>
           <a:bodyPr/>
           <a:lstStyle/>
           <a:p>
             <a:r>
               <a:rPr lang="en-US" dirty="0"/>
-              <a:t>Reevaluation mechanism continued</a:t>
+              <a:t>Screams for code instrumentation, right?</a:t>
             </a:r>
           </a:p>
         </p:txBody>
@@ -4509,7 +4746,7 @@
           <p:cNvPr id="3" name="Content Placeholder 2">
             <a:extLst>
               <a:ext uri="{FF2B5EF4-FFF2-40B4-BE49-F238E27FC236}">
-                <a16:creationId xmlns:a16="http://schemas.microsoft.com/office/drawing/2014/main" id="{5B71B924-17ED-DE4C-80CE-C6506A32A07D}"/>
+                <a16:creationId xmlns:a16="http://schemas.microsoft.com/office/drawing/2014/main" id="{CB7C9509-26D1-7046-A349-9EE4BD8352B9}"/>
               </a:ext>
             </a:extLst>
           </p:cNvPr>
@@ -4520,12 +4757,7 @@
             <p:ph idx="1"/>
           </p:nvPr>
         </p:nvSpPr>
-        <p:spPr>
-          <a:xfrm>
-            <a:off x="584462" y="1230791"/>
-            <a:ext cx="5854045" cy="5222934"/>
-          </a:xfrm>
-        </p:spPr>
+        <p:spPr/>
         <p:txBody>
           <a:bodyPr>
             <a:normAutofit/>
@@ -4534,79 +4766,42 @@
           <a:p>
             <a:r>
               <a:rPr lang="en-US" dirty="0"/>
-              <a:t>Evaluate operators of AST bottom-up in proper exec order</a:t>
-            </a:r>
-          </a:p>
-          <a:p>
-            <a:r>
-              <a:rPr lang="en-US" dirty="0"/>
-              <a:t>Call </a:t>
-            </a:r>
-            <a:r>
-              <a:rPr lang="en-US" b="1" dirty="0"/>
-              <a:t>eval()</a:t>
-            </a:r>
-            <a:r>
-              <a:rPr lang="en-US" dirty="0"/>
-              <a:t> on source subexpressions using the appropriate execution contexts, saving results in associated nodes</a:t>
-            </a:r>
-          </a:p>
-          <a:p>
-            <a:r>
-              <a:rPr lang="en-US" dirty="0"/>
-              <a:t>Trap and absorb exception from </a:t>
-            </a:r>
-            <a:r>
-              <a:rPr lang="en-US" b="1" dirty="0"/>
-              <a:t>eval()</a:t>
-            </a:r>
-            <a:r>
-              <a:rPr lang="en-US" dirty="0"/>
-              <a:t>, record that exception and offending AST node</a:t>
-            </a:r>
-          </a:p>
-          <a:p>
-            <a:r>
-              <a:rPr lang="en-US" dirty="0"/>
-              <a:t>Augment original exception message with info derived this new exception and op, operands</a:t>
-            </a:r>
-          </a:p>
-        </p:txBody>
-      </p:sp>
-      <p:pic>
-        <p:nvPicPr>
-          <p:cNvPr id="4" name="Picture 3">
-            <a:extLst>
-              <a:ext uri="{FF2B5EF4-FFF2-40B4-BE49-F238E27FC236}">
-                <a16:creationId xmlns:a16="http://schemas.microsoft.com/office/drawing/2014/main" id="{18CB3F87-D4DE-1940-8589-A9F959BA4C1D}"/>
-              </a:ext>
-            </a:extLst>
-          </p:cNvPr>
-          <p:cNvPicPr>
-            <a:picLocks noChangeAspect="1"/>
-          </p:cNvPicPr>
-          <p:nvPr/>
-        </p:nvPicPr>
-        <p:blipFill>
-          <a:blip r:embed="rId2"/>
-          <a:stretch>
-            <a:fillRect/>
-          </a:stretch>
-        </p:blipFill>
-        <p:spPr>
-          <a:xfrm>
-            <a:off x="6438507" y="1230791"/>
-            <a:ext cx="5684363" cy="5084553"/>
-          </a:xfrm>
-          <a:prstGeom prst="rect">
-            <a:avLst/>
-          </a:prstGeom>
-        </p:spPr>
-      </p:pic>
+              <a:t>I considered injecting Python bytecode to track subexpression evaluation and to get finer-grained exception handling</a:t>
+            </a:r>
+          </a:p>
+          <a:p>
+            <a:r>
+              <a:rPr lang="en-US" dirty="0"/>
+              <a:t>That might require a separate tool and preprocessing, rather than simply importing a library</a:t>
+            </a:r>
+          </a:p>
+          <a:p>
+            <a:r>
+              <a:rPr lang="en-US" dirty="0"/>
+              <a:t>Injected code could slow down entire program execution significantly</a:t>
+            </a:r>
+          </a:p>
+          <a:p>
+            <a:r>
+              <a:rPr lang="en-US" dirty="0"/>
+              <a:t>Injected code might affect Python optimization / concurrency</a:t>
+            </a:r>
+          </a:p>
+          <a:p>
+            <a:r>
+              <a:rPr lang="en-US" dirty="0"/>
+              <a:t>It seemed like a lot of work to learn and implement for a skill I probably would never need again</a:t>
+            </a:r>
+          </a:p>
+          <a:p>
+            <a:endParaRPr lang="en-US" dirty="0"/>
+          </a:p>
+        </p:txBody>
+      </p:sp>
     </p:spTree>
     <p:extLst>
       <p:ext uri="{BB962C8B-B14F-4D97-AF65-F5344CB8AC3E}">
-        <p14:creationId xmlns:p14="http://schemas.microsoft.com/office/powerpoint/2010/main" val="611637354"/>
+        <p14:creationId xmlns:p14="http://schemas.microsoft.com/office/powerpoint/2010/main" val="1540936661"/>
       </p:ext>
     </p:extLst>
   </p:cSld>
@@ -4638,6 +4833,513 @@
           <p:cNvPr id="2" name="Title 1">
             <a:extLst>
               <a:ext uri="{FF2B5EF4-FFF2-40B4-BE49-F238E27FC236}">
+                <a16:creationId xmlns:a16="http://schemas.microsoft.com/office/drawing/2014/main" id="{837F6A9A-0A6B-B94F-8B91-6C23BBC5A946}"/>
+              </a:ext>
+            </a:extLst>
+          </p:cNvPr>
+          <p:cNvSpPr>
+            <a:spLocks noGrp="1"/>
+          </p:cNvSpPr>
+          <p:nvPr>
+            <p:ph type="title"/>
+          </p:nvPr>
+        </p:nvSpPr>
+        <p:spPr>
+          <a:xfrm>
+            <a:off x="838199" y="365125"/>
+            <a:ext cx="10662501" cy="1325563"/>
+          </a:xfrm>
+        </p:spPr>
+        <p:txBody>
+          <a:bodyPr>
+            <a:normAutofit fontScale="90000"/>
+          </a:bodyPr>
+          <a:lstStyle/>
+          <a:p>
+            <a:r>
+              <a:rPr lang="en-US" dirty="0"/>
+              <a:t>Getting operator-level exceptions w/o bytecode instrumentation requires a total hack</a:t>
+            </a:r>
+          </a:p>
+        </p:txBody>
+      </p:sp>
+      <p:sp>
+        <p:nvSpPr>
+          <p:cNvPr id="3" name="Content Placeholder 2">
+            <a:extLst>
+              <a:ext uri="{FF2B5EF4-FFF2-40B4-BE49-F238E27FC236}">
+                <a16:creationId xmlns:a16="http://schemas.microsoft.com/office/drawing/2014/main" id="{524F48FA-29F3-7C45-AEC9-CDAD6EE5405B}"/>
+              </a:ext>
+            </a:extLst>
+          </p:cNvPr>
+          <p:cNvSpPr>
+            <a:spLocks noGrp="1"/>
+          </p:cNvSpPr>
+          <p:nvPr>
+            <p:ph idx="1"/>
+          </p:nvPr>
+        </p:nvSpPr>
+        <p:spPr/>
+        <p:txBody>
+          <a:bodyPr>
+            <a:normAutofit lnSpcReduction="10000"/>
+          </a:bodyPr>
+          <a:lstStyle/>
+          <a:p>
+            <a:r>
+              <a:rPr lang="en-US" dirty="0"/>
+              <a:t>We have: (1) the full execution stack and (2) the offending line of source code</a:t>
+            </a:r>
+          </a:p>
+          <a:p>
+            <a:r>
+              <a:rPr lang="en-US" dirty="0"/>
+              <a:t>To identify the individual operator and operands that triggered an exception use brute-force:</a:t>
+            </a:r>
+          </a:p>
+          <a:p>
+            <a:pPr lvl="1"/>
+            <a:r>
+              <a:rPr lang="en-US" dirty="0"/>
+              <a:t>reevaluate each operation in the line piece-by-piece in proper order and in the correct execution context (must pick correct stack frame)</a:t>
+            </a:r>
+          </a:p>
+          <a:p>
+            <a:r>
+              <a:rPr lang="en-US" dirty="0"/>
+              <a:t>Wait for an operator to cause an exception, report op/</a:t>
+            </a:r>
+            <a:r>
+              <a:rPr lang="en-US" dirty="0" err="1"/>
+              <a:t>opnds</a:t>
+            </a:r>
+            <a:endParaRPr lang="en-US" dirty="0"/>
+          </a:p>
+          <a:p>
+            <a:r>
+              <a:rPr lang="en-US" dirty="0"/>
+              <a:t>Zero cost until error, but assumes side-effect free functions</a:t>
+            </a:r>
+          </a:p>
+          <a:p>
+            <a:r>
+              <a:rPr lang="en-US" dirty="0"/>
+              <a:t>Even if side-effecting, who cares (usually)? Program is about to terminate</a:t>
+            </a:r>
+          </a:p>
+        </p:txBody>
+      </p:sp>
+    </p:spTree>
+    <p:extLst>
+      <p:ext uri="{BB962C8B-B14F-4D97-AF65-F5344CB8AC3E}">
+        <p14:creationId xmlns:p14="http://schemas.microsoft.com/office/powerpoint/2010/main" val="4145247834"/>
+      </p:ext>
+    </p:extLst>
+  </p:cSld>
+  <p:clrMapOvr>
+    <a:masterClrMapping/>
+  </p:clrMapOvr>
+</p:sld>
+</file>
+
+<file path=ppt/slides/slide15.xml><?xml version="1.0" encoding="utf-8"?>
+<p:sld xmlns:a="http://schemas.openxmlformats.org/drawingml/2006/main" xmlns:r="http://schemas.openxmlformats.org/officeDocument/2006/relationships" xmlns:p="http://schemas.openxmlformats.org/presentationml/2006/main">
+  <p:cSld>
+    <p:spTree>
+      <p:nvGrpSpPr>
+        <p:cNvPr id="1" name=""/>
+        <p:cNvGrpSpPr/>
+        <p:nvPr/>
+      </p:nvGrpSpPr>
+      <p:grpSpPr>
+        <a:xfrm>
+          <a:off x="0" y="0"/>
+          <a:ext cx="0" cy="0"/>
+          <a:chOff x="0" y="0"/>
+          <a:chExt cx="0" cy="0"/>
+        </a:xfrm>
+      </p:grpSpPr>
+      <p:sp>
+        <p:nvSpPr>
+          <p:cNvPr id="2" name="Title 1">
+            <a:extLst>
+              <a:ext uri="{FF2B5EF4-FFF2-40B4-BE49-F238E27FC236}">
+                <a16:creationId xmlns:a16="http://schemas.microsoft.com/office/drawing/2014/main" id="{F7B71233-6082-A34D-891B-535438901B7C}"/>
+              </a:ext>
+            </a:extLst>
+          </p:cNvPr>
+          <p:cNvSpPr>
+            <a:spLocks noGrp="1"/>
+          </p:cNvSpPr>
+          <p:nvPr>
+            <p:ph type="title"/>
+          </p:nvPr>
+        </p:nvSpPr>
+        <p:spPr>
+          <a:xfrm>
+            <a:off x="838200" y="365125"/>
+            <a:ext cx="10515600" cy="727285"/>
+          </a:xfrm>
+        </p:spPr>
+        <p:txBody>
+          <a:bodyPr/>
+          <a:lstStyle/>
+          <a:p>
+            <a:r>
+              <a:rPr lang="en-US" dirty="0"/>
+              <a:t>Reevaluation mechanism</a:t>
+            </a:r>
+          </a:p>
+        </p:txBody>
+      </p:sp>
+      <p:sp>
+        <p:nvSpPr>
+          <p:cNvPr id="3" name="Content Placeholder 2">
+            <a:extLst>
+              <a:ext uri="{FF2B5EF4-FFF2-40B4-BE49-F238E27FC236}">
+                <a16:creationId xmlns:a16="http://schemas.microsoft.com/office/drawing/2014/main" id="{5B71B924-17ED-DE4C-80CE-C6506A32A07D}"/>
+              </a:ext>
+            </a:extLst>
+          </p:cNvPr>
+          <p:cNvSpPr>
+            <a:spLocks noGrp="1"/>
+          </p:cNvSpPr>
+          <p:nvPr>
+            <p:ph idx="1"/>
+          </p:nvPr>
+        </p:nvSpPr>
+        <p:spPr>
+          <a:xfrm>
+            <a:off x="754144" y="1230792"/>
+            <a:ext cx="5684363" cy="5262084"/>
+          </a:xfrm>
+        </p:spPr>
+        <p:txBody>
+          <a:bodyPr>
+            <a:normAutofit fontScale="92500" lnSpcReduction="20000"/>
+          </a:bodyPr>
+          <a:lstStyle/>
+          <a:p>
+            <a:r>
+              <a:rPr lang="en-US" dirty="0"/>
+              <a:t>First, check if exception is tensor-related or if exec stack descends into a known tensor lib</a:t>
+            </a:r>
+          </a:p>
+          <a:p>
+            <a:r>
+              <a:rPr lang="en-US" dirty="0"/>
+              <a:t>If so, find and parse deepest </a:t>
+            </a:r>
+            <a:r>
+              <a:rPr lang="en-US" i="1" dirty="0"/>
+              <a:t>user-level</a:t>
+            </a:r>
+            <a:r>
+              <a:rPr lang="en-US" dirty="0"/>
+              <a:t> offending statement and build an appropriate AST with operators as subtree roots</a:t>
+            </a:r>
+          </a:p>
+          <a:p>
+            <a:r>
+              <a:rPr lang="en-US" dirty="0"/>
+              <a:t>Uses built-in Python tokenizer</a:t>
+            </a:r>
+          </a:p>
+          <a:p>
+            <a:r>
+              <a:rPr lang="en-US" dirty="0"/>
+              <a:t>Uses </a:t>
+            </a:r>
+            <a:r>
+              <a:rPr lang="en-US" dirty="0" err="1"/>
+              <a:t>handbuilt</a:t>
+            </a:r>
+            <a:r>
+              <a:rPr lang="en-US" dirty="0"/>
+              <a:t> Python parser for subset of statements / </a:t>
+            </a:r>
+            <a:r>
+              <a:rPr lang="en-US" dirty="0" err="1"/>
+              <a:t>exprs</a:t>
+            </a:r>
+            <a:endParaRPr lang="en-US" dirty="0"/>
+          </a:p>
+          <a:p>
+            <a:r>
+              <a:rPr lang="en-US" dirty="0"/>
+              <a:t>Avoided ANTLR to avoid introducing a lib dependency</a:t>
+            </a:r>
+          </a:p>
+          <a:p>
+            <a:r>
+              <a:rPr lang="en-US" dirty="0"/>
+              <a:t>Avoided built-in Python parser since reorg'ing AST is same work as  rolling my own parser</a:t>
+            </a:r>
+          </a:p>
+        </p:txBody>
+      </p:sp>
+      <p:pic>
+        <p:nvPicPr>
+          <p:cNvPr id="4" name="Picture 3">
+            <a:extLst>
+              <a:ext uri="{FF2B5EF4-FFF2-40B4-BE49-F238E27FC236}">
+                <a16:creationId xmlns:a16="http://schemas.microsoft.com/office/drawing/2014/main" id="{18CB3F87-D4DE-1940-8589-A9F959BA4C1D}"/>
+              </a:ext>
+            </a:extLst>
+          </p:cNvPr>
+          <p:cNvPicPr>
+            <a:picLocks noChangeAspect="1"/>
+          </p:cNvPicPr>
+          <p:nvPr/>
+        </p:nvPicPr>
+        <p:blipFill>
+          <a:blip r:embed="rId2"/>
+          <a:stretch>
+            <a:fillRect/>
+          </a:stretch>
+        </p:blipFill>
+        <p:spPr>
+          <a:xfrm>
+            <a:off x="6438507" y="1230791"/>
+            <a:ext cx="5684363" cy="5084553"/>
+          </a:xfrm>
+          <a:prstGeom prst="rect">
+            <a:avLst/>
+          </a:prstGeom>
+        </p:spPr>
+      </p:pic>
+      <p:sp>
+        <p:nvSpPr>
+          <p:cNvPr id="5" name="TextBox 4">
+            <a:extLst>
+              <a:ext uri="{FF2B5EF4-FFF2-40B4-BE49-F238E27FC236}">
+                <a16:creationId xmlns:a16="http://schemas.microsoft.com/office/drawing/2014/main" id="{8054C3C1-F0F7-4C4F-B069-ED50342BA779}"/>
+              </a:ext>
+            </a:extLst>
+          </p:cNvPr>
+          <p:cNvSpPr txBox="1"/>
+          <p:nvPr/>
+        </p:nvSpPr>
+        <p:spPr>
+          <a:xfrm>
+            <a:off x="5203596" y="4490414"/>
+            <a:ext cx="697627" cy="707886"/>
+          </a:xfrm>
+          <a:prstGeom prst="rect">
+            <a:avLst/>
+          </a:prstGeom>
+          <a:noFill/>
+        </p:spPr>
+        <p:txBody>
+          <a:bodyPr wrap="none" rtlCol="0">
+            <a:spAutoFit/>
+          </a:bodyPr>
+          <a:lstStyle/>
+          <a:p>
+            <a:r>
+              <a:rPr lang="en-US" sz="4000" dirty="0"/>
+              <a:t>🤣</a:t>
+            </a:r>
+          </a:p>
+        </p:txBody>
+      </p:sp>
+    </p:spTree>
+    <p:extLst>
+      <p:ext uri="{BB962C8B-B14F-4D97-AF65-F5344CB8AC3E}">
+        <p14:creationId xmlns:p14="http://schemas.microsoft.com/office/powerpoint/2010/main" val="26650210"/>
+      </p:ext>
+    </p:extLst>
+  </p:cSld>
+  <p:clrMapOvr>
+    <a:masterClrMapping/>
+  </p:clrMapOvr>
+</p:sld>
+</file>
+
+<file path=ppt/slides/slide16.xml><?xml version="1.0" encoding="utf-8"?>
+<p:sld xmlns:a="http://schemas.openxmlformats.org/drawingml/2006/main" xmlns:r="http://schemas.openxmlformats.org/officeDocument/2006/relationships" xmlns:p="http://schemas.openxmlformats.org/presentationml/2006/main">
+  <p:cSld>
+    <p:spTree>
+      <p:nvGrpSpPr>
+        <p:cNvPr id="1" name=""/>
+        <p:cNvGrpSpPr/>
+        <p:nvPr/>
+      </p:nvGrpSpPr>
+      <p:grpSpPr>
+        <a:xfrm>
+          <a:off x="0" y="0"/>
+          <a:ext cx="0" cy="0"/>
+          <a:chOff x="0" y="0"/>
+          <a:chExt cx="0" cy="0"/>
+        </a:xfrm>
+      </p:grpSpPr>
+      <p:sp>
+        <p:nvSpPr>
+          <p:cNvPr id="2" name="Title 1">
+            <a:extLst>
+              <a:ext uri="{FF2B5EF4-FFF2-40B4-BE49-F238E27FC236}">
+                <a16:creationId xmlns:a16="http://schemas.microsoft.com/office/drawing/2014/main" id="{F7B71233-6082-A34D-891B-535438901B7C}"/>
+              </a:ext>
+            </a:extLst>
+          </p:cNvPr>
+          <p:cNvSpPr>
+            <a:spLocks noGrp="1"/>
+          </p:cNvSpPr>
+          <p:nvPr>
+            <p:ph type="title"/>
+          </p:nvPr>
+        </p:nvSpPr>
+        <p:spPr>
+          <a:xfrm>
+            <a:off x="838200" y="365125"/>
+            <a:ext cx="10515600" cy="727285"/>
+          </a:xfrm>
+        </p:spPr>
+        <p:txBody>
+          <a:bodyPr/>
+          <a:lstStyle/>
+          <a:p>
+            <a:r>
+              <a:rPr lang="en-US" dirty="0"/>
+              <a:t>Reevaluation mechanism continued</a:t>
+            </a:r>
+          </a:p>
+        </p:txBody>
+      </p:sp>
+      <p:sp>
+        <p:nvSpPr>
+          <p:cNvPr id="3" name="Content Placeholder 2">
+            <a:extLst>
+              <a:ext uri="{FF2B5EF4-FFF2-40B4-BE49-F238E27FC236}">
+                <a16:creationId xmlns:a16="http://schemas.microsoft.com/office/drawing/2014/main" id="{5B71B924-17ED-DE4C-80CE-C6506A32A07D}"/>
+              </a:ext>
+            </a:extLst>
+          </p:cNvPr>
+          <p:cNvSpPr>
+            <a:spLocks noGrp="1"/>
+          </p:cNvSpPr>
+          <p:nvPr>
+            <p:ph idx="1"/>
+          </p:nvPr>
+        </p:nvSpPr>
+        <p:spPr>
+          <a:xfrm>
+            <a:off x="584462" y="1230791"/>
+            <a:ext cx="5854045" cy="5222934"/>
+          </a:xfrm>
+        </p:spPr>
+        <p:txBody>
+          <a:bodyPr>
+            <a:normAutofit/>
+          </a:bodyPr>
+          <a:lstStyle/>
+          <a:p>
+            <a:r>
+              <a:rPr lang="en-US" dirty="0"/>
+              <a:t>Evaluate operators of AST bottom-up in proper exec order</a:t>
+            </a:r>
+          </a:p>
+          <a:p>
+            <a:r>
+              <a:rPr lang="en-US" dirty="0"/>
+              <a:t>Call </a:t>
+            </a:r>
+            <a:r>
+              <a:rPr lang="en-US" b="1" dirty="0"/>
+              <a:t>eval()</a:t>
+            </a:r>
+            <a:r>
+              <a:rPr lang="en-US" dirty="0"/>
+              <a:t> on source subexpressions using the appropriate execution contexts, saving results in associated nodes</a:t>
+            </a:r>
+          </a:p>
+          <a:p>
+            <a:r>
+              <a:rPr lang="en-US" dirty="0"/>
+              <a:t>Trap and absorb exception from </a:t>
+            </a:r>
+            <a:r>
+              <a:rPr lang="en-US" b="1" dirty="0"/>
+              <a:t>eval()</a:t>
+            </a:r>
+            <a:r>
+              <a:rPr lang="en-US" dirty="0"/>
+              <a:t>, record that exception and offending AST node</a:t>
+            </a:r>
+          </a:p>
+          <a:p>
+            <a:r>
+              <a:rPr lang="en-US" dirty="0"/>
+              <a:t>Augment original exception message with info derived this new exception, op, operands</a:t>
+            </a:r>
+          </a:p>
+        </p:txBody>
+      </p:sp>
+      <p:pic>
+        <p:nvPicPr>
+          <p:cNvPr id="4" name="Picture 3">
+            <a:extLst>
+              <a:ext uri="{FF2B5EF4-FFF2-40B4-BE49-F238E27FC236}">
+                <a16:creationId xmlns:a16="http://schemas.microsoft.com/office/drawing/2014/main" id="{18CB3F87-D4DE-1940-8589-A9F959BA4C1D}"/>
+              </a:ext>
+            </a:extLst>
+          </p:cNvPr>
+          <p:cNvPicPr>
+            <a:picLocks noChangeAspect="1"/>
+          </p:cNvPicPr>
+          <p:nvPr/>
+        </p:nvPicPr>
+        <p:blipFill>
+          <a:blip r:embed="rId2"/>
+          <a:stretch>
+            <a:fillRect/>
+          </a:stretch>
+        </p:blipFill>
+        <p:spPr>
+          <a:xfrm>
+            <a:off x="6438507" y="1230791"/>
+            <a:ext cx="5684363" cy="5084553"/>
+          </a:xfrm>
+          <a:prstGeom prst="rect">
+            <a:avLst/>
+          </a:prstGeom>
+        </p:spPr>
+      </p:pic>
+    </p:spTree>
+    <p:extLst>
+      <p:ext uri="{BB962C8B-B14F-4D97-AF65-F5344CB8AC3E}">
+        <p14:creationId xmlns:p14="http://schemas.microsoft.com/office/powerpoint/2010/main" val="611637354"/>
+      </p:ext>
+    </p:extLst>
+  </p:cSld>
+  <p:clrMapOvr>
+    <a:masterClrMapping/>
+  </p:clrMapOvr>
+</p:sld>
+</file>
+
+<file path=ppt/slides/slide17.xml><?xml version="1.0" encoding="utf-8"?>
+<p:sld xmlns:a="http://schemas.openxmlformats.org/drawingml/2006/main" xmlns:r="http://schemas.openxmlformats.org/officeDocument/2006/relationships" xmlns:p="http://schemas.openxmlformats.org/presentationml/2006/main">
+  <p:cSld>
+    <p:spTree>
+      <p:nvGrpSpPr>
+        <p:cNvPr id="1" name=""/>
+        <p:cNvGrpSpPr/>
+        <p:nvPr/>
+      </p:nvGrpSpPr>
+      <p:grpSpPr>
+        <a:xfrm>
+          <a:off x="0" y="0"/>
+          <a:ext cx="0" cy="0"/>
+          <a:chOff x="0" y="0"/>
+          <a:chExt cx="0" cy="0"/>
+        </a:xfrm>
+      </p:grpSpPr>
+      <p:sp>
+        <p:nvSpPr>
+          <p:cNvPr id="2" name="Title 1">
+            <a:extLst>
+              <a:ext uri="{FF2B5EF4-FFF2-40B4-BE49-F238E27FC236}">
                 <a16:creationId xmlns:a16="http://schemas.microsoft.com/office/drawing/2014/main" id="{6EFC4823-71C6-5D49-A244-5A5599A9D139}"/>
               </a:ext>
             </a:extLst>
@@ -4684,7 +5386,7 @@
           <a:p>
             <a:r>
               <a:rPr lang="en-US" dirty="0"/>
-              <a:t>The goal is to identify user code not library code that resulted in a tensor-related exception</a:t>
+              <a:t>The goal is to identify user code not library code that (eventually) triggers a tensor-related exception</a:t>
             </a:r>
           </a:p>
           <a:p>
@@ -4694,7 +5396,15 @@
             </a:r>
             <a:r>
               <a:rPr lang="en-US" dirty="0"/>
-              <a:t> descends into any user code function calls, stopping only when it reaches a tensor library function</a:t>
+              <a:t> </a:t>
+            </a:r>
+            <a:r>
+              <a:rPr lang="en-US" b="1" dirty="0"/>
+              <a:t>clarify</a:t>
+            </a:r>
+            <a:r>
+              <a:rPr lang="en-US" dirty="0"/>
+              <a:t>() descends into any user code function calls, stopping only when it reaches a tensor library function</a:t>
             </a:r>
           </a:p>
           <a:p>
@@ -4727,7 +5437,7 @@
           <a:p>
             <a:r>
               <a:rPr lang="en-US" dirty="0"/>
-              <a:t>Boundary frame is any whose package in ['</a:t>
+              <a:t>Boundary frame is any whose package is in ['</a:t>
             </a:r>
             <a:r>
               <a:rPr lang="en-US" dirty="0" err="1"/>
@@ -4769,7 +5479,7 @@
 </p:sld>
 </file>
 
-<file path=ppt/slides/slide15.xml><?xml version="1.0" encoding="utf-8"?>
+<file path=ppt/slides/slide18.xml><?xml version="1.0" encoding="utf-8"?>
 <p:sld xmlns:a="http://schemas.openxmlformats.org/drawingml/2006/main" xmlns:r="http://schemas.openxmlformats.org/officeDocument/2006/relationships" xmlns:p="http://schemas.openxmlformats.org/presentationml/2006/main">
   <p:cSld>
     <p:spTree>
@@ -6373,7 +7083,7 @@
 </p:sld>
 </file>
 
-<file path=ppt/slides/slide16.xml><?xml version="1.0" encoding="utf-8"?>
+<file path=ppt/slides/slide19.xml><?xml version="1.0" encoding="utf-8"?>
 <p:sld xmlns:a="http://schemas.openxmlformats.org/drawingml/2006/main" xmlns:r="http://schemas.openxmlformats.org/officeDocument/2006/relationships" xmlns:p="http://schemas.openxmlformats.org/presentationml/2006/main">
   <p:cSld>
     <p:spTree>
@@ -6663,11 +7373,21 @@
           </a:p>
           <a:p>
             <a:r>
+              <a:rPr lang="en-US" sz="2800" b="1" dirty="0">
+                <a:solidFill>
+                  <a:srgbClr val="000080"/>
+                </a:solidFill>
+                <a:latin typeface="Consolas" panose="020B0609020204030204" pitchFamily="49" charset="0"/>
+                <a:cs typeface="Consolas" panose="020B0609020204030204" pitchFamily="49" charset="0"/>
+              </a:rPr>
+              <a:t>except</a:t>
+            </a:r>
+            <a:r>
               <a:rPr lang="en-US" sz="2800" dirty="0">
                 <a:latin typeface="Consolas" panose="020B0609020204030204" pitchFamily="49" charset="0"/>
                 <a:cs typeface="Consolas" panose="020B0609020204030204" pitchFamily="49" charset="0"/>
               </a:rPr>
-              <a:t>except Exception as e:</a:t>
+              <a:t> Exception as e:</a:t>
             </a:r>
           </a:p>
           <a:p>
@@ -6765,178 +7485,65 @@
           </a:p>
         </p:txBody>
       </p:sp>
-    </p:spTree>
-    <p:extLst>
-      <p:ext uri="{BB962C8B-B14F-4D97-AF65-F5344CB8AC3E}">
-        <p14:creationId xmlns:p14="http://schemas.microsoft.com/office/powerpoint/2010/main" val="2761856631"/>
-      </p:ext>
-    </p:extLst>
-  </p:cSld>
-  <p:clrMapOvr>
-    <a:masterClrMapping/>
-  </p:clrMapOvr>
-</p:sld>
-</file>
-
-<file path=ppt/slides/slide17.xml><?xml version="1.0" encoding="utf-8"?>
-<p:sld xmlns:a="http://schemas.openxmlformats.org/drawingml/2006/main" xmlns:r="http://schemas.openxmlformats.org/officeDocument/2006/relationships" xmlns:p="http://schemas.openxmlformats.org/presentationml/2006/main">
-  <p:cSld>
-    <p:spTree>
-      <p:nvGrpSpPr>
-        <p:cNvPr id="1" name=""/>
-        <p:cNvGrpSpPr/>
-        <p:nvPr/>
-      </p:nvGrpSpPr>
-      <p:grpSpPr>
-        <a:xfrm>
-          <a:off x="0" y="0"/>
-          <a:ext cx="0" cy="0"/>
-          <a:chOff x="0" y="0"/>
-          <a:chExt cx="0" cy="0"/>
-        </a:xfrm>
-      </p:grpSpPr>
-      <p:sp>
-        <p:nvSpPr>
-          <p:cNvPr id="2" name="Title 1">
-            <a:extLst>
-              <a:ext uri="{FF2B5EF4-FFF2-40B4-BE49-F238E27FC236}">
-                <a16:creationId xmlns:a16="http://schemas.microsoft.com/office/drawing/2014/main" id="{BE960F11-DB38-DD4F-A5A9-30B2DBDF797C}"/>
-              </a:ext>
-            </a:extLst>
-          </p:cNvPr>
-          <p:cNvSpPr>
-            <a:spLocks noGrp="1"/>
-          </p:cNvSpPr>
-          <p:nvPr>
-            <p:ph type="title"/>
-          </p:nvPr>
-        </p:nvSpPr>
-        <p:spPr>
-          <a:xfrm>
-            <a:off x="838200" y="365126"/>
-            <a:ext cx="10515600" cy="760674"/>
-          </a:xfrm>
-        </p:spPr>
-        <p:txBody>
-          <a:bodyPr/>
-          <a:lstStyle/>
-          <a:p>
-            <a:r>
-              <a:rPr lang="en-US" dirty="0"/>
-              <a:t>Explaining correct matrix code</a:t>
-            </a:r>
-          </a:p>
-        </p:txBody>
-      </p:sp>
-      <p:sp>
-        <p:nvSpPr>
-          <p:cNvPr id="3" name="Content Placeholder 2">
-            <a:extLst>
-              <a:ext uri="{FF2B5EF4-FFF2-40B4-BE49-F238E27FC236}">
-                <a16:creationId xmlns:a16="http://schemas.microsoft.com/office/drawing/2014/main" id="{AA044F21-7281-AA48-A6A2-4A996F6DF59E}"/>
-              </a:ext>
-            </a:extLst>
-          </p:cNvPr>
-          <p:cNvSpPr>
-            <a:spLocks noGrp="1"/>
-          </p:cNvSpPr>
-          <p:nvPr>
-            <p:ph idx="1"/>
-          </p:nvPr>
-        </p:nvSpPr>
-        <p:spPr>
-          <a:xfrm>
-            <a:off x="744718" y="1457145"/>
-            <a:ext cx="3939309" cy="4719818"/>
-          </a:xfrm>
-        </p:spPr>
-        <p:txBody>
-          <a:bodyPr>
-            <a:normAutofit/>
-          </a:bodyPr>
-          <a:lstStyle/>
-          <a:p>
-            <a:r>
-              <a:rPr lang="en-US" b="1" dirty="0"/>
-              <a:t>clarify</a:t>
-            </a:r>
-            <a:r>
-              <a:rPr lang="en-US" dirty="0"/>
-              <a:t>() has no effect unless tensor code triggers an exception</a:t>
-            </a:r>
-          </a:p>
-          <a:p>
-            <a:r>
-              <a:rPr lang="en-US" dirty="0"/>
-              <a:t>To aid reading matrix code, </a:t>
-            </a:r>
-            <a:r>
-              <a:rPr lang="en-US" b="1" dirty="0"/>
-              <a:t>explain</a:t>
-            </a:r>
-            <a:r>
-              <a:rPr lang="en-US" dirty="0"/>
-              <a:t>() gens a visualization for each statement within the block</a:t>
-            </a:r>
-          </a:p>
-        </p:txBody>
-      </p:sp>
-      <p:pic>
-        <p:nvPicPr>
-          <p:cNvPr id="7" name="Picture 6">
-            <a:extLst>
-              <a:ext uri="{FF2B5EF4-FFF2-40B4-BE49-F238E27FC236}">
-                <a16:creationId xmlns:a16="http://schemas.microsoft.com/office/drawing/2014/main" id="{50E83C4E-8003-6248-81B6-1F8B3E7AD2DA}"/>
-              </a:ext>
-            </a:extLst>
-          </p:cNvPr>
-          <p:cNvPicPr>
-            <a:picLocks noChangeAspect="1"/>
-          </p:cNvPicPr>
+      <p:sp>
+        <p:nvSpPr>
+          <p:cNvPr id="9" name="TextBox 8">
+            <a:extLst>
+              <a:ext uri="{FF2B5EF4-FFF2-40B4-BE49-F238E27FC236}">
+                <a16:creationId xmlns:a16="http://schemas.microsoft.com/office/drawing/2014/main" id="{18B2EC85-983D-DA4F-8A20-FFCD6B2ECEDA}"/>
+              </a:ext>
+            </a:extLst>
+          </p:cNvPr>
+          <p:cNvSpPr txBox="1"/>
           <p:nvPr/>
-        </p:nvPicPr>
-        <p:blipFill>
-          <a:blip r:embed="rId2"/>
-          <a:stretch>
-            <a:fillRect/>
-          </a:stretch>
-        </p:blipFill>
-        <p:spPr>
-          <a:xfrm>
-            <a:off x="4644608" y="1323765"/>
-            <a:ext cx="7582807" cy="4719817"/>
+        </p:nvSpPr>
+        <p:spPr>
+          <a:xfrm>
+            <a:off x="3494200" y="6377018"/>
+            <a:ext cx="4041491" cy="338554"/>
           </a:xfrm>
           <a:prstGeom prst="rect">
             <a:avLst/>
           </a:prstGeom>
-        </p:spPr>
-      </p:pic>
+          <a:noFill/>
+        </p:spPr>
+        <p:txBody>
+          <a:bodyPr wrap="none" rtlCol="0">
+            <a:spAutoFit/>
+          </a:bodyPr>
+          <a:lstStyle/>
+          <a:p>
+            <a:r>
+              <a:rPr lang="en-US" sz="1600" dirty="0"/>
+              <a:t>(might not be able to hide everything here)</a:t>
+            </a:r>
+          </a:p>
+        </p:txBody>
+      </p:sp>
       <p:cxnSp>
         <p:nvCxnSpPr>
-          <p:cNvPr id="9" name="Straight Arrow Connector 8">
-            <a:extLst>
-              <a:ext uri="{FF2B5EF4-FFF2-40B4-BE49-F238E27FC236}">
-                <a16:creationId xmlns:a16="http://schemas.microsoft.com/office/drawing/2014/main" id="{F2AD9F4D-7105-9E48-8095-DE74A2C68C3F}"/>
+          <p:cNvPr id="11" name="Straight Arrow Connector 10">
+            <a:extLst>
+              <a:ext uri="{FF2B5EF4-FFF2-40B4-BE49-F238E27FC236}">
+                <a16:creationId xmlns:a16="http://schemas.microsoft.com/office/drawing/2014/main" id="{155AE550-CC4F-B74C-B7A5-9901E643B76C}"/>
               </a:ext>
             </a:extLst>
           </p:cNvPr>
           <p:cNvCxnSpPr>
             <a:cxnSpLocks/>
+            <a:stCxn id="9" idx="1"/>
           </p:cNvCxnSpPr>
           <p:nvPr/>
         </p:nvCxnSpPr>
         <p:spPr>
-          <a:xfrm flipH="1">
-            <a:off x="7720553" y="3157979"/>
-            <a:ext cx="1159496" cy="0"/>
+          <a:xfrm flipV="1">
+            <a:off x="3494200" y="6253753"/>
+            <a:ext cx="0" cy="292542"/>
           </a:xfrm>
           <a:prstGeom prst="straightConnector1">
             <a:avLst/>
           </a:prstGeom>
-          <a:ln w="41275">
-            <a:solidFill>
-              <a:srgbClr val="C00000"/>
-            </a:solidFill>
+          <a:ln w="25400">
             <a:tailEnd type="triangle"/>
           </a:ln>
         </p:spPr>
@@ -6958,543 +7565,7 @@
     </p:spTree>
     <p:extLst>
       <p:ext uri="{BB962C8B-B14F-4D97-AF65-F5344CB8AC3E}">
-        <p14:creationId xmlns:p14="http://schemas.microsoft.com/office/powerpoint/2010/main" val="4207456944"/>
-      </p:ext>
-    </p:extLst>
-  </p:cSld>
-  <p:clrMapOvr>
-    <a:masterClrMapping/>
-  </p:clrMapOvr>
-</p:sld>
-</file>
-
-<file path=ppt/slides/slide18.xml><?xml version="1.0" encoding="utf-8"?>
-<p:sld xmlns:a="http://schemas.openxmlformats.org/drawingml/2006/main" xmlns:r="http://schemas.openxmlformats.org/officeDocument/2006/relationships" xmlns:p="http://schemas.openxmlformats.org/presentationml/2006/main">
-  <p:cSld>
-    <p:spTree>
-      <p:nvGrpSpPr>
-        <p:cNvPr id="1" name=""/>
-        <p:cNvGrpSpPr/>
-        <p:nvPr/>
-      </p:nvGrpSpPr>
-      <p:grpSpPr>
-        <a:xfrm>
-          <a:off x="0" y="0"/>
-          <a:ext cx="0" cy="0"/>
-          <a:chOff x="0" y="0"/>
-          <a:chExt cx="0" cy="0"/>
-        </a:xfrm>
-      </p:grpSpPr>
-      <p:sp>
-        <p:nvSpPr>
-          <p:cNvPr id="2" name="Title 1">
-            <a:extLst>
-              <a:ext uri="{FF2B5EF4-FFF2-40B4-BE49-F238E27FC236}">
-                <a16:creationId xmlns:a16="http://schemas.microsoft.com/office/drawing/2014/main" id="{A3EB3F4E-990D-2A4C-9237-9182994CF50E}"/>
-              </a:ext>
-            </a:extLst>
-          </p:cNvPr>
-          <p:cNvSpPr>
-            <a:spLocks noGrp="1"/>
-          </p:cNvSpPr>
-          <p:nvPr>
-            <p:ph type="title"/>
-          </p:nvPr>
-        </p:nvSpPr>
-        <p:spPr/>
-        <p:txBody>
-          <a:bodyPr/>
-          <a:lstStyle/>
-          <a:p>
-            <a:r>
-              <a:rPr lang="en-US" dirty="0"/>
-              <a:t>Visualizing Python code on-the-fly</a:t>
-            </a:r>
-          </a:p>
-        </p:txBody>
-      </p:sp>
-      <p:sp>
-        <p:nvSpPr>
-          <p:cNvPr id="3" name="Content Placeholder 2">
-            <a:extLst>
-              <a:ext uri="{FF2B5EF4-FFF2-40B4-BE49-F238E27FC236}">
-                <a16:creationId xmlns:a16="http://schemas.microsoft.com/office/drawing/2014/main" id="{607F336A-C4CB-634D-B9E8-B66638B19F36}"/>
-              </a:ext>
-            </a:extLst>
-          </p:cNvPr>
-          <p:cNvSpPr>
-            <a:spLocks noGrp="1"/>
-          </p:cNvSpPr>
-          <p:nvPr>
-            <p:ph idx="1"/>
-          </p:nvPr>
-        </p:nvSpPr>
-        <p:spPr>
-          <a:xfrm>
-            <a:off x="838200" y="1555423"/>
-            <a:ext cx="10515600" cy="4621540"/>
-          </a:xfrm>
-        </p:spPr>
-        <p:txBody>
-          <a:bodyPr/>
-          <a:lstStyle/>
-          <a:p>
-            <a:r>
-              <a:rPr lang="en-US" dirty="0"/>
-              <a:t>Method </a:t>
-            </a:r>
-            <a:r>
-              <a:rPr lang="en-US" b="1" dirty="0"/>
-              <a:t>explain</a:t>
-            </a:r>
-            <a:r>
-              <a:rPr lang="en-US" dirty="0"/>
-              <a:t>() creates a tracer object and registers it with Python via </a:t>
-            </a:r>
-            <a:r>
-              <a:rPr lang="en-US" b="1" dirty="0" err="1"/>
-              <a:t>sys.settrace</a:t>
-            </a:r>
-            <a:r>
-              <a:rPr lang="en-US" b="1" dirty="0"/>
-              <a:t>()</a:t>
-            </a:r>
-          </a:p>
-          <a:p>
-            <a:r>
-              <a:rPr lang="en-US" dirty="0"/>
-              <a:t>The tracer is notified upon each source line execution</a:t>
-            </a:r>
-          </a:p>
-          <a:p>
-            <a:r>
-              <a:rPr lang="en-US" dirty="0"/>
-              <a:t>Using the same mechanism as clarify(): parse source line, build AST, evaluate AST subexpressions to identify operand shapes</a:t>
-            </a:r>
-          </a:p>
-          <a:p>
-            <a:r>
-              <a:rPr lang="en-US" dirty="0"/>
-              <a:t>Even in loop within </a:t>
-            </a:r>
-            <a:r>
-              <a:rPr lang="en-US" b="1" dirty="0"/>
-              <a:t>with</a:t>
-            </a:r>
-            <a:r>
-              <a:rPr lang="en-US" dirty="0"/>
-              <a:t> block, statements visualized just once</a:t>
-            </a:r>
-          </a:p>
-          <a:p>
-            <a:r>
-              <a:rPr lang="en-US" dirty="0"/>
-              <a:t>Slows down execution (a lot) but it's still useful</a:t>
-            </a:r>
-          </a:p>
-          <a:p>
-            <a:r>
-              <a:rPr lang="en-US" dirty="0"/>
-              <a:t>Watch out for side effects; this </a:t>
-            </a:r>
-            <a:r>
-              <a:rPr lang="en-US"/>
-              <a:t>prints "hi" </a:t>
-            </a:r>
-            <a:r>
-              <a:rPr lang="en-US" dirty="0"/>
-              <a:t>twice:</a:t>
-            </a:r>
-            <a:br>
-              <a:rPr lang="en-US" dirty="0"/>
-            </a:br>
-            <a:endParaRPr lang="en-US" dirty="0">
-              <a:latin typeface="Consolas" panose="020B0609020204030204" pitchFamily="49" charset="0"/>
-              <a:cs typeface="Consolas" panose="020B0609020204030204" pitchFamily="49" charset="0"/>
-            </a:endParaRPr>
-          </a:p>
-        </p:txBody>
-      </p:sp>
-      <p:sp>
-        <p:nvSpPr>
-          <p:cNvPr id="4" name="Rectangle 3">
-            <a:extLst>
-              <a:ext uri="{FF2B5EF4-FFF2-40B4-BE49-F238E27FC236}">
-                <a16:creationId xmlns:a16="http://schemas.microsoft.com/office/drawing/2014/main" id="{32AA5690-1EE5-E544-BAB3-77052A1A6C1B}"/>
-              </a:ext>
-            </a:extLst>
-          </p:cNvPr>
-          <p:cNvSpPr/>
-          <p:nvPr/>
-        </p:nvSpPr>
-        <p:spPr>
-          <a:xfrm>
-            <a:off x="2859465" y="5443682"/>
-            <a:ext cx="4163505" cy="830997"/>
-          </a:xfrm>
-          <a:prstGeom prst="rect">
-            <a:avLst/>
-          </a:prstGeom>
-        </p:spPr>
-        <p:txBody>
-          <a:bodyPr wrap="square">
-            <a:spAutoFit/>
-          </a:bodyPr>
-          <a:lstStyle/>
-          <a:p>
-            <a:r>
-              <a:rPr lang="en-US" sz="2400" b="1" dirty="0">
-                <a:solidFill>
-                  <a:srgbClr val="000080"/>
-                </a:solidFill>
-                <a:latin typeface="Consolas" panose="020B0609020204030204" pitchFamily="49" charset="0"/>
-                <a:cs typeface="Consolas" panose="020B0609020204030204" pitchFamily="49" charset="0"/>
-              </a:rPr>
-              <a:t>with</a:t>
-            </a:r>
-            <a:r>
-              <a:rPr lang="en-US" sz="2400" dirty="0">
-                <a:latin typeface="Consolas" panose="020B0609020204030204" pitchFamily="49" charset="0"/>
-                <a:cs typeface="Consolas" panose="020B0609020204030204" pitchFamily="49" charset="0"/>
-              </a:rPr>
-              <a:t> </a:t>
-            </a:r>
-            <a:r>
-              <a:rPr lang="en-US" sz="2400" dirty="0" err="1">
-                <a:latin typeface="Consolas" panose="020B0609020204030204" pitchFamily="49" charset="0"/>
-                <a:cs typeface="Consolas" panose="020B0609020204030204" pitchFamily="49" charset="0"/>
-              </a:rPr>
-              <a:t>tsensor.explain</a:t>
-            </a:r>
-            <a:r>
-              <a:rPr lang="en-US" sz="2400" dirty="0">
-                <a:latin typeface="Consolas" panose="020B0609020204030204" pitchFamily="49" charset="0"/>
-                <a:cs typeface="Consolas" panose="020B0609020204030204" pitchFamily="49" charset="0"/>
-              </a:rPr>
-              <a:t>():</a:t>
-            </a:r>
-            <a:br>
-              <a:rPr lang="en-US" sz="2400" dirty="0">
-                <a:latin typeface="Consolas" panose="020B0609020204030204" pitchFamily="49" charset="0"/>
-                <a:cs typeface="Consolas" panose="020B0609020204030204" pitchFamily="49" charset="0"/>
-              </a:rPr>
-            </a:br>
-            <a:r>
-              <a:rPr lang="en-US" sz="2400" dirty="0">
-                <a:latin typeface="Consolas" panose="020B0609020204030204" pitchFamily="49" charset="0"/>
-                <a:cs typeface="Consolas" panose="020B0609020204030204" pitchFamily="49" charset="0"/>
-              </a:rPr>
-              <a:t>    print("hi")</a:t>
-            </a:r>
-            <a:endParaRPr lang="en-US" sz="2400" dirty="0"/>
-          </a:p>
-        </p:txBody>
-      </p:sp>
-    </p:spTree>
-    <p:extLst>
-      <p:ext uri="{BB962C8B-B14F-4D97-AF65-F5344CB8AC3E}">
-        <p14:creationId xmlns:p14="http://schemas.microsoft.com/office/powerpoint/2010/main" val="1839508605"/>
-      </p:ext>
-    </p:extLst>
-  </p:cSld>
-  <p:clrMapOvr>
-    <a:masterClrMapping/>
-  </p:clrMapOvr>
-</p:sld>
-</file>
-
-<file path=ppt/slides/slide19.xml><?xml version="1.0" encoding="utf-8"?>
-<p:sld xmlns:a="http://schemas.openxmlformats.org/drawingml/2006/main" xmlns:r="http://schemas.openxmlformats.org/officeDocument/2006/relationships" xmlns:p="http://schemas.openxmlformats.org/presentationml/2006/main">
-  <p:cSld>
-    <p:spTree>
-      <p:nvGrpSpPr>
-        <p:cNvPr id="1" name=""/>
-        <p:cNvGrpSpPr/>
-        <p:nvPr/>
-      </p:nvGrpSpPr>
-      <p:grpSpPr>
-        <a:xfrm>
-          <a:off x="0" y="0"/>
-          <a:ext cx="0" cy="0"/>
-          <a:chOff x="0" y="0"/>
-          <a:chExt cx="0" cy="0"/>
-        </a:xfrm>
-      </p:grpSpPr>
-      <p:sp>
-        <p:nvSpPr>
-          <p:cNvPr id="2" name="Title 1">
-            <a:extLst>
-              <a:ext uri="{FF2B5EF4-FFF2-40B4-BE49-F238E27FC236}">
-                <a16:creationId xmlns:a16="http://schemas.microsoft.com/office/drawing/2014/main" id="{5F48E6EC-8FE2-8342-A7FD-902F84F3C4E6}"/>
-              </a:ext>
-            </a:extLst>
-          </p:cNvPr>
-          <p:cNvSpPr>
-            <a:spLocks noGrp="1"/>
-          </p:cNvSpPr>
-          <p:nvPr>
-            <p:ph type="title"/>
-          </p:nvPr>
-        </p:nvSpPr>
-        <p:spPr/>
-        <p:txBody>
-          <a:bodyPr/>
-          <a:lstStyle/>
-          <a:p>
-            <a:r>
-              <a:rPr lang="en-US" dirty="0"/>
-              <a:t>Key ingredients</a:t>
-            </a:r>
-          </a:p>
-        </p:txBody>
-      </p:sp>
-      <p:sp>
-        <p:nvSpPr>
-          <p:cNvPr id="3" name="Content Placeholder 2">
-            <a:extLst>
-              <a:ext uri="{FF2B5EF4-FFF2-40B4-BE49-F238E27FC236}">
-                <a16:creationId xmlns:a16="http://schemas.microsoft.com/office/drawing/2014/main" id="{F305451E-05C1-3D46-B468-B0DC8B872B98}"/>
-              </a:ext>
-            </a:extLst>
-          </p:cNvPr>
-          <p:cNvSpPr>
-            <a:spLocks noGrp="1"/>
-          </p:cNvSpPr>
-          <p:nvPr>
-            <p:ph idx="1"/>
-          </p:nvPr>
-        </p:nvSpPr>
-        <p:spPr>
-          <a:xfrm>
-            <a:off x="546755" y="1825625"/>
-            <a:ext cx="11227323" cy="4351338"/>
-          </a:xfrm>
-        </p:spPr>
-        <p:txBody>
-          <a:bodyPr>
-            <a:normAutofit/>
-          </a:bodyPr>
-          <a:lstStyle/>
-          <a:p>
-            <a:pPr marL="514350" indent="-514350">
-              <a:buFont typeface="+mj-lt"/>
-              <a:buAutoNum type="arabicPeriod"/>
-            </a:pPr>
-            <a:r>
-              <a:rPr lang="en-US" dirty="0"/>
-              <a:t>Python "</a:t>
-            </a:r>
-            <a:r>
-              <a:rPr lang="en-US" b="1" dirty="0"/>
-              <a:t>with</a:t>
-            </a:r>
-            <a:r>
-              <a:rPr lang="en-US" dirty="0"/>
-              <a:t> </a:t>
-            </a:r>
-            <a:r>
-              <a:rPr lang="en-US" b="1" dirty="0"/>
-              <a:t>b</a:t>
-            </a:r>
-            <a:r>
-              <a:rPr lang="en-US" dirty="0"/>
-              <a:t>" blocks call __enter__(), __exit__() on object </a:t>
-            </a:r>
-            <a:r>
-              <a:rPr lang="en-US" b="1" dirty="0"/>
-              <a:t>b</a:t>
-            </a:r>
-            <a:r>
-              <a:rPr lang="en-US" dirty="0"/>
-              <a:t> and exit method receives exception object and execution stack; exception handling code can automatically generate visualization</a:t>
-            </a:r>
-            <a:br>
-              <a:rPr lang="en-US" dirty="0"/>
-            </a:br>
-            <a:br>
-              <a:rPr lang="en-US" dirty="0"/>
-            </a:br>
-            <a:br>
-              <a:rPr lang="en-US" dirty="0"/>
-            </a:br>
-            <a:endParaRPr lang="en-US" b="1" dirty="0"/>
-          </a:p>
-          <a:p>
-            <a:pPr marL="514350" indent="-514350">
-              <a:buFont typeface="+mj-lt"/>
-              <a:buAutoNum type="arabicPeriod"/>
-            </a:pPr>
-            <a:endParaRPr lang="en-US" dirty="0"/>
-          </a:p>
-          <a:p>
-            <a:pPr marL="514350" indent="-514350">
-              <a:buFont typeface="+mj-lt"/>
-              <a:buAutoNum type="arabicPeriod"/>
-            </a:pPr>
-            <a:r>
-              <a:rPr lang="en-US" dirty="0"/>
-              <a:t>Python </a:t>
-            </a:r>
-            <a:r>
-              <a:rPr lang="en-US" b="1" dirty="0"/>
-              <a:t>eval()</a:t>
-            </a:r>
-            <a:r>
-              <a:rPr lang="en-US" dirty="0"/>
-              <a:t> to evaluate snippets of source code</a:t>
-            </a:r>
-          </a:p>
-          <a:p>
-            <a:pPr marL="514350" indent="-514350">
-              <a:buFont typeface="+mj-lt"/>
-              <a:buAutoNum type="arabicPeriod"/>
-            </a:pPr>
-            <a:r>
-              <a:rPr lang="en-US" dirty="0"/>
-              <a:t>Python </a:t>
-            </a:r>
-            <a:r>
-              <a:rPr lang="en-US" b="1" dirty="0" err="1"/>
-              <a:t>sys.settrace</a:t>
-            </a:r>
-            <a:r>
-              <a:rPr lang="en-US" b="1" dirty="0"/>
-              <a:t>()</a:t>
-            </a:r>
-            <a:r>
-              <a:rPr lang="en-US" dirty="0"/>
-              <a:t>; notifies listener upon each source line exec</a:t>
-            </a:r>
-          </a:p>
-        </p:txBody>
-      </p:sp>
-      <p:sp>
-        <p:nvSpPr>
-          <p:cNvPr id="5" name="Rectangle 4">
-            <a:extLst>
-              <a:ext uri="{FF2B5EF4-FFF2-40B4-BE49-F238E27FC236}">
-                <a16:creationId xmlns:a16="http://schemas.microsoft.com/office/drawing/2014/main" id="{13B8A57E-642E-EB46-A4FC-98D5EB500F7E}"/>
-              </a:ext>
-            </a:extLst>
-          </p:cNvPr>
-          <p:cNvSpPr/>
-          <p:nvPr/>
-        </p:nvSpPr>
-        <p:spPr>
-          <a:xfrm>
-            <a:off x="3519340" y="3429000"/>
-            <a:ext cx="4729113" cy="954107"/>
-          </a:xfrm>
-          <a:prstGeom prst="rect">
-            <a:avLst/>
-          </a:prstGeom>
-        </p:spPr>
-        <p:txBody>
-          <a:bodyPr wrap="square">
-            <a:spAutoFit/>
-          </a:bodyPr>
-          <a:lstStyle/>
-          <a:p>
-            <a:r>
-              <a:rPr lang="en-US" sz="2800" b="1" dirty="0">
-                <a:solidFill>
-                  <a:srgbClr val="000080"/>
-                </a:solidFill>
-                <a:latin typeface="Consolas" panose="020B0609020204030204" pitchFamily="49" charset="0"/>
-                <a:cs typeface="Consolas" panose="020B0609020204030204" pitchFamily="49" charset="0"/>
-              </a:rPr>
-              <a:t>with </a:t>
-            </a:r>
-            <a:r>
-              <a:rPr lang="en-US" sz="2800" dirty="0" err="1">
-                <a:latin typeface="Consolas" panose="020B0609020204030204" pitchFamily="49" charset="0"/>
-                <a:cs typeface="Consolas" panose="020B0609020204030204" pitchFamily="49" charset="0"/>
-              </a:rPr>
-              <a:t>tsensor.clarify</a:t>
-            </a:r>
-            <a:r>
-              <a:rPr lang="en-US" sz="2800" dirty="0">
-                <a:latin typeface="Consolas" panose="020B0609020204030204" pitchFamily="49" charset="0"/>
-                <a:cs typeface="Consolas" panose="020B0609020204030204" pitchFamily="49" charset="0"/>
-              </a:rPr>
-              <a:t>():</a:t>
-            </a:r>
-            <a:br>
-              <a:rPr lang="en-US" sz="2800" dirty="0">
-                <a:latin typeface="Consolas" panose="020B0609020204030204" pitchFamily="49" charset="0"/>
-                <a:cs typeface="Consolas" panose="020B0609020204030204" pitchFamily="49" charset="0"/>
-              </a:rPr>
-            </a:br>
-            <a:r>
-              <a:rPr lang="en-US" sz="2800" dirty="0">
-                <a:latin typeface="Consolas" panose="020B0609020204030204" pitchFamily="49" charset="0"/>
-                <a:cs typeface="Consolas" panose="020B0609020204030204" pitchFamily="49" charset="0"/>
-              </a:rPr>
-              <a:t>    </a:t>
-            </a:r>
-            <a:r>
-              <a:rPr lang="en-US" sz="2800" dirty="0" err="1">
-                <a:latin typeface="Consolas" panose="020B0609020204030204" pitchFamily="49" charset="0"/>
-                <a:cs typeface="Consolas" panose="020B0609020204030204" pitchFamily="49" charset="0"/>
-              </a:rPr>
-              <a:t>myprogram</a:t>
-            </a:r>
-            <a:r>
-              <a:rPr lang="en-US" sz="2800" dirty="0">
-                <a:latin typeface="Consolas" panose="020B0609020204030204" pitchFamily="49" charset="0"/>
-                <a:cs typeface="Consolas" panose="020B0609020204030204" pitchFamily="49" charset="0"/>
-              </a:rPr>
-              <a:t>()</a:t>
-            </a:r>
-          </a:p>
-        </p:txBody>
-      </p:sp>
-      <p:sp>
-        <p:nvSpPr>
-          <p:cNvPr id="6" name="TextBox 5">
-            <a:extLst>
-              <a:ext uri="{FF2B5EF4-FFF2-40B4-BE49-F238E27FC236}">
-                <a16:creationId xmlns:a16="http://schemas.microsoft.com/office/drawing/2014/main" id="{7060BAC8-BB73-DF41-91C9-E3426E65A0DB}"/>
-              </a:ext>
-            </a:extLst>
-          </p:cNvPr>
-          <p:cNvSpPr txBox="1"/>
-          <p:nvPr/>
-        </p:nvSpPr>
-        <p:spPr>
-          <a:xfrm>
-            <a:off x="0" y="6488668"/>
-            <a:ext cx="7258639" cy="307777"/>
-          </a:xfrm>
-          <a:prstGeom prst="rect">
-            <a:avLst/>
-          </a:prstGeom>
-          <a:noFill/>
-        </p:spPr>
-        <p:txBody>
-          <a:bodyPr wrap="square" rtlCol="0">
-            <a:spAutoFit/>
-          </a:bodyPr>
-          <a:lstStyle/>
-          <a:p>
-            <a:r>
-              <a:rPr lang="en-US" sz="1400" dirty="0"/>
-              <a:t>See </a:t>
-            </a:r>
-            <a:r>
-              <a:rPr lang="en-US" sz="1400" dirty="0">
-                <a:hlinkClick r:id="rId2"/>
-              </a:rPr>
-              <a:t>https://docs.python.org/3/library/sys.html#sys.settrace</a:t>
-            </a:r>
-            <a:endParaRPr lang="en-US" sz="1400" dirty="0"/>
-          </a:p>
-        </p:txBody>
-      </p:sp>
-    </p:spTree>
-    <p:extLst>
-      <p:ext uri="{BB962C8B-B14F-4D97-AF65-F5344CB8AC3E}">
-        <p14:creationId xmlns:p14="http://schemas.microsoft.com/office/powerpoint/2010/main" val="2304198048"/>
+        <p14:creationId xmlns:p14="http://schemas.microsoft.com/office/powerpoint/2010/main" val="2761856631"/>
       </p:ext>
     </p:extLst>
   </p:cSld>
@@ -7526,7 +7597,7 @@
           <p:cNvPr id="2" name="Title 1">
             <a:extLst>
               <a:ext uri="{FF2B5EF4-FFF2-40B4-BE49-F238E27FC236}">
-                <a16:creationId xmlns:a16="http://schemas.microsoft.com/office/drawing/2014/main" id="{B2880514-D98A-3E4F-9079-AFFCE297BE21}"/>
+                <a16:creationId xmlns:a16="http://schemas.microsoft.com/office/drawing/2014/main" id="{856DB2A4-4162-6949-96B2-088884F9A081}"/>
               </a:ext>
             </a:extLst>
           </p:cNvPr>
@@ -7537,10 +7608,257 @@
             <p:ph type="title"/>
           </p:nvPr>
         </p:nvSpPr>
+        <p:spPr/>
+        <p:txBody>
+          <a:bodyPr/>
+          <a:lstStyle/>
+          <a:p>
+            <a:r>
+              <a:rPr lang="en-US" dirty="0"/>
+              <a:t>Let's start with the obvious</a:t>
+            </a:r>
+          </a:p>
+        </p:txBody>
+      </p:sp>
+      <p:sp>
+        <p:nvSpPr>
+          <p:cNvPr id="3" name="Content Placeholder 2">
+            <a:extLst>
+              <a:ext uri="{FF2B5EF4-FFF2-40B4-BE49-F238E27FC236}">
+                <a16:creationId xmlns:a16="http://schemas.microsoft.com/office/drawing/2014/main" id="{6AD8D2BE-BDF3-394C-A335-BFB911E5E054}"/>
+              </a:ext>
+            </a:extLst>
+          </p:cNvPr>
+          <p:cNvSpPr>
+            <a:spLocks noGrp="1"/>
+          </p:cNvSpPr>
+          <p:nvPr>
+            <p:ph idx="1"/>
+          </p:nvPr>
+        </p:nvSpPr>
+        <p:spPr>
+          <a:xfrm>
+            <a:off x="838200" y="1825624"/>
+            <a:ext cx="10515600" cy="4528041"/>
+          </a:xfrm>
+        </p:spPr>
+        <p:txBody>
+          <a:bodyPr>
+            <a:normAutofit lnSpcReduction="10000"/>
+          </a:bodyPr>
+          <a:lstStyle/>
+          <a:p>
+            <a:r>
+              <a:rPr lang="en-US" dirty="0"/>
+              <a:t>In order to read code, understand exceptions, or debug we need to know the types of all variables involved, even in non-statically typed languages like Python</a:t>
+            </a:r>
+          </a:p>
+          <a:p>
+            <a:endParaRPr lang="en-US" dirty="0"/>
+          </a:p>
+          <a:p>
+            <a:endParaRPr lang="en-US" dirty="0"/>
+          </a:p>
+          <a:p>
+            <a:endParaRPr lang="en-US" dirty="0"/>
+          </a:p>
+          <a:p>
+            <a:endParaRPr lang="en-US" dirty="0"/>
+          </a:p>
+          <a:p>
+            <a:endParaRPr lang="en-US" dirty="0"/>
+          </a:p>
+          <a:p>
+            <a:r>
+              <a:rPr lang="en-US" dirty="0"/>
+              <a:t>Implementing deep learning neural networks means matching dimensions of layers and, more generally, matrix dimensions</a:t>
+            </a:r>
+          </a:p>
+          <a:p>
+            <a:endParaRPr lang="en-US" dirty="0"/>
+          </a:p>
+        </p:txBody>
+      </p:sp>
+      <p:sp>
+        <p:nvSpPr>
+          <p:cNvPr id="4" name="Rectangle 3">
+            <a:extLst>
+              <a:ext uri="{FF2B5EF4-FFF2-40B4-BE49-F238E27FC236}">
+                <a16:creationId xmlns:a16="http://schemas.microsoft.com/office/drawing/2014/main" id="{E2EC72AA-9D73-AB4F-B1BC-20CE04B44EDE}"/>
+              </a:ext>
+            </a:extLst>
+          </p:cNvPr>
+          <p:cNvSpPr/>
+          <p:nvPr/>
+        </p:nvSpPr>
+        <p:spPr>
+          <a:xfrm>
+            <a:off x="2227867" y="3138387"/>
+            <a:ext cx="3048000" cy="954107"/>
+          </a:xfrm>
+          <a:prstGeom prst="rect">
+            <a:avLst/>
+          </a:prstGeom>
+        </p:spPr>
+        <p:txBody>
+          <a:bodyPr wrap="square">
+            <a:spAutoFit/>
+          </a:bodyPr>
+          <a:lstStyle/>
+          <a:p>
+            <a:r>
+              <a:rPr lang="en-US" sz="2800" b="1" dirty="0">
+                <a:solidFill>
+                  <a:srgbClr val="000080"/>
+                </a:solidFill>
+                <a:latin typeface="Consolas" panose="020B0609020204030204" pitchFamily="49" charset="0"/>
+                <a:cs typeface="Consolas" panose="020B0609020204030204" pitchFamily="49" charset="0"/>
+              </a:rPr>
+              <a:t>def </a:t>
+            </a:r>
+            <a:r>
+              <a:rPr lang="en-US" sz="2800" dirty="0">
+                <a:latin typeface="Consolas" panose="020B0609020204030204" pitchFamily="49" charset="0"/>
+                <a:cs typeface="Consolas" panose="020B0609020204030204" pitchFamily="49" charset="0"/>
+              </a:rPr>
+              <a:t>f(</a:t>
+            </a:r>
+            <a:r>
+              <a:rPr lang="en-US" sz="2800" dirty="0" err="1">
+                <a:latin typeface="Consolas" panose="020B0609020204030204" pitchFamily="49" charset="0"/>
+                <a:cs typeface="Consolas" panose="020B0609020204030204" pitchFamily="49" charset="0"/>
+              </a:rPr>
+              <a:t>x,y</a:t>
+            </a:r>
+            <a:r>
+              <a:rPr lang="en-US" sz="2800" dirty="0">
+                <a:latin typeface="Consolas" panose="020B0609020204030204" pitchFamily="49" charset="0"/>
+                <a:cs typeface="Consolas" panose="020B0609020204030204" pitchFamily="49" charset="0"/>
+              </a:rPr>
+              <a:t>):</a:t>
+            </a:r>
+            <a:br>
+              <a:rPr lang="en-US" sz="2800" dirty="0">
+                <a:latin typeface="Consolas" panose="020B0609020204030204" pitchFamily="49" charset="0"/>
+                <a:cs typeface="Consolas" panose="020B0609020204030204" pitchFamily="49" charset="0"/>
+              </a:rPr>
+            </a:br>
+            <a:r>
+              <a:rPr lang="en-US" sz="2800" dirty="0">
+                <a:latin typeface="Consolas" panose="020B0609020204030204" pitchFamily="49" charset="0"/>
+                <a:cs typeface="Consolas" panose="020B0609020204030204" pitchFamily="49" charset="0"/>
+              </a:rPr>
+              <a:t>    </a:t>
+            </a:r>
+            <a:r>
+              <a:rPr lang="en-US" sz="2800" b="1" dirty="0">
+                <a:solidFill>
+                  <a:srgbClr val="000080"/>
+                </a:solidFill>
+                <a:latin typeface="Consolas" panose="020B0609020204030204" pitchFamily="49" charset="0"/>
+                <a:cs typeface="Consolas" panose="020B0609020204030204" pitchFamily="49" charset="0"/>
+              </a:rPr>
+              <a:t>return </a:t>
+            </a:r>
+            <a:r>
+              <a:rPr lang="en-US" sz="2800" dirty="0" err="1">
+                <a:latin typeface="Consolas" panose="020B0609020204030204" pitchFamily="49" charset="0"/>
+                <a:cs typeface="Consolas" panose="020B0609020204030204" pitchFamily="49" charset="0"/>
+              </a:rPr>
+              <a:t>x+y</a:t>
+            </a:r>
+            <a:endParaRPr lang="en-US" sz="2800" dirty="0">
+              <a:latin typeface="Consolas" panose="020B0609020204030204" pitchFamily="49" charset="0"/>
+              <a:cs typeface="Consolas" panose="020B0609020204030204" pitchFamily="49" charset="0"/>
+            </a:endParaRPr>
+          </a:p>
+        </p:txBody>
+      </p:sp>
+      <p:sp>
+        <p:nvSpPr>
+          <p:cNvPr id="5" name="TextBox 4">
+            <a:extLst>
+              <a:ext uri="{FF2B5EF4-FFF2-40B4-BE49-F238E27FC236}">
+                <a16:creationId xmlns:a16="http://schemas.microsoft.com/office/drawing/2014/main" id="{37EB2062-D027-2C4A-A07F-054A3B7F5B0D}"/>
+              </a:ext>
+            </a:extLst>
+          </p:cNvPr>
+          <p:cNvSpPr txBox="1"/>
+          <p:nvPr/>
+        </p:nvSpPr>
+        <p:spPr>
+          <a:xfrm>
+            <a:off x="6665534" y="3138387"/>
+            <a:ext cx="3048000" cy="1815882"/>
+          </a:xfrm>
+          <a:prstGeom prst="rect">
+            <a:avLst/>
+          </a:prstGeom>
+          <a:noFill/>
+        </p:spPr>
+        <p:txBody>
+          <a:bodyPr wrap="square" rtlCol="0">
+            <a:spAutoFit/>
+          </a:bodyPr>
+          <a:lstStyle/>
+          <a:p>
+            <a:r>
+              <a:rPr lang="en-US" sz="2800" dirty="0"/>
+              <a:t>In Python, this could do anything including erase your hard drive</a:t>
+            </a:r>
+          </a:p>
+        </p:txBody>
+      </p:sp>
+    </p:spTree>
+    <p:extLst>
+      <p:ext uri="{BB962C8B-B14F-4D97-AF65-F5344CB8AC3E}">
+        <p14:creationId xmlns:p14="http://schemas.microsoft.com/office/powerpoint/2010/main" val="2338218448"/>
+      </p:ext>
+    </p:extLst>
+  </p:cSld>
+  <p:clrMapOvr>
+    <a:masterClrMapping/>
+  </p:clrMapOvr>
+</p:sld>
+</file>
+
+<file path=ppt/slides/slide20.xml><?xml version="1.0" encoding="utf-8"?>
+<p:sld xmlns:a="http://schemas.openxmlformats.org/drawingml/2006/main" xmlns:r="http://schemas.openxmlformats.org/officeDocument/2006/relationships" xmlns:p="http://schemas.openxmlformats.org/presentationml/2006/main">
+  <p:cSld>
+    <p:spTree>
+      <p:nvGrpSpPr>
+        <p:cNvPr id="1" name=""/>
+        <p:cNvGrpSpPr/>
+        <p:nvPr/>
+      </p:nvGrpSpPr>
+      <p:grpSpPr>
+        <a:xfrm>
+          <a:off x="0" y="0"/>
+          <a:ext cx="0" cy="0"/>
+          <a:chOff x="0" y="0"/>
+          <a:chExt cx="0" cy="0"/>
+        </a:xfrm>
+      </p:grpSpPr>
+      <p:sp>
+        <p:nvSpPr>
+          <p:cNvPr id="2" name="Title 1">
+            <a:extLst>
+              <a:ext uri="{FF2B5EF4-FFF2-40B4-BE49-F238E27FC236}">
+                <a16:creationId xmlns:a16="http://schemas.microsoft.com/office/drawing/2014/main" id="{BE960F11-DB38-DD4F-A5A9-30B2DBDF797C}"/>
+              </a:ext>
+            </a:extLst>
+          </p:cNvPr>
+          <p:cNvSpPr>
+            <a:spLocks noGrp="1"/>
+          </p:cNvSpPr>
+          <p:nvPr>
+            <p:ph type="title"/>
+          </p:nvPr>
+        </p:nvSpPr>
         <p:spPr>
           <a:xfrm>
             <a:off x="838200" y="365126"/>
-            <a:ext cx="10515600" cy="1036292"/>
+            <a:ext cx="10515600" cy="760674"/>
           </a:xfrm>
         </p:spPr>
         <p:txBody>
@@ -7549,7 +7867,7 @@
           <a:p>
             <a:r>
               <a:rPr lang="en-US" dirty="0"/>
-              <a:t>What's the problem?</a:t>
+              <a:t>Explaining correct matrix code</a:t>
             </a:r>
           </a:p>
         </p:txBody>
@@ -7559,7 +7877,7 @@
           <p:cNvPr id="3" name="Content Placeholder 2">
             <a:extLst>
               <a:ext uri="{FF2B5EF4-FFF2-40B4-BE49-F238E27FC236}">
-                <a16:creationId xmlns:a16="http://schemas.microsoft.com/office/drawing/2014/main" id="{06B60634-1AE0-B648-AF40-9AABCB0EAE7B}"/>
+                <a16:creationId xmlns:a16="http://schemas.microsoft.com/office/drawing/2014/main" id="{AA044F21-7281-AA48-A6A2-4A996F6DF59E}"/>
               </a:ext>
             </a:extLst>
           </p:cNvPr>
@@ -7572,42 +7890,47 @@
         </p:nvSpPr>
         <p:spPr>
           <a:xfrm>
-            <a:off x="838200" y="1401417"/>
-            <a:ext cx="10515600" cy="4775546"/>
-          </a:xfrm>
-        </p:spPr>
-        <p:txBody>
-          <a:bodyPr/>
-          <a:lstStyle/>
-          <a:p>
-            <a:r>
-              <a:rPr lang="en-US" dirty="0"/>
-              <a:t>Implementing deep learning neural networks means matching dimensions of layers and, more generally, matrix dimensions</a:t>
-            </a:r>
-          </a:p>
-          <a:p>
-            <a:r>
-              <a:rPr lang="en-US" dirty="0"/>
-              <a:t>It's easy to lose track of matrix/tensor dimensionality in even simple expressions (even in statically-typed languages)</a:t>
-            </a:r>
-          </a:p>
-          <a:p>
-            <a:r>
-              <a:rPr lang="en-US" dirty="0"/>
-              <a:t>Upon error, we get less than helpful exception messages</a:t>
-            </a:r>
-          </a:p>
-          <a:p>
-            <a:endParaRPr lang="en-US" dirty="0"/>
+            <a:off x="744718" y="1457145"/>
+            <a:ext cx="3939309" cy="4719818"/>
+          </a:xfrm>
+        </p:spPr>
+        <p:txBody>
+          <a:bodyPr>
+            <a:normAutofit/>
+          </a:bodyPr>
+          <a:lstStyle/>
+          <a:p>
+            <a:r>
+              <a:rPr lang="en-US" b="1" dirty="0"/>
+              <a:t>clarify</a:t>
+            </a:r>
+            <a:r>
+              <a:rPr lang="en-US" dirty="0"/>
+              <a:t>() has no effect unless tensor code triggers an exception</a:t>
+            </a:r>
+          </a:p>
+          <a:p>
+            <a:r>
+              <a:rPr lang="en-US" dirty="0"/>
+              <a:t>To aid reading matrix code, </a:t>
+            </a:r>
+            <a:r>
+              <a:rPr lang="en-US" b="1" dirty="0"/>
+              <a:t>explain</a:t>
+            </a:r>
+            <a:r>
+              <a:rPr lang="en-US" dirty="0"/>
+              <a:t>() gens a visualization for each statement within the block</a:t>
+            </a:r>
           </a:p>
         </p:txBody>
       </p:sp>
       <p:pic>
         <p:nvPicPr>
-          <p:cNvPr id="5" name="Picture 4">
-            <a:extLst>
-              <a:ext uri="{FF2B5EF4-FFF2-40B4-BE49-F238E27FC236}">
-                <a16:creationId xmlns:a16="http://schemas.microsoft.com/office/drawing/2014/main" id="{D4D9FB6D-05CB-704F-B08F-AC5234F99E9E}"/>
+          <p:cNvPr id="7" name="Picture 6">
+            <a:extLst>
+              <a:ext uri="{FF2B5EF4-FFF2-40B4-BE49-F238E27FC236}">
+                <a16:creationId xmlns:a16="http://schemas.microsoft.com/office/drawing/2014/main" id="{50E83C4E-8003-6248-81B6-1F8B3E7AD2DA}"/>
               </a:ext>
             </a:extLst>
           </p:cNvPr>
@@ -7624,20 +7947,64 @@
         </p:blipFill>
         <p:spPr>
           <a:xfrm>
-            <a:off x="2127526" y="3711161"/>
-            <a:ext cx="7340600" cy="2590800"/>
+            <a:off x="4644608" y="1323765"/>
+            <a:ext cx="7582807" cy="4719817"/>
           </a:xfrm>
           <a:prstGeom prst="rect">
             <a:avLst/>
           </a:prstGeom>
         </p:spPr>
       </p:pic>
-      <p:sp>
-        <p:nvSpPr>
-          <p:cNvPr id="6" name="TextBox 5">
-            <a:extLst>
-              <a:ext uri="{FF2B5EF4-FFF2-40B4-BE49-F238E27FC236}">
-                <a16:creationId xmlns:a16="http://schemas.microsoft.com/office/drawing/2014/main" id="{8436D1D9-357E-4F4E-85B6-52AB2A14B629}"/>
+      <p:cxnSp>
+        <p:nvCxnSpPr>
+          <p:cNvPr id="9" name="Straight Arrow Connector 8">
+            <a:extLst>
+              <a:ext uri="{FF2B5EF4-FFF2-40B4-BE49-F238E27FC236}">
+                <a16:creationId xmlns:a16="http://schemas.microsoft.com/office/drawing/2014/main" id="{F2AD9F4D-7105-9E48-8095-DE74A2C68C3F}"/>
+              </a:ext>
+            </a:extLst>
+          </p:cNvPr>
+          <p:cNvCxnSpPr>
+            <a:cxnSpLocks/>
+          </p:cNvCxnSpPr>
+          <p:nvPr/>
+        </p:nvCxnSpPr>
+        <p:spPr>
+          <a:xfrm flipH="1">
+            <a:off x="7720553" y="3157979"/>
+            <a:ext cx="1159496" cy="0"/>
+          </a:xfrm>
+          <a:prstGeom prst="straightConnector1">
+            <a:avLst/>
+          </a:prstGeom>
+          <a:ln w="41275">
+            <a:solidFill>
+              <a:srgbClr val="C00000"/>
+            </a:solidFill>
+            <a:tailEnd type="triangle"/>
+          </a:ln>
+        </p:spPr>
+        <p:style>
+          <a:lnRef idx="1">
+            <a:schemeClr val="accent1"/>
+          </a:lnRef>
+          <a:fillRef idx="0">
+            <a:schemeClr val="accent1"/>
+          </a:fillRef>
+          <a:effectRef idx="0">
+            <a:schemeClr val="accent1"/>
+          </a:effectRef>
+          <a:fontRef idx="minor">
+            <a:schemeClr val="tx1"/>
+          </a:fontRef>
+        </p:style>
+      </p:cxnSp>
+      <p:sp>
+        <p:nvSpPr>
+          <p:cNvPr id="13" name="TextBox 12">
+            <a:extLst>
+              <a:ext uri="{FF2B5EF4-FFF2-40B4-BE49-F238E27FC236}">
+                <a16:creationId xmlns:a16="http://schemas.microsoft.com/office/drawing/2014/main" id="{C132B5EE-3945-5F48-9AA4-495E224EE86A}"/>
               </a:ext>
             </a:extLst>
           </p:cNvPr>
@@ -7646,8 +8013,8 @@
         </p:nvSpPr>
         <p:spPr>
           <a:xfrm>
-            <a:off x="9724957" y="4453240"/>
-            <a:ext cx="2064989" cy="1015663"/>
+            <a:off x="8955465" y="5874305"/>
+            <a:ext cx="3185487" cy="338554"/>
           </a:xfrm>
           <a:prstGeom prst="rect">
             <a:avLst/>
@@ -7661,27 +8028,261 @@
           <a:lstStyle/>
           <a:p>
             <a:r>
-              <a:rPr lang="en-US" sz="2000" i="1" dirty="0"/>
-              <a:t>Which operator?</a:t>
-            </a:r>
-          </a:p>
-          <a:p>
-            <a:endParaRPr lang="en-US" sz="2000" i="1" dirty="0"/>
-          </a:p>
-          <a:p>
-            <a:r>
-              <a:rPr lang="en-US" sz="2000" i="1" dirty="0"/>
-              <a:t>Which operand?</a:t>
-            </a:r>
-          </a:p>
-        </p:txBody>
-      </p:sp>
-      <p:sp>
-        <p:nvSpPr>
-          <p:cNvPr id="7" name="TextBox 6">
-            <a:extLst>
-              <a:ext uri="{FF2B5EF4-FFF2-40B4-BE49-F238E27FC236}">
-                <a16:creationId xmlns:a16="http://schemas.microsoft.com/office/drawing/2014/main" id="{374809C8-A6D4-EB4E-812B-13C1969973E2}"/>
+              <a:rPr lang="en-US" sz="1600" dirty="0"/>
+              <a:t>(From within a </a:t>
+            </a:r>
+            <a:r>
+              <a:rPr lang="en-US" sz="1600" dirty="0" err="1"/>
+              <a:t>Jupyter</a:t>
+            </a:r>
+            <a:r>
+              <a:rPr lang="en-US" sz="1600" dirty="0"/>
+              <a:t> notebook)</a:t>
+            </a:r>
+          </a:p>
+        </p:txBody>
+      </p:sp>
+    </p:spTree>
+    <p:extLst>
+      <p:ext uri="{BB962C8B-B14F-4D97-AF65-F5344CB8AC3E}">
+        <p14:creationId xmlns:p14="http://schemas.microsoft.com/office/powerpoint/2010/main" val="4207456944"/>
+      </p:ext>
+    </p:extLst>
+  </p:cSld>
+  <p:clrMapOvr>
+    <a:masterClrMapping/>
+  </p:clrMapOvr>
+</p:sld>
+</file>
+
+<file path=ppt/slides/slide21.xml><?xml version="1.0" encoding="utf-8"?>
+<p:sld xmlns:a="http://schemas.openxmlformats.org/drawingml/2006/main" xmlns:r="http://schemas.openxmlformats.org/officeDocument/2006/relationships" xmlns:p="http://schemas.openxmlformats.org/presentationml/2006/main">
+  <p:cSld>
+    <p:spTree>
+      <p:nvGrpSpPr>
+        <p:cNvPr id="1" name=""/>
+        <p:cNvGrpSpPr/>
+        <p:nvPr/>
+      </p:nvGrpSpPr>
+      <p:grpSpPr>
+        <a:xfrm>
+          <a:off x="0" y="0"/>
+          <a:ext cx="0" cy="0"/>
+          <a:chOff x="0" y="0"/>
+          <a:chExt cx="0" cy="0"/>
+        </a:xfrm>
+      </p:grpSpPr>
+      <p:sp>
+        <p:nvSpPr>
+          <p:cNvPr id="2" name="Title 1">
+            <a:extLst>
+              <a:ext uri="{FF2B5EF4-FFF2-40B4-BE49-F238E27FC236}">
+                <a16:creationId xmlns:a16="http://schemas.microsoft.com/office/drawing/2014/main" id="{A3EB3F4E-990D-2A4C-9237-9182994CF50E}"/>
+              </a:ext>
+            </a:extLst>
+          </p:cNvPr>
+          <p:cNvSpPr>
+            <a:spLocks noGrp="1"/>
+          </p:cNvSpPr>
+          <p:nvPr>
+            <p:ph type="title"/>
+          </p:nvPr>
+        </p:nvSpPr>
+        <p:spPr/>
+        <p:txBody>
+          <a:bodyPr/>
+          <a:lstStyle/>
+          <a:p>
+            <a:r>
+              <a:rPr lang="en-US" dirty="0"/>
+              <a:t>Visualizing Python code on-the-fly</a:t>
+            </a:r>
+          </a:p>
+        </p:txBody>
+      </p:sp>
+      <p:sp>
+        <p:nvSpPr>
+          <p:cNvPr id="3" name="Content Placeholder 2">
+            <a:extLst>
+              <a:ext uri="{FF2B5EF4-FFF2-40B4-BE49-F238E27FC236}">
+                <a16:creationId xmlns:a16="http://schemas.microsoft.com/office/drawing/2014/main" id="{607F336A-C4CB-634D-B9E8-B66638B19F36}"/>
+              </a:ext>
+            </a:extLst>
+          </p:cNvPr>
+          <p:cNvSpPr>
+            <a:spLocks noGrp="1"/>
+          </p:cNvSpPr>
+          <p:nvPr>
+            <p:ph idx="1"/>
+          </p:nvPr>
+        </p:nvSpPr>
+        <p:spPr>
+          <a:xfrm>
+            <a:off x="838199" y="1555423"/>
+            <a:ext cx="10643647" cy="4621540"/>
+          </a:xfrm>
+        </p:spPr>
+        <p:txBody>
+          <a:bodyPr/>
+          <a:lstStyle/>
+          <a:p>
+            <a:r>
+              <a:rPr lang="en-US" dirty="0"/>
+              <a:t>Method </a:t>
+            </a:r>
+            <a:r>
+              <a:rPr lang="en-US" b="1" dirty="0"/>
+              <a:t>explain</a:t>
+            </a:r>
+            <a:r>
+              <a:rPr lang="en-US" dirty="0"/>
+              <a:t>() creates a tracer object and registers it with Python via </a:t>
+            </a:r>
+            <a:r>
+              <a:rPr lang="en-US" b="1" dirty="0" err="1"/>
+              <a:t>sys.settrace</a:t>
+            </a:r>
+            <a:r>
+              <a:rPr lang="en-US" b="1" dirty="0"/>
+              <a:t>()</a:t>
+            </a:r>
+          </a:p>
+          <a:p>
+            <a:r>
+              <a:rPr lang="en-US" dirty="0"/>
+              <a:t>The tracer is notified upon each source line execution</a:t>
+            </a:r>
+          </a:p>
+          <a:p>
+            <a:r>
+              <a:rPr lang="en-US" dirty="0"/>
+              <a:t>Using the same mechanism as </a:t>
+            </a:r>
+            <a:r>
+              <a:rPr lang="en-US" b="1" dirty="0"/>
+              <a:t>clarify</a:t>
+            </a:r>
+            <a:r>
+              <a:rPr lang="en-US" dirty="0"/>
+              <a:t>(): parse source line, build AST, evaluate AST subexpressions to identify operand shapes</a:t>
+            </a:r>
+          </a:p>
+          <a:p>
+            <a:r>
+              <a:rPr lang="en-US" dirty="0"/>
+              <a:t>Even in loop within </a:t>
+            </a:r>
+            <a:r>
+              <a:rPr lang="en-US" b="1" dirty="0"/>
+              <a:t>with</a:t>
+            </a:r>
+            <a:r>
+              <a:rPr lang="en-US" dirty="0"/>
+              <a:t> block, statements visualized just once</a:t>
+            </a:r>
+          </a:p>
+          <a:p>
+            <a:r>
+              <a:rPr lang="en-US" dirty="0"/>
+              <a:t>Slows down execution (a lot) but it's still useful</a:t>
+            </a:r>
+          </a:p>
+          <a:p>
+            <a:r>
+              <a:rPr lang="en-US" dirty="0"/>
+              <a:t>Watch out for side effects; this prints "hi" twice:</a:t>
+            </a:r>
+            <a:br>
+              <a:rPr lang="en-US" dirty="0"/>
+            </a:br>
+            <a:endParaRPr lang="en-US" dirty="0">
+              <a:latin typeface="Consolas" panose="020B0609020204030204" pitchFamily="49" charset="0"/>
+              <a:cs typeface="Consolas" panose="020B0609020204030204" pitchFamily="49" charset="0"/>
+            </a:endParaRPr>
+          </a:p>
+        </p:txBody>
+      </p:sp>
+      <p:sp>
+        <p:nvSpPr>
+          <p:cNvPr id="4" name="Rectangle 3">
+            <a:extLst>
+              <a:ext uri="{FF2B5EF4-FFF2-40B4-BE49-F238E27FC236}">
+                <a16:creationId xmlns:a16="http://schemas.microsoft.com/office/drawing/2014/main" id="{32AA5690-1EE5-E544-BAB3-77052A1A6C1B}"/>
+              </a:ext>
+            </a:extLst>
+          </p:cNvPr>
+          <p:cNvSpPr/>
+          <p:nvPr/>
+        </p:nvSpPr>
+        <p:spPr>
+          <a:xfrm>
+            <a:off x="2859465" y="5443682"/>
+            <a:ext cx="4163505" cy="830997"/>
+          </a:xfrm>
+          <a:prstGeom prst="rect">
+            <a:avLst/>
+          </a:prstGeom>
+        </p:spPr>
+        <p:txBody>
+          <a:bodyPr wrap="square">
+            <a:spAutoFit/>
+          </a:bodyPr>
+          <a:lstStyle/>
+          <a:p>
+            <a:r>
+              <a:rPr lang="en-US" sz="2400" b="1" dirty="0">
+                <a:solidFill>
+                  <a:srgbClr val="000080"/>
+                </a:solidFill>
+                <a:latin typeface="Consolas" panose="020B0609020204030204" pitchFamily="49" charset="0"/>
+                <a:cs typeface="Consolas" panose="020B0609020204030204" pitchFamily="49" charset="0"/>
+              </a:rPr>
+              <a:t>with</a:t>
+            </a:r>
+            <a:r>
+              <a:rPr lang="en-US" sz="2400" dirty="0">
+                <a:latin typeface="Consolas" panose="020B0609020204030204" pitchFamily="49" charset="0"/>
+                <a:cs typeface="Consolas" panose="020B0609020204030204" pitchFamily="49" charset="0"/>
+              </a:rPr>
+              <a:t> </a:t>
+            </a:r>
+            <a:r>
+              <a:rPr lang="en-US" sz="2400" dirty="0" err="1">
+                <a:latin typeface="Consolas" panose="020B0609020204030204" pitchFamily="49" charset="0"/>
+                <a:cs typeface="Consolas" panose="020B0609020204030204" pitchFamily="49" charset="0"/>
+              </a:rPr>
+              <a:t>tsensor.explain</a:t>
+            </a:r>
+            <a:r>
+              <a:rPr lang="en-US" sz="2400" dirty="0">
+                <a:latin typeface="Consolas" panose="020B0609020204030204" pitchFamily="49" charset="0"/>
+                <a:cs typeface="Consolas" panose="020B0609020204030204" pitchFamily="49" charset="0"/>
+              </a:rPr>
+              <a:t>():</a:t>
+            </a:r>
+            <a:br>
+              <a:rPr lang="en-US" sz="2400" dirty="0">
+                <a:latin typeface="Consolas" panose="020B0609020204030204" pitchFamily="49" charset="0"/>
+                <a:cs typeface="Consolas" panose="020B0609020204030204" pitchFamily="49" charset="0"/>
+              </a:rPr>
+            </a:br>
+            <a:r>
+              <a:rPr lang="en-US" sz="2400" dirty="0">
+                <a:latin typeface="Consolas" panose="020B0609020204030204" pitchFamily="49" charset="0"/>
+                <a:cs typeface="Consolas" panose="020B0609020204030204" pitchFamily="49" charset="0"/>
+              </a:rPr>
+              <a:t>    print("hi")</a:t>
+            </a:r>
+            <a:endParaRPr lang="en-US" sz="2400" dirty="0"/>
+          </a:p>
+        </p:txBody>
+      </p:sp>
+      <p:sp>
+        <p:nvSpPr>
+          <p:cNvPr id="5" name="TextBox 4">
+            <a:extLst>
+              <a:ext uri="{FF2B5EF4-FFF2-40B4-BE49-F238E27FC236}">
+                <a16:creationId xmlns:a16="http://schemas.microsoft.com/office/drawing/2014/main" id="{00927F5E-5CFE-F746-9673-ECCB3AD12C8F}"/>
               </a:ext>
             </a:extLst>
           </p:cNvPr>
@@ -7690,8 +8291,8 @@
         </p:nvSpPr>
         <p:spPr>
           <a:xfrm>
-            <a:off x="118615" y="4776405"/>
-            <a:ext cx="2031325" cy="369332"/>
+            <a:off x="0" y="6488668"/>
+            <a:ext cx="7258639" cy="307777"/>
           </a:xfrm>
           <a:prstGeom prst="rect">
             <a:avLst/>
@@ -7699,30 +8300,195 @@
           <a:noFill/>
         </p:spPr>
         <p:txBody>
-          <a:bodyPr wrap="none" rtlCol="0">
+          <a:bodyPr wrap="square" rtlCol="0">
             <a:spAutoFit/>
           </a:bodyPr>
           <a:lstStyle/>
           <a:p>
             <a:r>
-              <a:rPr lang="en-US" i="1" dirty="0"/>
-              <a:t>(</a:t>
-            </a:r>
-            <a:r>
-              <a:rPr lang="en-US" i="1" dirty="0" err="1"/>
-              <a:t>numpy</a:t>
-            </a:r>
-            <a:r>
-              <a:rPr lang="en-US" i="1" dirty="0"/>
-              <a:t> message)</a:t>
-            </a:r>
+              <a:rPr lang="en-US" sz="1400" dirty="0"/>
+              <a:t>See </a:t>
+            </a:r>
+            <a:r>
+              <a:rPr lang="en-US" sz="1400" dirty="0">
+                <a:hlinkClick r:id="rId2"/>
+              </a:rPr>
+              <a:t>https://docs.python.org/3/library/sys.html#sys.settrace</a:t>
+            </a:r>
+            <a:endParaRPr lang="en-US" sz="1400" dirty="0"/>
           </a:p>
         </p:txBody>
       </p:sp>
     </p:spTree>
     <p:extLst>
       <p:ext uri="{BB962C8B-B14F-4D97-AF65-F5344CB8AC3E}">
-        <p14:creationId xmlns:p14="http://schemas.microsoft.com/office/powerpoint/2010/main" val="3110574489"/>
+        <p14:creationId xmlns:p14="http://schemas.microsoft.com/office/powerpoint/2010/main" val="1839508605"/>
+      </p:ext>
+    </p:extLst>
+  </p:cSld>
+  <p:clrMapOvr>
+    <a:masterClrMapping/>
+  </p:clrMapOvr>
+</p:sld>
+</file>
+
+<file path=ppt/slides/slide22.xml><?xml version="1.0" encoding="utf-8"?>
+<p:sld xmlns:a="http://schemas.openxmlformats.org/drawingml/2006/main" xmlns:r="http://schemas.openxmlformats.org/officeDocument/2006/relationships" xmlns:p="http://schemas.openxmlformats.org/presentationml/2006/main">
+  <p:cSld>
+    <p:spTree>
+      <p:nvGrpSpPr>
+        <p:cNvPr id="1" name=""/>
+        <p:cNvGrpSpPr/>
+        <p:nvPr/>
+      </p:nvGrpSpPr>
+      <p:grpSpPr>
+        <a:xfrm>
+          <a:off x="0" y="0"/>
+          <a:ext cx="0" cy="0"/>
+          <a:chOff x="0" y="0"/>
+          <a:chExt cx="0" cy="0"/>
+        </a:xfrm>
+      </p:grpSpPr>
+      <p:sp>
+        <p:nvSpPr>
+          <p:cNvPr id="2" name="Title 1">
+            <a:extLst>
+              <a:ext uri="{FF2B5EF4-FFF2-40B4-BE49-F238E27FC236}">
+                <a16:creationId xmlns:a16="http://schemas.microsoft.com/office/drawing/2014/main" id="{7E75EA96-DAD2-594D-8736-5AB3E5BDEA14}"/>
+              </a:ext>
+            </a:extLst>
+          </p:cNvPr>
+          <p:cNvSpPr>
+            <a:spLocks noGrp="1"/>
+          </p:cNvSpPr>
+          <p:nvPr>
+            <p:ph type="title"/>
+          </p:nvPr>
+        </p:nvSpPr>
+        <p:spPr/>
+        <p:txBody>
+          <a:bodyPr/>
+          <a:lstStyle/>
+          <a:p>
+            <a:r>
+              <a:rPr lang="en-US" dirty="0"/>
+              <a:t>Summary</a:t>
+            </a:r>
+          </a:p>
+        </p:txBody>
+      </p:sp>
+      <p:sp>
+        <p:nvSpPr>
+          <p:cNvPr id="3" name="Content Placeholder 2">
+            <a:extLst>
+              <a:ext uri="{FF2B5EF4-FFF2-40B4-BE49-F238E27FC236}">
+                <a16:creationId xmlns:a16="http://schemas.microsoft.com/office/drawing/2014/main" id="{852113E1-3352-D241-BB3C-CB11503853BA}"/>
+              </a:ext>
+            </a:extLst>
+          </p:cNvPr>
+          <p:cNvSpPr>
+            <a:spLocks noGrp="1"/>
+          </p:cNvSpPr>
+          <p:nvPr>
+            <p:ph idx="1"/>
+          </p:nvPr>
+        </p:nvSpPr>
+        <p:spPr>
+          <a:xfrm>
+            <a:off x="838200" y="1498862"/>
+            <a:ext cx="10515600" cy="4678101"/>
+          </a:xfrm>
+        </p:spPr>
+        <p:txBody>
+          <a:bodyPr>
+            <a:normAutofit fontScale="92500" lnSpcReduction="10000"/>
+          </a:bodyPr>
+          <a:lstStyle/>
+          <a:p>
+            <a:r>
+              <a:rPr lang="en-US" dirty="0"/>
+              <a:t>Language engineering is useful far beyond building compilers and interpreters</a:t>
+            </a:r>
+          </a:p>
+          <a:p>
+            <a:r>
+              <a:rPr lang="en-US" dirty="0" err="1"/>
+              <a:t>TensorSensor</a:t>
+            </a:r>
+            <a:r>
+              <a:rPr lang="en-US" dirty="0"/>
+              <a:t> users think that visualization was the hard part, but that was just painful not hard (I abused matplotlib horribly!)</a:t>
+            </a:r>
+          </a:p>
+          <a:p>
+            <a:r>
+              <a:rPr lang="en-US" dirty="0"/>
+              <a:t>The hard part was getting fine-grained exceptions from Python</a:t>
+            </a:r>
+          </a:p>
+          <a:p>
+            <a:pPr lvl="1"/>
+            <a:r>
+              <a:rPr lang="en-US" dirty="0"/>
+              <a:t>key idea is to reevaluate the offending line operator by operator and wait for the exception to happen again</a:t>
+            </a:r>
+          </a:p>
+          <a:p>
+            <a:pPr lvl="1"/>
+            <a:r>
+              <a:rPr lang="en-US" dirty="0"/>
+              <a:t>involves extracting source line, parsing into an AST, then calling </a:t>
+            </a:r>
+            <a:r>
+              <a:rPr lang="en-US" b="1" dirty="0"/>
+              <a:t>eval</a:t>
+            </a:r>
+            <a:r>
+              <a:rPr lang="en-US" dirty="0"/>
+              <a:t>()</a:t>
+            </a:r>
+          </a:p>
+          <a:p>
+            <a:r>
+              <a:rPr lang="en-US" dirty="0"/>
+              <a:t>Finding and implementing an unobtrusive mechanism also took a lot of experimentation</a:t>
+            </a:r>
+          </a:p>
+          <a:p>
+            <a:r>
+              <a:rPr lang="en-US" dirty="0"/>
+              <a:t>Article: </a:t>
+            </a:r>
+            <a:r>
+              <a:rPr lang="en-US" dirty="0">
+                <a:hlinkClick r:id="rId2"/>
+              </a:rPr>
+              <a:t>https://explained.ai/tensor-sensor/index.html</a:t>
+            </a:r>
+            <a:r>
+              <a:rPr lang="en-US" dirty="0"/>
+              <a:t> </a:t>
+            </a:r>
+          </a:p>
+          <a:p>
+            <a:r>
+              <a:rPr lang="en-US" dirty="0"/>
+              <a:t>Code: </a:t>
+            </a:r>
+            <a:r>
+              <a:rPr lang="en-US" dirty="0">
+                <a:hlinkClick r:id="rId3"/>
+              </a:rPr>
+              <a:t>https://github.com/parrt/tensor-sensor</a:t>
+            </a:r>
+            <a:endParaRPr lang="en-US" dirty="0"/>
+          </a:p>
+        </p:txBody>
+      </p:sp>
+    </p:spTree>
+    <p:extLst>
+      <p:ext uri="{BB962C8B-B14F-4D97-AF65-F5344CB8AC3E}">
+        <p14:creationId xmlns:p14="http://schemas.microsoft.com/office/powerpoint/2010/main" val="1229088167"/>
       </p:ext>
     </p:extLst>
   </p:cSld>
@@ -7754,7 +8520,7 @@
           <p:cNvPr id="2" name="Title 1">
             <a:extLst>
               <a:ext uri="{FF2B5EF4-FFF2-40B4-BE49-F238E27FC236}">
-                <a16:creationId xmlns:a16="http://schemas.microsoft.com/office/drawing/2014/main" id="{9B24DD6E-ECEF-5549-A412-0E23470C342B}"/>
+                <a16:creationId xmlns:a16="http://schemas.microsoft.com/office/drawing/2014/main" id="{B2880514-D98A-3E4F-9079-AFFCE297BE21}"/>
               </a:ext>
             </a:extLst>
           </p:cNvPr>
@@ -7765,24 +8531,68 @@
             <p:ph type="title"/>
           </p:nvPr>
         </p:nvSpPr>
-        <p:spPr/>
-        <p:txBody>
-          <a:bodyPr>
-            <a:normAutofit/>
-          </a:bodyPr>
-          <a:lstStyle/>
-          <a:p>
-            <a:r>
-              <a:rPr lang="en-US" dirty="0"/>
-              <a:t>Clarifying errors</a:t>
-            </a:r>
-            <a:br>
-              <a:rPr lang="en-US" dirty="0"/>
-            </a:br>
-            <a:r>
-              <a:rPr lang="en-US" dirty="0"/>
-              <a:t>visually &amp; textually</a:t>
-            </a:r>
+        <p:spPr>
+          <a:xfrm>
+            <a:off x="838200" y="365126"/>
+            <a:ext cx="10515600" cy="1036292"/>
+          </a:xfrm>
+        </p:spPr>
+        <p:txBody>
+          <a:bodyPr/>
+          <a:lstStyle/>
+          <a:p>
+            <a:r>
+              <a:rPr lang="en-US" dirty="0"/>
+              <a:t>Current programmer aids are weak</a:t>
+            </a:r>
+          </a:p>
+        </p:txBody>
+      </p:sp>
+      <p:sp>
+        <p:nvSpPr>
+          <p:cNvPr id="3" name="Content Placeholder 2">
+            <a:extLst>
+              <a:ext uri="{FF2B5EF4-FFF2-40B4-BE49-F238E27FC236}">
+                <a16:creationId xmlns:a16="http://schemas.microsoft.com/office/drawing/2014/main" id="{06B60634-1AE0-B648-AF40-9AABCB0EAE7B}"/>
+              </a:ext>
+            </a:extLst>
+          </p:cNvPr>
+          <p:cNvSpPr>
+            <a:spLocks noGrp="1"/>
+          </p:cNvSpPr>
+          <p:nvPr>
+            <p:ph idx="1"/>
+          </p:nvPr>
+        </p:nvSpPr>
+        <p:spPr>
+          <a:xfrm>
+            <a:off x="838200" y="1401417"/>
+            <a:ext cx="10515600" cy="4775546"/>
+          </a:xfrm>
+        </p:spPr>
+        <p:txBody>
+          <a:bodyPr/>
+          <a:lstStyle/>
+          <a:p>
+            <a:r>
+              <a:rPr lang="en-US" dirty="0"/>
+              <a:t>It's easy to lose track of matrix/tensor dimensionality in even simple expressions (even in statically-typed languages)</a:t>
+            </a:r>
+          </a:p>
+          <a:p>
+            <a:r>
+              <a:rPr lang="en-US" dirty="0"/>
+              <a:t>Upon error, we get less than helpful exception messages</a:t>
+            </a:r>
+          </a:p>
+          <a:p>
+            <a:r>
+              <a:rPr lang="en-US" dirty="0"/>
+              <a:t>Here's a sample NumPy message:</a:t>
+            </a:r>
+          </a:p>
+          <a:p>
+            <a:endParaRPr lang="en-US" dirty="0"/>
           </a:p>
         </p:txBody>
       </p:sp>
@@ -7791,7 +8601,7 @@
           <p:cNvPr id="5" name="Picture 4">
             <a:extLst>
               <a:ext uri="{FF2B5EF4-FFF2-40B4-BE49-F238E27FC236}">
-                <a16:creationId xmlns:a16="http://schemas.microsoft.com/office/drawing/2014/main" id="{76E7EF07-5536-B847-A3F4-85DD7161A5A6}"/>
+                <a16:creationId xmlns:a16="http://schemas.microsoft.com/office/drawing/2014/main" id="{D4D9FB6D-05CB-704F-B08F-AC5234F99E9E}"/>
               </a:ext>
             </a:extLst>
           </p:cNvPr>
@@ -7808,231 +8618,20 @@
         </p:blipFill>
         <p:spPr>
           <a:xfrm>
-            <a:off x="696247" y="2676746"/>
-            <a:ext cx="4626665" cy="2055193"/>
+            <a:off x="1691380" y="3586163"/>
+            <a:ext cx="7340600" cy="2590800"/>
           </a:xfrm>
           <a:prstGeom prst="rect">
             <a:avLst/>
           </a:prstGeom>
         </p:spPr>
       </p:pic>
-      <p:pic>
-        <p:nvPicPr>
-          <p:cNvPr id="7" name="Picture 6">
-            <a:extLst>
-              <a:ext uri="{FF2B5EF4-FFF2-40B4-BE49-F238E27FC236}">
-                <a16:creationId xmlns:a16="http://schemas.microsoft.com/office/drawing/2014/main" id="{E9A50E6B-4659-2049-A19B-0DF81CB120D5}"/>
-              </a:ext>
-            </a:extLst>
-          </p:cNvPr>
-          <p:cNvPicPr>
-            <a:picLocks noChangeAspect="1"/>
-          </p:cNvPicPr>
-          <p:nvPr/>
-        </p:nvPicPr>
-        <p:blipFill>
-          <a:blip r:embed="rId3"/>
-          <a:stretch>
-            <a:fillRect/>
-          </a:stretch>
-        </p:blipFill>
-        <p:spPr>
-          <a:xfrm>
-            <a:off x="5925931" y="681037"/>
-            <a:ext cx="6045200" cy="5384800"/>
-          </a:xfrm>
-          <a:prstGeom prst="rect">
-            <a:avLst/>
-          </a:prstGeom>
-        </p:spPr>
-      </p:pic>
-      <p:sp>
-        <p:nvSpPr>
-          <p:cNvPr id="8" name="Rectangle 7">
-            <a:extLst>
-              <a:ext uri="{FF2B5EF4-FFF2-40B4-BE49-F238E27FC236}">
-                <a16:creationId xmlns:a16="http://schemas.microsoft.com/office/drawing/2014/main" id="{D3159D01-63B7-7E4D-AE7E-C267F70BB539}"/>
-              </a:ext>
-            </a:extLst>
-          </p:cNvPr>
-          <p:cNvSpPr/>
-          <p:nvPr/>
-        </p:nvSpPr>
-        <p:spPr>
-          <a:xfrm>
-            <a:off x="27057" y="6426625"/>
-            <a:ext cx="4762842" cy="369332"/>
-          </a:xfrm>
-          <a:prstGeom prst="rect">
-            <a:avLst/>
-          </a:prstGeom>
-        </p:spPr>
-        <p:txBody>
-          <a:bodyPr wrap="none">
-            <a:spAutoFit/>
-          </a:bodyPr>
-          <a:lstStyle/>
-          <a:p>
-            <a:r>
-              <a:rPr lang="en-US" dirty="0">
-                <a:hlinkClick r:id="rId4"/>
-              </a:rPr>
-              <a:t>https://explained.ai/tensor-sensor/index.html</a:t>
-            </a:r>
-            <a:r>
-              <a:rPr lang="en-US" dirty="0"/>
-              <a:t> </a:t>
-            </a:r>
-          </a:p>
-        </p:txBody>
-      </p:sp>
-      <p:sp>
-        <p:nvSpPr>
-          <p:cNvPr id="10" name="Right Arrow 9">
-            <a:extLst>
-              <a:ext uri="{FF2B5EF4-FFF2-40B4-BE49-F238E27FC236}">
-                <a16:creationId xmlns:a16="http://schemas.microsoft.com/office/drawing/2014/main" id="{8B12D685-6B1A-604C-B2EA-FB6EE4739ACE}"/>
-              </a:ext>
-            </a:extLst>
-          </p:cNvPr>
-          <p:cNvSpPr/>
-          <p:nvPr/>
-        </p:nvSpPr>
-        <p:spPr>
-          <a:xfrm rot="1748416">
-            <a:off x="4773217" y="4414309"/>
-            <a:ext cx="1218510" cy="484632"/>
-          </a:xfrm>
-          <a:prstGeom prst="rightArrow">
-            <a:avLst/>
-          </a:prstGeom>
-          <a:solidFill>
-            <a:schemeClr val="accent1">
-              <a:lumMod val="60000"/>
-              <a:lumOff val="40000"/>
-            </a:schemeClr>
-          </a:solidFill>
-        </p:spPr>
-        <p:style>
-          <a:lnRef idx="2">
-            <a:schemeClr val="accent1">
-              <a:shade val="50000"/>
-            </a:schemeClr>
-          </a:lnRef>
-          <a:fillRef idx="1">
-            <a:schemeClr val="accent1"/>
-          </a:fillRef>
-          <a:effectRef idx="0">
-            <a:schemeClr val="accent1"/>
-          </a:effectRef>
-          <a:fontRef idx="minor">
-            <a:schemeClr val="lt1"/>
-          </a:fontRef>
-        </p:style>
-        <p:txBody>
-          <a:bodyPr rtlCol="0" anchor="ctr"/>
-          <a:lstStyle/>
-          <a:p>
-            <a:pPr algn="ctr"/>
-            <a:endParaRPr lang="en-US"/>
-          </a:p>
-        </p:txBody>
-      </p:sp>
-      <p:sp>
-        <p:nvSpPr>
-          <p:cNvPr id="11" name="Right Arrow 10">
-            <a:extLst>
-              <a:ext uri="{FF2B5EF4-FFF2-40B4-BE49-F238E27FC236}">
-                <a16:creationId xmlns:a16="http://schemas.microsoft.com/office/drawing/2014/main" id="{3D4CC8C8-A56F-0646-BBEA-F7E29FDA4EF9}"/>
-              </a:ext>
-            </a:extLst>
-          </p:cNvPr>
-          <p:cNvSpPr/>
-          <p:nvPr/>
-        </p:nvSpPr>
-        <p:spPr>
-          <a:xfrm rot="20996032">
-            <a:off x="3727953" y="2372264"/>
-            <a:ext cx="2217199" cy="484632"/>
-          </a:xfrm>
-          <a:prstGeom prst="rightArrow">
-            <a:avLst>
-              <a:gd name="adj1" fmla="val 53831"/>
-              <a:gd name="adj2" fmla="val 50000"/>
-            </a:avLst>
-          </a:prstGeom>
-          <a:solidFill>
-            <a:schemeClr val="accent1">
-              <a:lumMod val="60000"/>
-              <a:lumOff val="40000"/>
-            </a:schemeClr>
-          </a:solidFill>
-        </p:spPr>
-        <p:style>
-          <a:lnRef idx="2">
-            <a:schemeClr val="accent1">
-              <a:shade val="50000"/>
-            </a:schemeClr>
-          </a:lnRef>
-          <a:fillRef idx="1">
-            <a:schemeClr val="accent1"/>
-          </a:fillRef>
-          <a:effectRef idx="0">
-            <a:schemeClr val="accent1"/>
-          </a:effectRef>
-          <a:fontRef idx="minor">
-            <a:schemeClr val="lt1"/>
-          </a:fontRef>
-        </p:style>
-        <p:txBody>
-          <a:bodyPr rtlCol="0" anchor="ctr"/>
-          <a:lstStyle/>
-          <a:p>
-            <a:pPr algn="ctr"/>
-            <a:endParaRPr lang="en-US"/>
-          </a:p>
-        </p:txBody>
-      </p:sp>
-      <p:sp>
-        <p:nvSpPr>
-          <p:cNvPr id="13" name="Rectangle 12">
-            <a:extLst>
-              <a:ext uri="{FF2B5EF4-FFF2-40B4-BE49-F238E27FC236}">
-                <a16:creationId xmlns:a16="http://schemas.microsoft.com/office/drawing/2014/main" id="{8AA699DF-84B8-3541-97E5-7CBAE02B9D22}"/>
-              </a:ext>
-            </a:extLst>
-          </p:cNvPr>
-          <p:cNvSpPr/>
-          <p:nvPr/>
-        </p:nvSpPr>
-        <p:spPr>
-          <a:xfrm>
-            <a:off x="10731596" y="121028"/>
-            <a:ext cx="1460404" cy="1569660"/>
-          </a:xfrm>
-          <a:prstGeom prst="rect">
-            <a:avLst/>
-          </a:prstGeom>
-        </p:spPr>
-        <p:txBody>
-          <a:bodyPr wrap="square">
-            <a:spAutoFit/>
-          </a:bodyPr>
-          <a:lstStyle/>
-          <a:p>
-            <a:r>
-              <a:rPr lang="en-US" sz="9600" dirty="0"/>
-              <a:t>🎉</a:t>
-            </a:r>
-          </a:p>
-        </p:txBody>
-      </p:sp>
-      <p:sp>
-        <p:nvSpPr>
-          <p:cNvPr id="14" name="TextBox 13">
-            <a:extLst>
-              <a:ext uri="{FF2B5EF4-FFF2-40B4-BE49-F238E27FC236}">
-                <a16:creationId xmlns:a16="http://schemas.microsoft.com/office/drawing/2014/main" id="{384F2669-F6F1-D647-8FDE-0D3E2D463C0D}"/>
+      <p:sp>
+        <p:nvSpPr>
+          <p:cNvPr id="6" name="TextBox 5">
+            <a:extLst>
+              <a:ext uri="{FF2B5EF4-FFF2-40B4-BE49-F238E27FC236}">
+                <a16:creationId xmlns:a16="http://schemas.microsoft.com/office/drawing/2014/main" id="{8436D1D9-357E-4F4E-85B6-52AB2A14B629}"/>
               </a:ext>
             </a:extLst>
           </p:cNvPr>
@@ -8041,8 +8640,8 @@
         </p:nvSpPr>
         <p:spPr>
           <a:xfrm>
-            <a:off x="-111723" y="1828680"/>
-            <a:ext cx="1415772" cy="1569660"/>
+            <a:off x="9288811" y="4328242"/>
+            <a:ext cx="2064989" cy="1015663"/>
           </a:xfrm>
           <a:prstGeom prst="rect">
             <a:avLst/>
@@ -8056,68 +8655,25 @@
           <a:lstStyle/>
           <a:p>
             <a:r>
-              <a:rPr lang="en-US" sz="9600" dirty="0"/>
-              <a:t>😿</a:t>
-            </a:r>
-          </a:p>
-        </p:txBody>
-      </p:sp>
-      <p:sp>
-        <p:nvSpPr>
-          <p:cNvPr id="15" name="Rectangle 14">
-            <a:extLst>
-              <a:ext uri="{FF2B5EF4-FFF2-40B4-BE49-F238E27FC236}">
-                <a16:creationId xmlns:a16="http://schemas.microsoft.com/office/drawing/2014/main" id="{75F85CD5-F246-CD48-AD14-72EEA7F4824E}"/>
-              </a:ext>
-            </a:extLst>
-          </p:cNvPr>
-          <p:cNvSpPr/>
-          <p:nvPr/>
-        </p:nvSpPr>
-        <p:spPr>
-          <a:xfrm>
-            <a:off x="5970442" y="1096186"/>
-            <a:ext cx="3697666" cy="409229"/>
-          </a:xfrm>
-          <a:prstGeom prst="rect">
-            <a:avLst/>
-          </a:prstGeom>
-          <a:noFill/>
-          <a:ln w="19050">
-            <a:solidFill>
-              <a:srgbClr val="E4754F"/>
-            </a:solidFill>
-          </a:ln>
-        </p:spPr>
-        <p:style>
-          <a:lnRef idx="2">
-            <a:schemeClr val="accent1">
-              <a:shade val="50000"/>
-            </a:schemeClr>
-          </a:lnRef>
-          <a:fillRef idx="1">
-            <a:schemeClr val="accent1"/>
-          </a:fillRef>
-          <a:effectRef idx="0">
-            <a:schemeClr val="accent1"/>
-          </a:effectRef>
-          <a:fontRef idx="minor">
-            <a:schemeClr val="lt1"/>
-          </a:fontRef>
-        </p:style>
-        <p:txBody>
-          <a:bodyPr rtlCol="0" anchor="ctr"/>
-          <a:lstStyle/>
-          <a:p>
-            <a:pPr algn="ctr"/>
-            <a:endParaRPr lang="en-US"/>
+              <a:rPr lang="en-US" sz="2000" i="1" dirty="0"/>
+              <a:t>Which operator?</a:t>
+            </a:r>
+          </a:p>
+          <a:p>
+            <a:endParaRPr lang="en-US" sz="2000" i="1" dirty="0"/>
+          </a:p>
+          <a:p>
+            <a:r>
+              <a:rPr lang="en-US" sz="2000" i="1" dirty="0"/>
+              <a:t>Which operand?</a:t>
+            </a:r>
           </a:p>
         </p:txBody>
       </p:sp>
     </p:spTree>
     <p:extLst>
       <p:ext uri="{BB962C8B-B14F-4D97-AF65-F5344CB8AC3E}">
-        <p14:creationId xmlns:p14="http://schemas.microsoft.com/office/powerpoint/2010/main" val="3451222615"/>
+        <p14:creationId xmlns:p14="http://schemas.microsoft.com/office/powerpoint/2010/main" val="3110574489"/>
       </p:ext>
     </p:extLst>
   </p:cSld>
@@ -8149,7 +8705,7 @@
           <p:cNvPr id="2" name="Title 1">
             <a:extLst>
               <a:ext uri="{FF2B5EF4-FFF2-40B4-BE49-F238E27FC236}">
-                <a16:creationId xmlns:a16="http://schemas.microsoft.com/office/drawing/2014/main" id="{77C84AC9-6D68-B847-8432-35493E969DEB}"/>
+                <a16:creationId xmlns:a16="http://schemas.microsoft.com/office/drawing/2014/main" id="{7642CDE2-8B6C-6346-B9A6-E3346FE4E24C}"/>
               </a:ext>
             </a:extLst>
           </p:cNvPr>
@@ -8167,17 +8723,231 @@
           <a:p>
             <a:r>
               <a:rPr lang="en-US" dirty="0"/>
-              <a:t>Requirement: support multiple libraries</a:t>
+              <a:t>We could rerun using the debugger but…</a:t>
+            </a:r>
+          </a:p>
+        </p:txBody>
+      </p:sp>
+      <p:sp>
+        <p:nvSpPr>
+          <p:cNvPr id="3" name="Content Placeholder 2">
+            <a:extLst>
+              <a:ext uri="{FF2B5EF4-FFF2-40B4-BE49-F238E27FC236}">
+                <a16:creationId xmlns:a16="http://schemas.microsoft.com/office/drawing/2014/main" id="{3FDDB2C1-19DD-414C-9CDB-8EDFE922BD47}"/>
+              </a:ext>
+            </a:extLst>
+          </p:cNvPr>
+          <p:cNvSpPr>
+            <a:spLocks noGrp="1"/>
+          </p:cNvSpPr>
+          <p:nvPr>
+            <p:ph idx="1"/>
+          </p:nvPr>
+        </p:nvSpPr>
+        <p:spPr/>
+        <p:txBody>
+          <a:bodyPr/>
+          <a:lstStyle/>
+          <a:p>
+            <a:r>
+              <a:rPr lang="en-US" dirty="0"/>
+              <a:t>Python debuggers seem much slower than normal execution</a:t>
+            </a:r>
+          </a:p>
+          <a:p>
+            <a:r>
+              <a:rPr lang="en-US" dirty="0"/>
+              <a:t>Even regular execution could take hours before faulting</a:t>
+            </a:r>
+          </a:p>
+          <a:p>
+            <a:r>
+              <a:rPr lang="en-US" dirty="0"/>
+              <a:t>Sometimes it's hard to set a breakpoint on the right statement when it's in a loop</a:t>
+            </a:r>
+          </a:p>
+          <a:p>
+            <a:r>
+              <a:rPr lang="en-US" dirty="0"/>
+              <a:t>Conditional breakpoints are challenging when the values are high-dimension matrices</a:t>
+            </a:r>
+          </a:p>
+          <a:p>
+            <a:r>
+              <a:rPr lang="en-US" dirty="0"/>
+              <a:t>Debugger does not tell us which subexpression caused an exception, due to line-level granularity Python</a:t>
+            </a:r>
+            <a:br>
+              <a:rPr lang="en-US" dirty="0"/>
+            </a:br>
+            <a:r>
+              <a:rPr lang="en-US" dirty="0"/>
+              <a:t>(Must write down shape of all operands and lineup dimensions)</a:t>
+            </a:r>
+          </a:p>
+        </p:txBody>
+      </p:sp>
+    </p:spTree>
+    <p:extLst>
+      <p:ext uri="{BB962C8B-B14F-4D97-AF65-F5344CB8AC3E}">
+        <p14:creationId xmlns:p14="http://schemas.microsoft.com/office/powerpoint/2010/main" val="2897700229"/>
+      </p:ext>
+    </p:extLst>
+  </p:cSld>
+  <p:clrMapOvr>
+    <a:masterClrMapping/>
+  </p:clrMapOvr>
+</p:sld>
+</file>
+
+<file path=ppt/slides/slide5.xml><?xml version="1.0" encoding="utf-8"?>
+<p:sld xmlns:a="http://schemas.openxmlformats.org/drawingml/2006/main" xmlns:r="http://schemas.openxmlformats.org/officeDocument/2006/relationships" xmlns:p="http://schemas.openxmlformats.org/presentationml/2006/main">
+  <p:cSld>
+    <p:spTree>
+      <p:nvGrpSpPr>
+        <p:cNvPr id="1" name=""/>
+        <p:cNvGrpSpPr/>
+        <p:nvPr/>
+      </p:nvGrpSpPr>
+      <p:grpSpPr>
+        <a:xfrm>
+          <a:off x="0" y="0"/>
+          <a:ext cx="0" cy="0"/>
+          <a:chOff x="0" y="0"/>
+          <a:chExt cx="0" cy="0"/>
+        </a:xfrm>
+      </p:grpSpPr>
+      <p:sp>
+        <p:nvSpPr>
+          <p:cNvPr id="2" name="Title 1">
+            <a:extLst>
+              <a:ext uri="{FF2B5EF4-FFF2-40B4-BE49-F238E27FC236}">
+                <a16:creationId xmlns:a16="http://schemas.microsoft.com/office/drawing/2014/main" id="{3FBBC818-3386-9D41-8556-1C9E17E63871}"/>
+              </a:ext>
+            </a:extLst>
+          </p:cNvPr>
+          <p:cNvSpPr>
+            <a:spLocks noGrp="1"/>
+          </p:cNvSpPr>
+          <p:nvPr>
+            <p:ph type="title"/>
+          </p:nvPr>
+        </p:nvSpPr>
+        <p:spPr/>
+        <p:txBody>
+          <a:bodyPr/>
+          <a:lstStyle/>
+          <a:p>
+            <a:r>
+              <a:rPr lang="en-US" dirty="0"/>
+              <a:t>Introducing </a:t>
+            </a:r>
+            <a:r>
+              <a:rPr lang="en-US" dirty="0" err="1"/>
+              <a:t>TensorSensor</a:t>
+            </a:r>
+            <a:endParaRPr lang="en-US" dirty="0"/>
+          </a:p>
+        </p:txBody>
+      </p:sp>
+      <p:sp>
+        <p:nvSpPr>
+          <p:cNvPr id="3" name="Text Placeholder 2">
+            <a:extLst>
+              <a:ext uri="{FF2B5EF4-FFF2-40B4-BE49-F238E27FC236}">
+                <a16:creationId xmlns:a16="http://schemas.microsoft.com/office/drawing/2014/main" id="{A95C83CE-B142-2448-90B5-CFFC08048BB4}"/>
+              </a:ext>
+            </a:extLst>
+          </p:cNvPr>
+          <p:cNvSpPr>
+            <a:spLocks noGrp="1"/>
+          </p:cNvSpPr>
+          <p:nvPr>
+            <p:ph type="body" idx="1"/>
+          </p:nvPr>
+        </p:nvSpPr>
+        <p:spPr/>
+        <p:txBody>
+          <a:bodyPr/>
+          <a:lstStyle/>
+          <a:p>
+            <a:endParaRPr lang="en-US"/>
+          </a:p>
+        </p:txBody>
+      </p:sp>
+    </p:spTree>
+    <p:extLst>
+      <p:ext uri="{BB962C8B-B14F-4D97-AF65-F5344CB8AC3E}">
+        <p14:creationId xmlns:p14="http://schemas.microsoft.com/office/powerpoint/2010/main" val="3886338749"/>
+      </p:ext>
+    </p:extLst>
+  </p:cSld>
+  <p:clrMapOvr>
+    <a:masterClrMapping/>
+  </p:clrMapOvr>
+</p:sld>
+</file>
+
+<file path=ppt/slides/slide6.xml><?xml version="1.0" encoding="utf-8"?>
+<p:sld xmlns:a="http://schemas.openxmlformats.org/drawingml/2006/main" xmlns:r="http://schemas.openxmlformats.org/officeDocument/2006/relationships" xmlns:p="http://schemas.openxmlformats.org/presentationml/2006/main">
+  <p:cSld>
+    <p:spTree>
+      <p:nvGrpSpPr>
+        <p:cNvPr id="1" name=""/>
+        <p:cNvGrpSpPr/>
+        <p:nvPr/>
+      </p:nvGrpSpPr>
+      <p:grpSpPr>
+        <a:xfrm>
+          <a:off x="0" y="0"/>
+          <a:ext cx="0" cy="0"/>
+          <a:chOff x="0" y="0"/>
+          <a:chExt cx="0" cy="0"/>
+        </a:xfrm>
+      </p:grpSpPr>
+      <p:sp>
+        <p:nvSpPr>
+          <p:cNvPr id="2" name="Title 1">
+            <a:extLst>
+              <a:ext uri="{FF2B5EF4-FFF2-40B4-BE49-F238E27FC236}">
+                <a16:creationId xmlns:a16="http://schemas.microsoft.com/office/drawing/2014/main" id="{9B24DD6E-ECEF-5549-A412-0E23470C342B}"/>
+              </a:ext>
+            </a:extLst>
+          </p:cNvPr>
+          <p:cNvSpPr>
+            <a:spLocks noGrp="1"/>
+          </p:cNvSpPr>
+          <p:nvPr>
+            <p:ph type="title"/>
+          </p:nvPr>
+        </p:nvSpPr>
+        <p:spPr/>
+        <p:txBody>
+          <a:bodyPr>
+            <a:normAutofit/>
+          </a:bodyPr>
+          <a:lstStyle/>
+          <a:p>
+            <a:r>
+              <a:rPr lang="en-US" dirty="0"/>
+              <a:t>Clarifying errors</a:t>
+            </a:r>
+            <a:br>
+              <a:rPr lang="en-US" dirty="0"/>
+            </a:br>
+            <a:r>
+              <a:rPr lang="en-US" dirty="0"/>
+              <a:t>visually &amp; textually</a:t>
             </a:r>
           </a:p>
         </p:txBody>
       </p:sp>
       <p:pic>
         <p:nvPicPr>
-          <p:cNvPr id="7" name="Picture 6">
-            <a:extLst>
-              <a:ext uri="{FF2B5EF4-FFF2-40B4-BE49-F238E27FC236}">
-                <a16:creationId xmlns:a16="http://schemas.microsoft.com/office/drawing/2014/main" id="{7747BABE-7A01-F341-8455-592CFA5A9D97}"/>
+          <p:cNvPr id="5" name="Picture 4">
+            <a:extLst>
+              <a:ext uri="{FF2B5EF4-FFF2-40B4-BE49-F238E27FC236}">
+                <a16:creationId xmlns:a16="http://schemas.microsoft.com/office/drawing/2014/main" id="{76E7EF07-5536-B847-A3F4-85DD7161A5A6}"/>
               </a:ext>
             </a:extLst>
           </p:cNvPr>
@@ -8194,8 +8964,8 @@
         </p:blipFill>
         <p:spPr>
           <a:xfrm>
-            <a:off x="355111" y="4170557"/>
-            <a:ext cx="5924464" cy="2071416"/>
+            <a:off x="696247" y="2676746"/>
+            <a:ext cx="4626665" cy="2055193"/>
           </a:xfrm>
           <a:prstGeom prst="rect">
             <a:avLst/>
@@ -8204,10 +8974,10 @@
       </p:pic>
       <p:pic>
         <p:nvPicPr>
-          <p:cNvPr id="9" name="Picture 8">
-            <a:extLst>
-              <a:ext uri="{FF2B5EF4-FFF2-40B4-BE49-F238E27FC236}">
-                <a16:creationId xmlns:a16="http://schemas.microsoft.com/office/drawing/2014/main" id="{208FAAC5-76ED-994C-9D2D-B0132110E894}"/>
+          <p:cNvPr id="7" name="Picture 6">
+            <a:extLst>
+              <a:ext uri="{FF2B5EF4-FFF2-40B4-BE49-F238E27FC236}">
+                <a16:creationId xmlns:a16="http://schemas.microsoft.com/office/drawing/2014/main" id="{E9A50E6B-4659-2049-A19B-0DF81CB120D5}"/>
               </a:ext>
             </a:extLst>
           </p:cNvPr>
@@ -8224,6 +8994,479 @@
         </p:blipFill>
         <p:spPr>
           <a:xfrm>
+            <a:off x="5925931" y="681037"/>
+            <a:ext cx="6045200" cy="5384800"/>
+          </a:xfrm>
+          <a:prstGeom prst="rect">
+            <a:avLst/>
+          </a:prstGeom>
+        </p:spPr>
+      </p:pic>
+      <p:sp>
+        <p:nvSpPr>
+          <p:cNvPr id="8" name="Rectangle 7">
+            <a:extLst>
+              <a:ext uri="{FF2B5EF4-FFF2-40B4-BE49-F238E27FC236}">
+                <a16:creationId xmlns:a16="http://schemas.microsoft.com/office/drawing/2014/main" id="{D3159D01-63B7-7E4D-AE7E-C267F70BB539}"/>
+              </a:ext>
+            </a:extLst>
+          </p:cNvPr>
+          <p:cNvSpPr/>
+          <p:nvPr/>
+        </p:nvSpPr>
+        <p:spPr>
+          <a:xfrm>
+            <a:off x="27057" y="6426625"/>
+            <a:ext cx="4762842" cy="369332"/>
+          </a:xfrm>
+          <a:prstGeom prst="rect">
+            <a:avLst/>
+          </a:prstGeom>
+        </p:spPr>
+        <p:txBody>
+          <a:bodyPr wrap="none">
+            <a:spAutoFit/>
+          </a:bodyPr>
+          <a:lstStyle/>
+          <a:p>
+            <a:r>
+              <a:rPr lang="en-US" dirty="0">
+                <a:hlinkClick r:id="rId4"/>
+              </a:rPr>
+              <a:t>https://explained.ai/tensor-sensor/index.html</a:t>
+            </a:r>
+            <a:r>
+              <a:rPr lang="en-US" dirty="0"/>
+              <a:t> </a:t>
+            </a:r>
+          </a:p>
+        </p:txBody>
+      </p:sp>
+      <p:sp>
+        <p:nvSpPr>
+          <p:cNvPr id="10" name="Right Arrow 9">
+            <a:extLst>
+              <a:ext uri="{FF2B5EF4-FFF2-40B4-BE49-F238E27FC236}">
+                <a16:creationId xmlns:a16="http://schemas.microsoft.com/office/drawing/2014/main" id="{8B12D685-6B1A-604C-B2EA-FB6EE4739ACE}"/>
+              </a:ext>
+            </a:extLst>
+          </p:cNvPr>
+          <p:cNvSpPr/>
+          <p:nvPr/>
+        </p:nvSpPr>
+        <p:spPr>
+          <a:xfrm rot="1748416">
+            <a:off x="4773217" y="4414309"/>
+            <a:ext cx="1218510" cy="484632"/>
+          </a:xfrm>
+          <a:prstGeom prst="rightArrow">
+            <a:avLst/>
+          </a:prstGeom>
+          <a:solidFill>
+            <a:schemeClr val="accent1">
+              <a:lumMod val="60000"/>
+              <a:lumOff val="40000"/>
+            </a:schemeClr>
+          </a:solidFill>
+        </p:spPr>
+        <p:style>
+          <a:lnRef idx="2">
+            <a:schemeClr val="accent1">
+              <a:shade val="50000"/>
+            </a:schemeClr>
+          </a:lnRef>
+          <a:fillRef idx="1">
+            <a:schemeClr val="accent1"/>
+          </a:fillRef>
+          <a:effectRef idx="0">
+            <a:schemeClr val="accent1"/>
+          </a:effectRef>
+          <a:fontRef idx="minor">
+            <a:schemeClr val="lt1"/>
+          </a:fontRef>
+        </p:style>
+        <p:txBody>
+          <a:bodyPr rtlCol="0" anchor="ctr"/>
+          <a:lstStyle/>
+          <a:p>
+            <a:pPr algn="ctr"/>
+            <a:endParaRPr lang="en-US"/>
+          </a:p>
+        </p:txBody>
+      </p:sp>
+      <p:sp>
+        <p:nvSpPr>
+          <p:cNvPr id="11" name="Right Arrow 10">
+            <a:extLst>
+              <a:ext uri="{FF2B5EF4-FFF2-40B4-BE49-F238E27FC236}">
+                <a16:creationId xmlns:a16="http://schemas.microsoft.com/office/drawing/2014/main" id="{3D4CC8C8-A56F-0646-BBEA-F7E29FDA4EF9}"/>
+              </a:ext>
+            </a:extLst>
+          </p:cNvPr>
+          <p:cNvSpPr/>
+          <p:nvPr/>
+        </p:nvSpPr>
+        <p:spPr>
+          <a:xfrm rot="21344001">
+            <a:off x="3775995" y="2521964"/>
+            <a:ext cx="2217199" cy="484632"/>
+          </a:xfrm>
+          <a:prstGeom prst="rightArrow">
+            <a:avLst>
+              <a:gd name="adj1" fmla="val 53831"/>
+              <a:gd name="adj2" fmla="val 50000"/>
+            </a:avLst>
+          </a:prstGeom>
+          <a:solidFill>
+            <a:schemeClr val="accent1">
+              <a:lumMod val="60000"/>
+              <a:lumOff val="40000"/>
+            </a:schemeClr>
+          </a:solidFill>
+        </p:spPr>
+        <p:style>
+          <a:lnRef idx="2">
+            <a:schemeClr val="accent1">
+              <a:shade val="50000"/>
+            </a:schemeClr>
+          </a:lnRef>
+          <a:fillRef idx="1">
+            <a:schemeClr val="accent1"/>
+          </a:fillRef>
+          <a:effectRef idx="0">
+            <a:schemeClr val="accent1"/>
+          </a:effectRef>
+          <a:fontRef idx="minor">
+            <a:schemeClr val="lt1"/>
+          </a:fontRef>
+        </p:style>
+        <p:txBody>
+          <a:bodyPr rtlCol="0" anchor="ctr"/>
+          <a:lstStyle/>
+          <a:p>
+            <a:pPr algn="ctr"/>
+            <a:endParaRPr lang="en-US"/>
+          </a:p>
+        </p:txBody>
+      </p:sp>
+      <p:sp>
+        <p:nvSpPr>
+          <p:cNvPr id="13" name="Rectangle 12">
+            <a:extLst>
+              <a:ext uri="{FF2B5EF4-FFF2-40B4-BE49-F238E27FC236}">
+                <a16:creationId xmlns:a16="http://schemas.microsoft.com/office/drawing/2014/main" id="{8AA699DF-84B8-3541-97E5-7CBAE02B9D22}"/>
+              </a:ext>
+            </a:extLst>
+          </p:cNvPr>
+          <p:cNvSpPr/>
+          <p:nvPr/>
+        </p:nvSpPr>
+        <p:spPr>
+          <a:xfrm>
+            <a:off x="10731596" y="121028"/>
+            <a:ext cx="1460404" cy="1569660"/>
+          </a:xfrm>
+          <a:prstGeom prst="rect">
+            <a:avLst/>
+          </a:prstGeom>
+        </p:spPr>
+        <p:txBody>
+          <a:bodyPr wrap="square">
+            <a:spAutoFit/>
+          </a:bodyPr>
+          <a:lstStyle/>
+          <a:p>
+            <a:r>
+              <a:rPr lang="en-US" sz="9600" dirty="0"/>
+              <a:t>🎉</a:t>
+            </a:r>
+          </a:p>
+        </p:txBody>
+      </p:sp>
+      <p:sp>
+        <p:nvSpPr>
+          <p:cNvPr id="14" name="TextBox 13">
+            <a:extLst>
+              <a:ext uri="{FF2B5EF4-FFF2-40B4-BE49-F238E27FC236}">
+                <a16:creationId xmlns:a16="http://schemas.microsoft.com/office/drawing/2014/main" id="{384F2669-F6F1-D647-8FDE-0D3E2D463C0D}"/>
+              </a:ext>
+            </a:extLst>
+          </p:cNvPr>
+          <p:cNvSpPr txBox="1"/>
+          <p:nvPr/>
+        </p:nvSpPr>
+        <p:spPr>
+          <a:xfrm>
+            <a:off x="-160890" y="1917083"/>
+            <a:ext cx="1415772" cy="1569660"/>
+          </a:xfrm>
+          <a:prstGeom prst="rect">
+            <a:avLst/>
+          </a:prstGeom>
+          <a:noFill/>
+        </p:spPr>
+        <p:txBody>
+          <a:bodyPr wrap="none" rtlCol="0">
+            <a:spAutoFit/>
+          </a:bodyPr>
+          <a:lstStyle/>
+          <a:p>
+            <a:r>
+              <a:rPr lang="en-US" sz="9600" dirty="0"/>
+              <a:t>😿</a:t>
+            </a:r>
+          </a:p>
+        </p:txBody>
+      </p:sp>
+      <p:sp>
+        <p:nvSpPr>
+          <p:cNvPr id="15" name="Rectangle 14">
+            <a:extLst>
+              <a:ext uri="{FF2B5EF4-FFF2-40B4-BE49-F238E27FC236}">
+                <a16:creationId xmlns:a16="http://schemas.microsoft.com/office/drawing/2014/main" id="{75F85CD5-F246-CD48-AD14-72EEA7F4824E}"/>
+              </a:ext>
+            </a:extLst>
+          </p:cNvPr>
+          <p:cNvSpPr/>
+          <p:nvPr/>
+        </p:nvSpPr>
+        <p:spPr>
+          <a:xfrm>
+            <a:off x="5970442" y="1096186"/>
+            <a:ext cx="3697666" cy="409229"/>
+          </a:xfrm>
+          <a:prstGeom prst="rect">
+            <a:avLst/>
+          </a:prstGeom>
+          <a:noFill/>
+          <a:ln w="19050">
+            <a:solidFill>
+              <a:srgbClr val="E4754F"/>
+            </a:solidFill>
+          </a:ln>
+        </p:spPr>
+        <p:style>
+          <a:lnRef idx="2">
+            <a:schemeClr val="accent1">
+              <a:shade val="50000"/>
+            </a:schemeClr>
+          </a:lnRef>
+          <a:fillRef idx="1">
+            <a:schemeClr val="accent1"/>
+          </a:fillRef>
+          <a:effectRef idx="0">
+            <a:schemeClr val="accent1"/>
+          </a:effectRef>
+          <a:fontRef idx="minor">
+            <a:schemeClr val="lt1"/>
+          </a:fontRef>
+        </p:style>
+        <p:txBody>
+          <a:bodyPr rtlCol="0" anchor="ctr"/>
+          <a:lstStyle/>
+          <a:p>
+            <a:pPr algn="ctr"/>
+            <a:endParaRPr lang="en-US"/>
+          </a:p>
+        </p:txBody>
+      </p:sp>
+      <p:sp>
+        <p:nvSpPr>
+          <p:cNvPr id="16" name="TextBox 15">
+            <a:extLst>
+              <a:ext uri="{FF2B5EF4-FFF2-40B4-BE49-F238E27FC236}">
+                <a16:creationId xmlns:a16="http://schemas.microsoft.com/office/drawing/2014/main" id="{B1DAB5FF-703B-2D46-816F-8884997C77F6}"/>
+              </a:ext>
+            </a:extLst>
+          </p:cNvPr>
+          <p:cNvSpPr txBox="1"/>
+          <p:nvPr/>
+        </p:nvSpPr>
+        <p:spPr>
+          <a:xfrm>
+            <a:off x="2673242" y="5130883"/>
+            <a:ext cx="3274525" cy="646331"/>
+          </a:xfrm>
+          <a:prstGeom prst="rect">
+            <a:avLst/>
+          </a:prstGeom>
+          <a:noFill/>
+        </p:spPr>
+        <p:txBody>
+          <a:bodyPr wrap="square" rtlCol="0">
+            <a:spAutoFit/>
+          </a:bodyPr>
+          <a:lstStyle/>
+          <a:p>
+            <a:pPr lvl="1" algn="r"/>
+            <a:r>
+              <a:rPr lang="en-US" dirty="0" err="1"/>
+              <a:t>TensorSensor</a:t>
+            </a:r>
+            <a:r>
+              <a:rPr lang="en-US" dirty="0"/>
+              <a:t> augments</a:t>
+            </a:r>
+          </a:p>
+          <a:p>
+            <a:pPr lvl="1" algn="r"/>
+            <a:r>
+              <a:rPr lang="en-US" dirty="0"/>
+              <a:t>exception messages</a:t>
+            </a:r>
+          </a:p>
+        </p:txBody>
+      </p:sp>
+      <p:sp>
+        <p:nvSpPr>
+          <p:cNvPr id="17" name="TextBox 16">
+            <a:extLst>
+              <a:ext uri="{FF2B5EF4-FFF2-40B4-BE49-F238E27FC236}">
+                <a16:creationId xmlns:a16="http://schemas.microsoft.com/office/drawing/2014/main" id="{E9D29132-28FE-354C-A4A1-AA8A348A6A8C}"/>
+              </a:ext>
+            </a:extLst>
+          </p:cNvPr>
+          <p:cNvSpPr txBox="1"/>
+          <p:nvPr/>
+        </p:nvSpPr>
+        <p:spPr>
+          <a:xfrm>
+            <a:off x="8807040" y="2105837"/>
+            <a:ext cx="3274525" cy="1200329"/>
+          </a:xfrm>
+          <a:prstGeom prst="rect">
+            <a:avLst/>
+          </a:prstGeom>
+          <a:noFill/>
+        </p:spPr>
+        <p:txBody>
+          <a:bodyPr wrap="square" rtlCol="0">
+            <a:spAutoFit/>
+          </a:bodyPr>
+          <a:lstStyle/>
+          <a:p>
+            <a:pPr lvl="1"/>
+            <a:r>
+              <a:rPr lang="en-US" dirty="0" err="1"/>
+              <a:t>TensorSensor</a:t>
+            </a:r>
+            <a:r>
+              <a:rPr lang="en-US" dirty="0"/>
+              <a:t> generates visual cues to matrix dimensions and offending operator / operands</a:t>
+            </a:r>
+          </a:p>
+        </p:txBody>
+      </p:sp>
+    </p:spTree>
+    <p:extLst>
+      <p:ext uri="{BB962C8B-B14F-4D97-AF65-F5344CB8AC3E}">
+        <p14:creationId xmlns:p14="http://schemas.microsoft.com/office/powerpoint/2010/main" val="3451222615"/>
+      </p:ext>
+    </p:extLst>
+  </p:cSld>
+  <p:clrMapOvr>
+    <a:masterClrMapping/>
+  </p:clrMapOvr>
+</p:sld>
+</file>
+
+<file path=ppt/slides/slide7.xml><?xml version="1.0" encoding="utf-8"?>
+<p:sld xmlns:a="http://schemas.openxmlformats.org/drawingml/2006/main" xmlns:r="http://schemas.openxmlformats.org/officeDocument/2006/relationships" xmlns:p="http://schemas.openxmlformats.org/presentationml/2006/main">
+  <p:cSld>
+    <p:spTree>
+      <p:nvGrpSpPr>
+        <p:cNvPr id="1" name=""/>
+        <p:cNvGrpSpPr/>
+        <p:nvPr/>
+      </p:nvGrpSpPr>
+      <p:grpSpPr>
+        <a:xfrm>
+          <a:off x="0" y="0"/>
+          <a:ext cx="0" cy="0"/>
+          <a:chOff x="0" y="0"/>
+          <a:chExt cx="0" cy="0"/>
+        </a:xfrm>
+      </p:grpSpPr>
+      <p:sp>
+        <p:nvSpPr>
+          <p:cNvPr id="2" name="Title 1">
+            <a:extLst>
+              <a:ext uri="{FF2B5EF4-FFF2-40B4-BE49-F238E27FC236}">
+                <a16:creationId xmlns:a16="http://schemas.microsoft.com/office/drawing/2014/main" id="{77C84AC9-6D68-B847-8432-35493E969DEB}"/>
+              </a:ext>
+            </a:extLst>
+          </p:cNvPr>
+          <p:cNvSpPr>
+            <a:spLocks noGrp="1"/>
+          </p:cNvSpPr>
+          <p:nvPr>
+            <p:ph type="title"/>
+          </p:nvPr>
+        </p:nvSpPr>
+        <p:spPr/>
+        <p:txBody>
+          <a:bodyPr/>
+          <a:lstStyle/>
+          <a:p>
+            <a:r>
+              <a:rPr lang="en-US" dirty="0"/>
+              <a:t>Requirement: support multiple libraries</a:t>
+            </a:r>
+          </a:p>
+        </p:txBody>
+      </p:sp>
+      <p:pic>
+        <p:nvPicPr>
+          <p:cNvPr id="7" name="Picture 6">
+            <a:extLst>
+              <a:ext uri="{FF2B5EF4-FFF2-40B4-BE49-F238E27FC236}">
+                <a16:creationId xmlns:a16="http://schemas.microsoft.com/office/drawing/2014/main" id="{7747BABE-7A01-F341-8455-592CFA5A9D97}"/>
+              </a:ext>
+            </a:extLst>
+          </p:cNvPr>
+          <p:cNvPicPr>
+            <a:picLocks noChangeAspect="1"/>
+          </p:cNvPicPr>
+          <p:nvPr/>
+        </p:nvPicPr>
+        <p:blipFill>
+          <a:blip r:embed="rId2"/>
+          <a:stretch>
+            <a:fillRect/>
+          </a:stretch>
+        </p:blipFill>
+        <p:spPr>
+          <a:xfrm>
+            <a:off x="355111" y="4170557"/>
+            <a:ext cx="5924464" cy="2071416"/>
+          </a:xfrm>
+          <a:prstGeom prst="rect">
+            <a:avLst/>
+          </a:prstGeom>
+        </p:spPr>
+      </p:pic>
+      <p:pic>
+        <p:nvPicPr>
+          <p:cNvPr id="9" name="Picture 8">
+            <a:extLst>
+              <a:ext uri="{FF2B5EF4-FFF2-40B4-BE49-F238E27FC236}">
+                <a16:creationId xmlns:a16="http://schemas.microsoft.com/office/drawing/2014/main" id="{208FAAC5-76ED-994C-9D2D-B0132110E894}"/>
+              </a:ext>
+            </a:extLst>
+          </p:cNvPr>
+          <p:cNvPicPr>
+            <a:picLocks noChangeAspect="1"/>
+          </p:cNvPicPr>
+          <p:nvPr/>
+        </p:nvPicPr>
+        <p:blipFill>
+          <a:blip r:embed="rId3"/>
+          <a:stretch>
+            <a:fillRect/>
+          </a:stretch>
+        </p:blipFill>
+        <p:spPr>
+          <a:xfrm>
             <a:off x="355111" y="1780884"/>
             <a:ext cx="5837086" cy="2311613"/>
           </a:xfrm>
@@ -8347,7 +9590,7 @@
         <p:spPr>
           <a:xfrm>
             <a:off x="2935240" y="1399416"/>
-            <a:ext cx="1986313" cy="338554"/>
+            <a:ext cx="2282997" cy="338554"/>
           </a:xfrm>
           <a:prstGeom prst="rect">
             <a:avLst/>
@@ -8362,7 +9605,7 @@
           <a:p>
             <a:r>
               <a:rPr lang="en-US" sz="1600" dirty="0"/>
-              <a:t>(Vectors are yellow)</a:t>
+              <a:t>(1D vectors are yellow)</a:t>
             </a:r>
           </a:p>
         </p:txBody>
@@ -8384,8 +9627,8 @@
         </p:nvCxnSpPr>
         <p:spPr>
           <a:xfrm flipH="1">
-            <a:off x="2124973" y="1737970"/>
-            <a:ext cx="1803424" cy="514576"/>
+            <a:off x="2124975" y="1737970"/>
+            <a:ext cx="1951764" cy="514576"/>
           </a:xfrm>
           <a:prstGeom prst="straightConnector1">
             <a:avLst/>
@@ -8422,7 +9665,7 @@
 </p:sld>
 </file>
 
-<file path=ppt/slides/slide5.xml><?xml version="1.0" encoding="utf-8"?>
+<file path=ppt/slides/slide8.xml><?xml version="1.0" encoding="utf-8"?>
 <p:sld xmlns:a="http://schemas.openxmlformats.org/drawingml/2006/main" xmlns:r="http://schemas.openxmlformats.org/officeDocument/2006/relationships" xmlns:p="http://schemas.openxmlformats.org/presentationml/2006/main">
   <p:cSld>
     <p:spTree>
@@ -8552,8 +9795,8 @@
         </p:blipFill>
         <p:spPr>
           <a:xfrm>
-            <a:off x="736600" y="3119553"/>
-            <a:ext cx="10617200" cy="1600200"/>
+            <a:off x="838200" y="3073935"/>
+            <a:ext cx="9981676" cy="1504415"/>
           </a:xfrm>
           <a:prstGeom prst="rect">
             <a:avLst/>
@@ -8576,7 +9819,7 @@
         </p:nvCxnSpPr>
         <p:spPr>
           <a:xfrm>
-            <a:off x="8323868" y="3742441"/>
+            <a:off x="7954128" y="3676454"/>
             <a:ext cx="424206" cy="320512"/>
           </a:xfrm>
           <a:prstGeom prst="straightConnector1">
@@ -8618,645 +9861,6 @@
 </p:sld>
 </file>
 
-<file path=ppt/slides/slide6.xml><?xml version="1.0" encoding="utf-8"?>
-<p:sld xmlns:a="http://schemas.openxmlformats.org/drawingml/2006/main" xmlns:r="http://schemas.openxmlformats.org/officeDocument/2006/relationships" xmlns:p="http://schemas.openxmlformats.org/presentationml/2006/main">
-  <p:cSld>
-    <p:spTree>
-      <p:nvGrpSpPr>
-        <p:cNvPr id="1" name=""/>
-        <p:cNvGrpSpPr/>
-        <p:nvPr/>
-      </p:nvGrpSpPr>
-      <p:grpSpPr>
-        <a:xfrm>
-          <a:off x="0" y="0"/>
-          <a:ext cx="0" cy="0"/>
-          <a:chOff x="0" y="0"/>
-          <a:chExt cx="0" cy="0"/>
-        </a:xfrm>
-      </p:grpSpPr>
-      <p:sp>
-        <p:nvSpPr>
-          <p:cNvPr id="2" name="Title 1">
-            <a:extLst>
-              <a:ext uri="{FF2B5EF4-FFF2-40B4-BE49-F238E27FC236}">
-                <a16:creationId xmlns:a16="http://schemas.microsoft.com/office/drawing/2014/main" id="{0CE0B5EA-3CA5-3A4F-AA86-13916C56BAC6}"/>
-              </a:ext>
-            </a:extLst>
-          </p:cNvPr>
-          <p:cNvSpPr>
-            <a:spLocks noGrp="1"/>
-          </p:cNvSpPr>
-          <p:nvPr>
-            <p:ph type="title"/>
-          </p:nvPr>
-        </p:nvSpPr>
-        <p:spPr/>
-        <p:txBody>
-          <a:bodyPr/>
-          <a:lstStyle/>
-          <a:p>
-            <a:r>
-              <a:rPr lang="en-US" dirty="0"/>
-              <a:t>Requirement: support prebuilt layers</a:t>
-            </a:r>
-          </a:p>
-        </p:txBody>
-      </p:sp>
-      <p:pic>
-        <p:nvPicPr>
-          <p:cNvPr id="5" name="Content Placeholder 4">
-            <a:extLst>
-              <a:ext uri="{FF2B5EF4-FFF2-40B4-BE49-F238E27FC236}">
-                <a16:creationId xmlns:a16="http://schemas.microsoft.com/office/drawing/2014/main" id="{049270D4-2C43-A942-B59D-105C0C8BC584}"/>
-              </a:ext>
-            </a:extLst>
-          </p:cNvPr>
-          <p:cNvPicPr>
-            <a:picLocks noGrp="1" noChangeAspect="1"/>
-          </p:cNvPicPr>
-          <p:nvPr>
-            <p:ph idx="1"/>
-          </p:nvPr>
-        </p:nvPicPr>
-        <p:blipFill>
-          <a:blip r:embed="rId2"/>
-          <a:stretch>
-            <a:fillRect/>
-          </a:stretch>
-        </p:blipFill>
-        <p:spPr>
-          <a:xfrm>
-            <a:off x="470555" y="2015765"/>
-            <a:ext cx="11430000" cy="3810000"/>
-          </a:xfrm>
-        </p:spPr>
-      </p:pic>
-      <p:sp>
-        <p:nvSpPr>
-          <p:cNvPr id="6" name="TextBox 5">
-            <a:extLst>
-              <a:ext uri="{FF2B5EF4-FFF2-40B4-BE49-F238E27FC236}">
-                <a16:creationId xmlns:a16="http://schemas.microsoft.com/office/drawing/2014/main" id="{028159BF-D9BD-C646-8CF4-26F3587FA465}"/>
-              </a:ext>
-            </a:extLst>
-          </p:cNvPr>
-          <p:cNvSpPr txBox="1"/>
-          <p:nvPr/>
-        </p:nvSpPr>
-        <p:spPr>
-          <a:xfrm>
-            <a:off x="8436989" y="5944431"/>
-            <a:ext cx="3365024" cy="369332"/>
-          </a:xfrm>
-          <a:prstGeom prst="rect">
-            <a:avLst/>
-          </a:prstGeom>
-          <a:noFill/>
-        </p:spPr>
-        <p:txBody>
-          <a:bodyPr wrap="none" rtlCol="0">
-            <a:spAutoFit/>
-          </a:bodyPr>
-          <a:lstStyle/>
-          <a:p>
-            <a:r>
-              <a:rPr lang="en-US" dirty="0"/>
-              <a:t>(Note unhelpful C++ reference)</a:t>
-            </a:r>
-          </a:p>
-        </p:txBody>
-      </p:sp>
-      <p:cxnSp>
-        <p:nvCxnSpPr>
-          <p:cNvPr id="8" name="Straight Arrow Connector 7">
-            <a:extLst>
-              <a:ext uri="{FF2B5EF4-FFF2-40B4-BE49-F238E27FC236}">
-                <a16:creationId xmlns:a16="http://schemas.microsoft.com/office/drawing/2014/main" id="{01B00707-C191-1748-9F05-CAF700936A42}"/>
-              </a:ext>
-            </a:extLst>
-          </p:cNvPr>
-          <p:cNvCxnSpPr>
-            <a:cxnSpLocks/>
-          </p:cNvCxnSpPr>
-          <p:nvPr/>
-        </p:nvCxnSpPr>
-        <p:spPr>
-          <a:xfrm flipV="1">
-            <a:off x="10624008" y="5392135"/>
-            <a:ext cx="0" cy="552296"/>
-          </a:xfrm>
-          <a:prstGeom prst="straightConnector1">
-            <a:avLst/>
-          </a:prstGeom>
-          <a:ln>
-            <a:tailEnd type="triangle"/>
-          </a:ln>
-        </p:spPr>
-        <p:style>
-          <a:lnRef idx="1">
-            <a:schemeClr val="accent1"/>
-          </a:lnRef>
-          <a:fillRef idx="0">
-            <a:schemeClr val="accent1"/>
-          </a:fillRef>
-          <a:effectRef idx="0">
-            <a:schemeClr val="accent1"/>
-          </a:effectRef>
-          <a:fontRef idx="minor">
-            <a:schemeClr val="tx1"/>
-          </a:fontRef>
-        </p:style>
-      </p:cxnSp>
-      <p:sp>
-        <p:nvSpPr>
-          <p:cNvPr id="13" name="TextBox 12">
-            <a:extLst>
-              <a:ext uri="{FF2B5EF4-FFF2-40B4-BE49-F238E27FC236}">
-                <a16:creationId xmlns:a16="http://schemas.microsoft.com/office/drawing/2014/main" id="{2E3970E6-EDF8-7249-9D44-57518ACAF043}"/>
-              </a:ext>
-            </a:extLst>
-          </p:cNvPr>
-          <p:cNvSpPr txBox="1"/>
-          <p:nvPr/>
-        </p:nvSpPr>
-        <p:spPr>
-          <a:xfrm>
-            <a:off x="2441541" y="1341164"/>
-            <a:ext cx="7069564" cy="461665"/>
-          </a:xfrm>
-          <a:prstGeom prst="rect">
-            <a:avLst/>
-          </a:prstGeom>
-          <a:noFill/>
-        </p:spPr>
-        <p:txBody>
-          <a:bodyPr wrap="none" rtlCol="0">
-            <a:spAutoFit/>
-          </a:bodyPr>
-          <a:lstStyle/>
-          <a:p>
-            <a:r>
-              <a:rPr lang="en-US" sz="2400" dirty="0"/>
-              <a:t>Should highlight error in user code not library code</a:t>
-            </a:r>
-          </a:p>
-        </p:txBody>
-      </p:sp>
-    </p:spTree>
-    <p:extLst>
-      <p:ext uri="{BB962C8B-B14F-4D97-AF65-F5344CB8AC3E}">
-        <p14:creationId xmlns:p14="http://schemas.microsoft.com/office/powerpoint/2010/main" val="3618322039"/>
-      </p:ext>
-    </p:extLst>
-  </p:cSld>
-  <p:clrMapOvr>
-    <a:masterClrMapping/>
-  </p:clrMapOvr>
-</p:sld>
-</file>
-
-<file path=ppt/slides/slide7.xml><?xml version="1.0" encoding="utf-8"?>
-<p:sld xmlns:a="http://schemas.openxmlformats.org/drawingml/2006/main" xmlns:r="http://schemas.openxmlformats.org/officeDocument/2006/relationships" xmlns:p="http://schemas.openxmlformats.org/presentationml/2006/main">
-  <p:cSld>
-    <p:spTree>
-      <p:nvGrpSpPr>
-        <p:cNvPr id="1" name=""/>
-        <p:cNvGrpSpPr/>
-        <p:nvPr/>
-      </p:nvGrpSpPr>
-      <p:grpSpPr>
-        <a:xfrm>
-          <a:off x="0" y="0"/>
-          <a:ext cx="0" cy="0"/>
-          <a:chOff x="0" y="0"/>
-          <a:chExt cx="0" cy="0"/>
-        </a:xfrm>
-      </p:grpSpPr>
-      <p:sp>
-        <p:nvSpPr>
-          <p:cNvPr id="2" name="Title 1">
-            <a:extLst>
-              <a:ext uri="{FF2B5EF4-FFF2-40B4-BE49-F238E27FC236}">
-                <a16:creationId xmlns:a16="http://schemas.microsoft.com/office/drawing/2014/main" id="{414E8CDF-97F8-BA4F-995B-9E79802D7E0F}"/>
-              </a:ext>
-            </a:extLst>
-          </p:cNvPr>
-          <p:cNvSpPr>
-            <a:spLocks noGrp="1"/>
-          </p:cNvSpPr>
-          <p:nvPr>
-            <p:ph type="title"/>
-          </p:nvPr>
-        </p:nvSpPr>
-        <p:spPr/>
-        <p:txBody>
-          <a:bodyPr/>
-          <a:lstStyle/>
-          <a:p>
-            <a:r>
-              <a:rPr lang="en-US" dirty="0"/>
-              <a:t>Requirement: explain code w/o errors</a:t>
-            </a:r>
-          </a:p>
-        </p:txBody>
-      </p:sp>
-      <p:pic>
-        <p:nvPicPr>
-          <p:cNvPr id="5" name="Content Placeholder 4">
-            <a:extLst>
-              <a:ext uri="{FF2B5EF4-FFF2-40B4-BE49-F238E27FC236}">
-                <a16:creationId xmlns:a16="http://schemas.microsoft.com/office/drawing/2014/main" id="{F62B8AAC-7B21-4946-A6A9-8B21D5E03563}"/>
-              </a:ext>
-            </a:extLst>
-          </p:cNvPr>
-          <p:cNvPicPr>
-            <a:picLocks noGrp="1" noChangeAspect="1"/>
-          </p:cNvPicPr>
-          <p:nvPr>
-            <p:ph idx="1"/>
-          </p:nvPr>
-        </p:nvPicPr>
-        <p:blipFill>
-          <a:blip r:embed="rId2"/>
-          <a:stretch>
-            <a:fillRect/>
-          </a:stretch>
-        </p:blipFill>
-        <p:spPr>
-          <a:xfrm>
-            <a:off x="361494" y="1690688"/>
-            <a:ext cx="3733800" cy="2120900"/>
-          </a:xfrm>
-        </p:spPr>
-      </p:pic>
-      <p:pic>
-        <p:nvPicPr>
-          <p:cNvPr id="7" name="Picture 6">
-            <a:extLst>
-              <a:ext uri="{FF2B5EF4-FFF2-40B4-BE49-F238E27FC236}">
-                <a16:creationId xmlns:a16="http://schemas.microsoft.com/office/drawing/2014/main" id="{F608205B-45C4-2349-BC49-9E88A9AC5BFC}"/>
-              </a:ext>
-            </a:extLst>
-          </p:cNvPr>
-          <p:cNvPicPr>
-            <a:picLocks noChangeAspect="1"/>
-          </p:cNvPicPr>
-          <p:nvPr/>
-        </p:nvPicPr>
-        <p:blipFill>
-          <a:blip r:embed="rId3"/>
-          <a:stretch>
-            <a:fillRect/>
-          </a:stretch>
-        </p:blipFill>
-        <p:spPr>
-          <a:xfrm>
-            <a:off x="7759504" y="3082302"/>
-            <a:ext cx="2578100" cy="1219200"/>
-          </a:xfrm>
-          <a:prstGeom prst="rect">
-            <a:avLst/>
-          </a:prstGeom>
-        </p:spPr>
-      </p:pic>
-      <p:pic>
-        <p:nvPicPr>
-          <p:cNvPr id="9" name="Picture 8">
-            <a:extLst>
-              <a:ext uri="{FF2B5EF4-FFF2-40B4-BE49-F238E27FC236}">
-                <a16:creationId xmlns:a16="http://schemas.microsoft.com/office/drawing/2014/main" id="{206D3E3A-529F-734E-A101-BA4130C4BBD2}"/>
-              </a:ext>
-            </a:extLst>
-          </p:cNvPr>
-          <p:cNvPicPr>
-            <a:picLocks noChangeAspect="1"/>
-          </p:cNvPicPr>
-          <p:nvPr/>
-        </p:nvPicPr>
-        <p:blipFill>
-          <a:blip r:embed="rId4"/>
-          <a:stretch>
-            <a:fillRect/>
-          </a:stretch>
-        </p:blipFill>
-        <p:spPr>
-          <a:xfrm>
-            <a:off x="7029254" y="1804447"/>
-            <a:ext cx="4038600" cy="812800"/>
-          </a:xfrm>
-          <a:prstGeom prst="rect">
-            <a:avLst/>
-          </a:prstGeom>
-        </p:spPr>
-      </p:pic>
-      <p:sp>
-        <p:nvSpPr>
-          <p:cNvPr id="10" name="Rectangle 9">
-            <a:extLst>
-              <a:ext uri="{FF2B5EF4-FFF2-40B4-BE49-F238E27FC236}">
-                <a16:creationId xmlns:a16="http://schemas.microsoft.com/office/drawing/2014/main" id="{0DDF4ACC-206E-644A-ABE0-2F61642F6F62}"/>
-              </a:ext>
-            </a:extLst>
-          </p:cNvPr>
-          <p:cNvSpPr/>
-          <p:nvPr/>
-        </p:nvSpPr>
-        <p:spPr>
-          <a:xfrm>
-            <a:off x="510100" y="1690688"/>
-            <a:ext cx="3585194" cy="330257"/>
-          </a:xfrm>
-          <a:prstGeom prst="rect">
-            <a:avLst/>
-          </a:prstGeom>
-          <a:noFill/>
-          <a:ln w="19050">
-            <a:solidFill>
-              <a:srgbClr val="E4754F"/>
-            </a:solidFill>
-          </a:ln>
-        </p:spPr>
-        <p:style>
-          <a:lnRef idx="2">
-            <a:schemeClr val="accent1">
-              <a:shade val="50000"/>
-            </a:schemeClr>
-          </a:lnRef>
-          <a:fillRef idx="1">
-            <a:schemeClr val="accent1"/>
-          </a:fillRef>
-          <a:effectRef idx="0">
-            <a:schemeClr val="accent1"/>
-          </a:effectRef>
-          <a:fontRef idx="minor">
-            <a:schemeClr val="lt1"/>
-          </a:fontRef>
-        </p:style>
-        <p:txBody>
-          <a:bodyPr rtlCol="0" anchor="ctr"/>
-          <a:lstStyle/>
-          <a:p>
-            <a:pPr algn="ctr"/>
-            <a:endParaRPr lang="en-US"/>
-          </a:p>
-        </p:txBody>
-      </p:sp>
-      <p:pic>
-        <p:nvPicPr>
-          <p:cNvPr id="12" name="Picture 11">
-            <a:extLst>
-              <a:ext uri="{FF2B5EF4-FFF2-40B4-BE49-F238E27FC236}">
-                <a16:creationId xmlns:a16="http://schemas.microsoft.com/office/drawing/2014/main" id="{920D7AB4-496D-C34D-AFB3-46ACAA75E25F}"/>
-              </a:ext>
-            </a:extLst>
-          </p:cNvPr>
-          <p:cNvPicPr>
-            <a:picLocks noChangeAspect="1"/>
-          </p:cNvPicPr>
-          <p:nvPr/>
-        </p:nvPicPr>
-        <p:blipFill>
-          <a:blip r:embed="rId5"/>
-          <a:stretch>
-            <a:fillRect/>
-          </a:stretch>
-        </p:blipFill>
-        <p:spPr>
-          <a:xfrm>
-            <a:off x="361494" y="4081807"/>
-            <a:ext cx="6155581" cy="2734564"/>
-          </a:xfrm>
-          <a:prstGeom prst="rect">
-            <a:avLst/>
-          </a:prstGeom>
-        </p:spPr>
-      </p:pic>
-      <p:sp>
-        <p:nvSpPr>
-          <p:cNvPr id="13" name="TextBox 12">
-            <a:extLst>
-              <a:ext uri="{FF2B5EF4-FFF2-40B4-BE49-F238E27FC236}">
-                <a16:creationId xmlns:a16="http://schemas.microsoft.com/office/drawing/2014/main" id="{B33509D6-EC6F-A347-8DD4-BC83D7071C34}"/>
-              </a:ext>
-            </a:extLst>
-          </p:cNvPr>
-          <p:cNvSpPr txBox="1"/>
-          <p:nvPr/>
-        </p:nvSpPr>
-        <p:spPr>
-          <a:xfrm>
-            <a:off x="3346515" y="6018041"/>
-            <a:ext cx="3544560" cy="369332"/>
-          </a:xfrm>
-          <a:prstGeom prst="rect">
-            <a:avLst/>
-          </a:prstGeom>
-          <a:noFill/>
-        </p:spPr>
-        <p:txBody>
-          <a:bodyPr wrap="none" rtlCol="0">
-            <a:spAutoFit/>
-          </a:bodyPr>
-          <a:lstStyle/>
-          <a:p>
-            <a:r>
-              <a:rPr lang="en-US" dirty="0"/>
-              <a:t>Greater than 2 and 3 dimensions</a:t>
-            </a:r>
-          </a:p>
-        </p:txBody>
-      </p:sp>
-      <p:cxnSp>
-        <p:nvCxnSpPr>
-          <p:cNvPr id="14" name="Straight Arrow Connector 13">
-            <a:extLst>
-              <a:ext uri="{FF2B5EF4-FFF2-40B4-BE49-F238E27FC236}">
-                <a16:creationId xmlns:a16="http://schemas.microsoft.com/office/drawing/2014/main" id="{39F31D14-AB77-A74D-BE71-97035E03188A}"/>
-              </a:ext>
-            </a:extLst>
-          </p:cNvPr>
-          <p:cNvCxnSpPr>
-            <a:cxnSpLocks/>
-            <a:stCxn id="13" idx="1"/>
-          </p:cNvCxnSpPr>
-          <p:nvPr/>
-        </p:nvCxnSpPr>
-        <p:spPr>
-          <a:xfrm flipH="1">
-            <a:off x="2639507" y="6202707"/>
-            <a:ext cx="707008" cy="9557"/>
-          </a:xfrm>
-          <a:prstGeom prst="straightConnector1">
-            <a:avLst/>
-          </a:prstGeom>
-          <a:ln>
-            <a:tailEnd type="triangle"/>
-          </a:ln>
-        </p:spPr>
-        <p:style>
-          <a:lnRef idx="1">
-            <a:schemeClr val="accent1"/>
-          </a:lnRef>
-          <a:fillRef idx="0">
-            <a:schemeClr val="accent1"/>
-          </a:fillRef>
-          <a:effectRef idx="0">
-            <a:schemeClr val="accent1"/>
-          </a:effectRef>
-          <a:fontRef idx="minor">
-            <a:schemeClr val="tx1"/>
-          </a:fontRef>
-        </p:style>
-      </p:cxnSp>
-      <p:sp>
-        <p:nvSpPr>
-          <p:cNvPr id="17" name="Rectangle 16">
-            <a:extLst>
-              <a:ext uri="{FF2B5EF4-FFF2-40B4-BE49-F238E27FC236}">
-                <a16:creationId xmlns:a16="http://schemas.microsoft.com/office/drawing/2014/main" id="{97FBF7FF-F5F0-A04E-B572-2FA59D73EF33}"/>
-              </a:ext>
-            </a:extLst>
-          </p:cNvPr>
-          <p:cNvSpPr/>
-          <p:nvPr/>
-        </p:nvSpPr>
-        <p:spPr>
-          <a:xfrm>
-            <a:off x="426370" y="4541781"/>
-            <a:ext cx="3544560" cy="330257"/>
-          </a:xfrm>
-          <a:prstGeom prst="rect">
-            <a:avLst/>
-          </a:prstGeom>
-          <a:noFill/>
-          <a:ln w="19050">
-            <a:solidFill>
-              <a:srgbClr val="E4754F"/>
-            </a:solidFill>
-          </a:ln>
-        </p:spPr>
-        <p:style>
-          <a:lnRef idx="2">
-            <a:schemeClr val="accent1">
-              <a:shade val="50000"/>
-            </a:schemeClr>
-          </a:lnRef>
-          <a:fillRef idx="1">
-            <a:schemeClr val="accent1"/>
-          </a:fillRef>
-          <a:effectRef idx="0">
-            <a:schemeClr val="accent1"/>
-          </a:effectRef>
-          <a:fontRef idx="minor">
-            <a:schemeClr val="lt1"/>
-          </a:fontRef>
-        </p:style>
-        <p:txBody>
-          <a:bodyPr rtlCol="0" anchor="ctr"/>
-          <a:lstStyle/>
-          <a:p>
-            <a:pPr algn="ctr"/>
-            <a:endParaRPr lang="en-US"/>
-          </a:p>
-        </p:txBody>
-      </p:sp>
-    </p:spTree>
-    <p:extLst>
-      <p:ext uri="{BB962C8B-B14F-4D97-AF65-F5344CB8AC3E}">
-        <p14:creationId xmlns:p14="http://schemas.microsoft.com/office/powerpoint/2010/main" val="3545508290"/>
-      </p:ext>
-    </p:extLst>
-  </p:cSld>
-  <p:clrMapOvr>
-    <a:masterClrMapping/>
-  </p:clrMapOvr>
-</p:sld>
-</file>
-
-<file path=ppt/slides/slide8.xml><?xml version="1.0" encoding="utf-8"?>
-<p:sld xmlns:a="http://schemas.openxmlformats.org/drawingml/2006/main" xmlns:r="http://schemas.openxmlformats.org/officeDocument/2006/relationships" xmlns:p="http://schemas.openxmlformats.org/presentationml/2006/main">
-  <p:cSld>
-    <p:spTree>
-      <p:nvGrpSpPr>
-        <p:cNvPr id="1" name=""/>
-        <p:cNvGrpSpPr/>
-        <p:nvPr/>
-      </p:nvGrpSpPr>
-      <p:grpSpPr>
-        <a:xfrm>
-          <a:off x="0" y="0"/>
-          <a:ext cx="0" cy="0"/>
-          <a:chOff x="0" y="0"/>
-          <a:chExt cx="0" cy="0"/>
-        </a:xfrm>
-      </p:grpSpPr>
-      <p:sp>
-        <p:nvSpPr>
-          <p:cNvPr id="2" name="Title 1">
-            <a:extLst>
-              <a:ext uri="{FF2B5EF4-FFF2-40B4-BE49-F238E27FC236}">
-                <a16:creationId xmlns:a16="http://schemas.microsoft.com/office/drawing/2014/main" id="{D088C2E6-F25E-6B46-B522-C154A29F4398}"/>
-              </a:ext>
-            </a:extLst>
-          </p:cNvPr>
-          <p:cNvSpPr>
-            <a:spLocks noGrp="1"/>
-          </p:cNvSpPr>
-          <p:nvPr>
-            <p:ph type="title"/>
-          </p:nvPr>
-        </p:nvSpPr>
-        <p:spPr/>
-        <p:txBody>
-          <a:bodyPr/>
-          <a:lstStyle/>
-          <a:p>
-            <a:r>
-              <a:rPr lang="en-US" dirty="0"/>
-              <a:t>Implementation</a:t>
-            </a:r>
-          </a:p>
-        </p:txBody>
-      </p:sp>
-      <p:sp>
-        <p:nvSpPr>
-          <p:cNvPr id="3" name="Text Placeholder 2">
-            <a:extLst>
-              <a:ext uri="{FF2B5EF4-FFF2-40B4-BE49-F238E27FC236}">
-                <a16:creationId xmlns:a16="http://schemas.microsoft.com/office/drawing/2014/main" id="{5CB9B935-55FE-E744-8EB6-2AE7B9545811}"/>
-              </a:ext>
-            </a:extLst>
-          </p:cNvPr>
-          <p:cNvSpPr>
-            <a:spLocks noGrp="1"/>
-          </p:cNvSpPr>
-          <p:nvPr>
-            <p:ph type="body" idx="1"/>
-          </p:nvPr>
-        </p:nvSpPr>
-        <p:spPr/>
-        <p:txBody>
-          <a:bodyPr/>
-          <a:lstStyle/>
-          <a:p>
-            <a:endParaRPr lang="en-US"/>
-          </a:p>
-        </p:txBody>
-      </p:sp>
-    </p:spTree>
-    <p:extLst>
-      <p:ext uri="{BB962C8B-B14F-4D97-AF65-F5344CB8AC3E}">
-        <p14:creationId xmlns:p14="http://schemas.microsoft.com/office/powerpoint/2010/main" val="1220282188"/>
-      </p:ext>
-    </p:extLst>
-  </p:cSld>
-  <p:clrMapOvr>
-    <a:masterClrMapping/>
-  </p:clrMapOvr>
-</p:sld>
-</file>
-
 <file path=ppt/slides/slide9.xml><?xml version="1.0" encoding="utf-8"?>
 <p:sld xmlns:a="http://schemas.openxmlformats.org/drawingml/2006/main" xmlns:r="http://schemas.openxmlformats.org/officeDocument/2006/relationships" xmlns:p="http://schemas.openxmlformats.org/presentationml/2006/main">
   <p:cSld>
@@ -9279,7 +9883,7 @@
           <p:cNvPr id="2" name="Title 1">
             <a:extLst>
               <a:ext uri="{FF2B5EF4-FFF2-40B4-BE49-F238E27FC236}">
-                <a16:creationId xmlns:a16="http://schemas.microsoft.com/office/drawing/2014/main" id="{D014B71A-3678-DA44-8A7B-69B0EC06C764}"/>
+                <a16:creationId xmlns:a16="http://schemas.microsoft.com/office/drawing/2014/main" id="{0CE0B5EA-3CA5-3A4F-AA86-13916C56BAC6}"/>
               </a:ext>
             </a:extLst>
           </p:cNvPr>
@@ -9290,105 +9894,53 @@
             <p:ph type="title"/>
           </p:nvPr>
         </p:nvSpPr>
-        <p:spPr>
-          <a:xfrm>
-            <a:off x="838200" y="365125"/>
-            <a:ext cx="10515600" cy="992335"/>
-          </a:xfrm>
-        </p:spPr>
+        <p:spPr/>
         <p:txBody>
           <a:bodyPr/>
           <a:lstStyle/>
           <a:p>
             <a:r>
               <a:rPr lang="en-US" dirty="0"/>
-              <a:t>Key questions to answer</a:t>
-            </a:r>
-          </a:p>
-        </p:txBody>
-      </p:sp>
-      <p:sp>
-        <p:nvSpPr>
-          <p:cNvPr id="3" name="Content Placeholder 2">
-            <a:extLst>
-              <a:ext uri="{FF2B5EF4-FFF2-40B4-BE49-F238E27FC236}">
-                <a16:creationId xmlns:a16="http://schemas.microsoft.com/office/drawing/2014/main" id="{22407BF5-7163-BB43-9BA1-C1728BB28111}"/>
-              </a:ext>
-            </a:extLst>
-          </p:cNvPr>
-          <p:cNvSpPr>
-            <a:spLocks noGrp="1"/>
-          </p:cNvSpPr>
+              <a:t>Requirement: support prebuilt layers</a:t>
+            </a:r>
+          </a:p>
+        </p:txBody>
+      </p:sp>
+      <p:pic>
+        <p:nvPicPr>
+          <p:cNvPr id="5" name="Content Placeholder 4">
+            <a:extLst>
+              <a:ext uri="{FF2B5EF4-FFF2-40B4-BE49-F238E27FC236}">
+                <a16:creationId xmlns:a16="http://schemas.microsoft.com/office/drawing/2014/main" id="{049270D4-2C43-A942-B59D-105C0C8BC584}"/>
+              </a:ext>
+            </a:extLst>
+          </p:cNvPr>
+          <p:cNvPicPr>
+            <a:picLocks noGrp="1" noChangeAspect="1"/>
+          </p:cNvPicPr>
           <p:nvPr>
             <p:ph idx="1"/>
           </p:nvPr>
-        </p:nvSpPr>
-        <p:spPr>
-          <a:xfrm>
-            <a:off x="838200" y="1498862"/>
-            <a:ext cx="10515600" cy="4678101"/>
-          </a:xfrm>
-        </p:spPr>
-        <p:txBody>
-          <a:bodyPr>
-            <a:normAutofit/>
-          </a:bodyPr>
-          <a:lstStyle/>
-          <a:p>
-            <a:pPr marL="514350" indent="-514350">
-              <a:buFont typeface="+mj-lt"/>
-              <a:buAutoNum type="arabicPeriod"/>
-            </a:pPr>
-            <a:r>
-              <a:rPr lang="en-US" dirty="0"/>
-              <a:t>Python traps exceptions at the statement level, so how can we identify offending operators and operand values? </a:t>
-            </a:r>
-          </a:p>
-          <a:p>
-            <a:pPr marL="514350" indent="-514350">
-              <a:buFont typeface="+mj-lt"/>
-              <a:buAutoNum type="arabicPeriod"/>
-            </a:pPr>
-            <a:r>
-              <a:rPr lang="en-US" dirty="0"/>
-              <a:t>How can we trap exceptions without requiring try/except blocks around statements with potential dimension problems?</a:t>
-            </a:r>
-            <a:br>
-              <a:rPr lang="en-US" dirty="0"/>
-            </a:br>
-            <a:r>
-              <a:rPr lang="en-US" dirty="0"/>
-              <a:t>(Also want to ignore non-matrix related exceptions; user shouldn't need to know Python internal execution details)</a:t>
-            </a:r>
-          </a:p>
-          <a:p>
-            <a:pPr marL="514350" indent="-514350">
-              <a:buFont typeface="+mj-lt"/>
-              <a:buAutoNum type="arabicPeriod"/>
-            </a:pPr>
-            <a:r>
-              <a:rPr lang="en-US" dirty="0"/>
-              <a:t>How can we generate matrix visualizations w/o explicit calls?</a:t>
-            </a:r>
-          </a:p>
-          <a:p>
-            <a:pPr marL="514350" indent="-514350">
-              <a:buFont typeface="+mj-lt"/>
-              <a:buAutoNum type="arabicPeriod"/>
-            </a:pPr>
-            <a:r>
-              <a:rPr lang="en-US" dirty="0"/>
-              <a:t>Can we make use of library zero cost until an exception?</a:t>
-            </a:r>
-          </a:p>
-        </p:txBody>
-      </p:sp>
+        </p:nvPicPr>
+        <p:blipFill>
+          <a:blip r:embed="rId2"/>
+          <a:stretch>
+            <a:fillRect/>
+          </a:stretch>
+        </p:blipFill>
+        <p:spPr>
+          <a:xfrm>
+            <a:off x="470555" y="2015765"/>
+            <a:ext cx="11430000" cy="3810000"/>
+          </a:xfrm>
+        </p:spPr>
+      </p:pic>
       <p:sp>
         <p:nvSpPr>
           <p:cNvPr id="6" name="TextBox 5">
             <a:extLst>
               <a:ext uri="{FF2B5EF4-FFF2-40B4-BE49-F238E27FC236}">
-                <a16:creationId xmlns:a16="http://schemas.microsoft.com/office/drawing/2014/main" id="{6A2404B0-BCDF-9C45-BF71-14219B10FE33}"/>
+                <a16:creationId xmlns:a16="http://schemas.microsoft.com/office/drawing/2014/main" id="{028159BF-D9BD-C646-8CF4-26F3587FA465}"/>
               </a:ext>
             </a:extLst>
           </p:cNvPr>
@@ -9397,8 +9949,8 @@
         </p:nvSpPr>
         <p:spPr>
           <a:xfrm>
-            <a:off x="404459" y="5264715"/>
-            <a:ext cx="11524309" cy="584775"/>
+            <a:off x="8239023" y="5916150"/>
+            <a:ext cx="3716082" cy="400110"/>
           </a:xfrm>
           <a:prstGeom prst="rect">
             <a:avLst/>
@@ -9412,16 +9964,228 @@
           <a:lstStyle/>
           <a:p>
             <a:r>
-              <a:rPr lang="en-US" sz="3200" dirty="0"/>
-              <a:t>In other words, how do we make this precise and unobtrusive?</a:t>
-            </a:r>
+              <a:rPr lang="en-US" sz="2000" dirty="0"/>
+              <a:t>(Note unhelpful C++ reference)</a:t>
+            </a:r>
+          </a:p>
+        </p:txBody>
+      </p:sp>
+      <p:cxnSp>
+        <p:nvCxnSpPr>
+          <p:cNvPr id="8" name="Straight Arrow Connector 7">
+            <a:extLst>
+              <a:ext uri="{FF2B5EF4-FFF2-40B4-BE49-F238E27FC236}">
+                <a16:creationId xmlns:a16="http://schemas.microsoft.com/office/drawing/2014/main" id="{01B00707-C191-1748-9F05-CAF700936A42}"/>
+              </a:ext>
+            </a:extLst>
+          </p:cNvPr>
+          <p:cNvCxnSpPr>
+            <a:cxnSpLocks/>
+          </p:cNvCxnSpPr>
+          <p:nvPr/>
+        </p:nvCxnSpPr>
+        <p:spPr>
+          <a:xfrm flipV="1">
+            <a:off x="10624008" y="5354427"/>
+            <a:ext cx="0" cy="552296"/>
+          </a:xfrm>
+          <a:prstGeom prst="straightConnector1">
+            <a:avLst/>
+          </a:prstGeom>
+          <a:ln w="12700">
+            <a:tailEnd type="triangle"/>
+          </a:ln>
+        </p:spPr>
+        <p:style>
+          <a:lnRef idx="1">
+            <a:schemeClr val="accent1"/>
+          </a:lnRef>
+          <a:fillRef idx="0">
+            <a:schemeClr val="accent1"/>
+          </a:fillRef>
+          <a:effectRef idx="0">
+            <a:schemeClr val="accent1"/>
+          </a:effectRef>
+          <a:fontRef idx="minor">
+            <a:schemeClr val="tx1"/>
+          </a:fontRef>
+        </p:style>
+      </p:cxnSp>
+      <p:sp>
+        <p:nvSpPr>
+          <p:cNvPr id="13" name="TextBox 12">
+            <a:extLst>
+              <a:ext uri="{FF2B5EF4-FFF2-40B4-BE49-F238E27FC236}">
+                <a16:creationId xmlns:a16="http://schemas.microsoft.com/office/drawing/2014/main" id="{2E3970E6-EDF8-7249-9D44-57518ACAF043}"/>
+              </a:ext>
+            </a:extLst>
+          </p:cNvPr>
+          <p:cNvSpPr txBox="1"/>
+          <p:nvPr/>
+        </p:nvSpPr>
+        <p:spPr>
+          <a:xfrm>
+            <a:off x="2441541" y="1341164"/>
+            <a:ext cx="7069564" cy="461665"/>
+          </a:xfrm>
+          <a:prstGeom prst="rect">
+            <a:avLst/>
+          </a:prstGeom>
+          <a:noFill/>
+        </p:spPr>
+        <p:txBody>
+          <a:bodyPr wrap="none" rtlCol="0">
+            <a:spAutoFit/>
+          </a:bodyPr>
+          <a:lstStyle/>
+          <a:p>
+            <a:r>
+              <a:rPr lang="en-US" sz="2400" dirty="0"/>
+              <a:t>Should highlight error in user code not library code</a:t>
+            </a:r>
+          </a:p>
+        </p:txBody>
+      </p:sp>
+      <p:sp>
+        <p:nvSpPr>
+          <p:cNvPr id="16" name="TextBox 15">
+            <a:extLst>
+              <a:ext uri="{FF2B5EF4-FFF2-40B4-BE49-F238E27FC236}">
+                <a16:creationId xmlns:a16="http://schemas.microsoft.com/office/drawing/2014/main" id="{FB7EF574-B296-CC4D-823B-6F51ABE8A4AF}"/>
+              </a:ext>
+            </a:extLst>
+          </p:cNvPr>
+          <p:cNvSpPr txBox="1"/>
+          <p:nvPr/>
+        </p:nvSpPr>
+        <p:spPr>
+          <a:xfrm>
+            <a:off x="2659926" y="6150842"/>
+            <a:ext cx="4243919" cy="400110"/>
+          </a:xfrm>
+          <a:prstGeom prst="rect">
+            <a:avLst/>
+          </a:prstGeom>
+          <a:noFill/>
+        </p:spPr>
+        <p:txBody>
+          <a:bodyPr wrap="none" rtlCol="0">
+            <a:spAutoFit/>
+          </a:bodyPr>
+          <a:lstStyle/>
+          <a:p>
+            <a:r>
+              <a:rPr lang="en-US" sz="2000" dirty="0"/>
+              <a:t>(</a:t>
+            </a:r>
+            <a:r>
+              <a:rPr lang="en-US" sz="2000" dirty="0" err="1"/>
+              <a:t>TensorSensor</a:t>
+            </a:r>
+            <a:r>
+              <a:rPr lang="en-US" sz="2000" dirty="0"/>
+              <a:t> augments message)</a:t>
+            </a:r>
+          </a:p>
+        </p:txBody>
+      </p:sp>
+      <p:cxnSp>
+        <p:nvCxnSpPr>
+          <p:cNvPr id="17" name="Straight Arrow Connector 16">
+            <a:extLst>
+              <a:ext uri="{FF2B5EF4-FFF2-40B4-BE49-F238E27FC236}">
+                <a16:creationId xmlns:a16="http://schemas.microsoft.com/office/drawing/2014/main" id="{1BF3CD1B-39ED-2A4D-A626-415E11984577}"/>
+              </a:ext>
+            </a:extLst>
+          </p:cNvPr>
+          <p:cNvCxnSpPr>
+            <a:cxnSpLocks/>
+          </p:cNvCxnSpPr>
+          <p:nvPr/>
+        </p:nvCxnSpPr>
+        <p:spPr>
+          <a:xfrm flipV="1">
+            <a:off x="4469876" y="5663201"/>
+            <a:ext cx="0" cy="552296"/>
+          </a:xfrm>
+          <a:prstGeom prst="straightConnector1">
+            <a:avLst/>
+          </a:prstGeom>
+          <a:ln>
+            <a:tailEnd type="triangle"/>
+          </a:ln>
+        </p:spPr>
+        <p:style>
+          <a:lnRef idx="1">
+            <a:schemeClr val="accent1"/>
+          </a:lnRef>
+          <a:fillRef idx="0">
+            <a:schemeClr val="accent1"/>
+          </a:fillRef>
+          <a:effectRef idx="0">
+            <a:schemeClr val="accent1"/>
+          </a:effectRef>
+          <a:fontRef idx="minor">
+            <a:schemeClr val="tx1"/>
+          </a:fontRef>
+        </p:style>
+      </p:cxnSp>
+      <p:sp>
+        <p:nvSpPr>
+          <p:cNvPr id="18" name="Rectangle 17">
+            <a:extLst>
+              <a:ext uri="{FF2B5EF4-FFF2-40B4-BE49-F238E27FC236}">
+                <a16:creationId xmlns:a16="http://schemas.microsoft.com/office/drawing/2014/main" id="{E7D962A7-65AA-674E-BA51-F8F563D3F624}"/>
+              </a:ext>
+            </a:extLst>
+          </p:cNvPr>
+          <p:cNvSpPr/>
+          <p:nvPr/>
+        </p:nvSpPr>
+        <p:spPr>
+          <a:xfrm>
+            <a:off x="4034672" y="5392135"/>
+            <a:ext cx="6457361" cy="271066"/>
+          </a:xfrm>
+          <a:prstGeom prst="rect">
+            <a:avLst/>
+          </a:prstGeom>
+          <a:noFill/>
+          <a:ln>
+            <a:solidFill>
+              <a:srgbClr val="FF0000"/>
+            </a:solidFill>
+          </a:ln>
+        </p:spPr>
+        <p:style>
+          <a:lnRef idx="2">
+            <a:schemeClr val="accent1">
+              <a:shade val="50000"/>
+            </a:schemeClr>
+          </a:lnRef>
+          <a:fillRef idx="1">
+            <a:schemeClr val="accent1"/>
+          </a:fillRef>
+          <a:effectRef idx="0">
+            <a:schemeClr val="accent1"/>
+          </a:effectRef>
+          <a:fontRef idx="minor">
+            <a:schemeClr val="lt1"/>
+          </a:fontRef>
+        </p:style>
+        <p:txBody>
+          <a:bodyPr rtlCol="0" anchor="ctr"/>
+          <a:lstStyle/>
+          <a:p>
+            <a:pPr algn="ctr"/>
+            <a:endParaRPr lang="en-US"/>
           </a:p>
         </p:txBody>
       </p:sp>
     </p:spTree>
     <p:extLst>
       <p:ext uri="{BB962C8B-B14F-4D97-AF65-F5344CB8AC3E}">
-        <p14:creationId xmlns:p14="http://schemas.microsoft.com/office/powerpoint/2010/main" val="3440886272"/>
+        <p14:creationId xmlns:p14="http://schemas.microsoft.com/office/powerpoint/2010/main" val="3618322039"/>
       </p:ext>
     </p:extLst>
   </p:cSld>

--- a/talks/strumenta/tensor-sensor.pptx
+++ b/talks/strumenta/tensor-sensor.pptx
@@ -4419,6 +4419,41 @@
           </a:fontRef>
         </p:style>
       </p:cxnSp>
+      <p:sp>
+        <p:nvSpPr>
+          <p:cNvPr id="21" name="TextBox 20">
+            <a:extLst>
+              <a:ext uri="{FF2B5EF4-FFF2-40B4-BE49-F238E27FC236}">
+                <a16:creationId xmlns:a16="http://schemas.microsoft.com/office/drawing/2014/main" id="{681F30B4-E073-E04A-83C1-98D6FBB2C3CB}"/>
+              </a:ext>
+            </a:extLst>
+          </p:cNvPr>
+          <p:cNvSpPr txBox="1"/>
+          <p:nvPr/>
+        </p:nvSpPr>
+        <p:spPr>
+          <a:xfrm>
+            <a:off x="7358335" y="5230257"/>
+            <a:ext cx="4355068" cy="707886"/>
+          </a:xfrm>
+          <a:prstGeom prst="rect">
+            <a:avLst/>
+          </a:prstGeom>
+          <a:noFill/>
+        </p:spPr>
+        <p:txBody>
+          <a:bodyPr wrap="square" rtlCol="0">
+            <a:spAutoFit/>
+          </a:bodyPr>
+          <a:lstStyle/>
+          <a:p>
+            <a:r>
+              <a:rPr lang="en-US" sz="2000" dirty="0"/>
+              <a:t>Very helpful when trying to read (even correct) code</a:t>
+            </a:r>
+          </a:p>
+        </p:txBody>
+      </p:sp>
     </p:spTree>
     <p:extLst>
       <p:ext uri="{BB962C8B-B14F-4D97-AF65-F5344CB8AC3E}">
@@ -4772,7 +4807,7 @@
           <a:p>
             <a:r>
               <a:rPr lang="en-US" dirty="0"/>
-              <a:t>That might require a separate tool and preprocessing, rather than simply importing a library</a:t>
+              <a:t>But, that might require a separate tool and a preprocessing step, rather than simply importing a library</a:t>
             </a:r>
           </a:p>
           <a:p>
@@ -4901,7 +4936,7 @@
             <a:pPr lvl="1"/>
             <a:r>
               <a:rPr lang="en-US" dirty="0"/>
-              <a:t>reevaluate each operation in the line piece-by-piece in proper order and in the correct execution context (must pick correct stack frame)</a:t>
+              <a:t>reevaluate each operation in the line, piece-by-piece, in proper order, and in the correct execution context (must pick correct stack frame)</a:t>
             </a:r>
           </a:p>
           <a:p>
@@ -5073,7 +5108,15 @@
           <a:p>
             <a:r>
               <a:rPr lang="en-US" dirty="0"/>
-              <a:t>Avoided built-in Python parser since reorg'ing AST is same work as  rolling my own parser</a:t>
+              <a:t>Avoided built-in Python parser since reorg'ing its AST is same work as  rolling my own "</a:t>
+            </a:r>
+            <a:r>
+              <a:rPr lang="en-US" dirty="0" err="1"/>
+              <a:t>parrser</a:t>
+            </a:r>
+            <a:r>
+              <a:rPr lang="en-US" dirty="0"/>
+              <a:t>"</a:t>
             </a:r>
           </a:p>
         </p:txBody>
@@ -5139,6 +5182,49 @@
             <a:r>
               <a:rPr lang="en-US" sz="4000" dirty="0"/>
               <a:t>🤣</a:t>
+            </a:r>
+          </a:p>
+        </p:txBody>
+      </p:sp>
+      <p:sp>
+        <p:nvSpPr>
+          <p:cNvPr id="6" name="TextBox 5">
+            <a:extLst>
+              <a:ext uri="{FF2B5EF4-FFF2-40B4-BE49-F238E27FC236}">
+                <a16:creationId xmlns:a16="http://schemas.microsoft.com/office/drawing/2014/main" id="{9DD1F523-A5A5-9C40-A885-FA7BC77C7326}"/>
+              </a:ext>
+            </a:extLst>
+          </p:cNvPr>
+          <p:cNvSpPr txBox="1"/>
+          <p:nvPr/>
+        </p:nvSpPr>
+        <p:spPr>
+          <a:xfrm>
+            <a:off x="8832916" y="5442543"/>
+            <a:ext cx="3065968" cy="369332"/>
+          </a:xfrm>
+          <a:prstGeom prst="rect">
+            <a:avLst/>
+          </a:prstGeom>
+          <a:noFill/>
+        </p:spPr>
+        <p:txBody>
+          <a:bodyPr wrap="none" rtlCol="0">
+            <a:spAutoFit/>
+          </a:bodyPr>
+          <a:lstStyle/>
+          <a:p>
+            <a:r>
+              <a:rPr lang="en-US" dirty="0"/>
+              <a:t>(also from </a:t>
+            </a:r>
+            <a:r>
+              <a:rPr lang="en-US" dirty="0" err="1"/>
+              <a:t>TensorSensor</a:t>
+            </a:r>
+            <a:r>
+              <a:rPr lang="en-US" dirty="0"/>
+              <a:t> lib)</a:t>
             </a:r>
           </a:p>
         </p:txBody>
@@ -5250,7 +5336,7 @@
             </a:r>
             <a:r>
               <a:rPr lang="en-US" dirty="0"/>
-              <a:t> on source subexpressions using the appropriate execution contexts, saving results in associated nodes</a:t>
+              <a:t> on Python source of subexpressions using the appropriate execution contexts, saving results in associated nodes</a:t>
             </a:r>
           </a:p>
           <a:p>
@@ -5420,7 +5506,7 @@
                 <a:latin typeface="Consolas" panose="020B0609020204030204" pitchFamily="49" charset="0"/>
                 <a:cs typeface="Consolas" panose="020B0609020204030204" pitchFamily="49" charset="0"/>
               </a:rPr>
-              <a:t>.../lib/python3.8/site-packages/</a:t>
+              <a:t>…/lib/python3.8/site-packages/</a:t>
             </a:r>
             <a:r>
               <a:rPr lang="en-US" sz="2400" b="1" dirty="0" err="1">
@@ -5429,6 +5515,13 @@
               </a:rPr>
               <a:t>tensorflow</a:t>
             </a:r>
+            <a:r>
+              <a:rPr lang="en-US" sz="2400" dirty="0">
+                <a:latin typeface="Consolas" panose="020B0609020204030204" pitchFamily="49" charset="0"/>
+                <a:cs typeface="Consolas" panose="020B0609020204030204" pitchFamily="49" charset="0"/>
+              </a:rPr>
+              <a:t>/…</a:t>
+            </a:r>
             <a:endParaRPr lang="en-US" sz="2400" b="1" dirty="0">
               <a:latin typeface="Consolas" panose="020B0609020204030204" pitchFamily="49" charset="0"/>
               <a:cs typeface="Consolas" panose="020B0609020204030204" pitchFamily="49" charset="0"/>
@@ -5437,31 +5530,46 @@
           <a:p>
             <a:r>
               <a:rPr lang="en-US" dirty="0"/>
-              <a:t>Boundary frame is any whose package is in ['</a:t>
-            </a:r>
-            <a:r>
-              <a:rPr lang="en-US" dirty="0" err="1"/>
+              <a:t>Boundary frame is any whose package is in</a:t>
+            </a:r>
+            <a:br>
+              <a:rPr lang="en-US" dirty="0"/>
+            </a:br>
+            <a:r>
+              <a:rPr lang="en-US" dirty="0"/>
+              <a:t>{</a:t>
+            </a:r>
+            <a:r>
+              <a:rPr lang="en-US" i="1" dirty="0" err="1"/>
               <a:t>numpy</a:t>
             </a:r>
             <a:r>
               <a:rPr lang="en-US" dirty="0"/>
-              <a:t>','torch','</a:t>
-            </a:r>
-            <a:r>
-              <a:rPr lang="en-US" dirty="0" err="1"/>
+              <a:t>, </a:t>
+            </a:r>
+            <a:r>
+              <a:rPr lang="en-US" i="1" dirty="0"/>
+              <a:t>torch</a:t>
+            </a:r>
+            <a:r>
+              <a:rPr lang="en-US" dirty="0"/>
+              <a:t>, </a:t>
+            </a:r>
+            <a:r>
+              <a:rPr lang="en-US" i="1" dirty="0" err="1"/>
               <a:t>tensorflow</a:t>
             </a:r>
             <a:r>
               <a:rPr lang="en-US" dirty="0"/>
-              <a:t>','</a:t>
-            </a:r>
-            <a:r>
-              <a:rPr lang="en-US" dirty="0" err="1"/>
+              <a:t>, </a:t>
+            </a:r>
+            <a:r>
+              <a:rPr lang="en-US" i="1" dirty="0" err="1"/>
               <a:t>jax</a:t>
             </a:r>
             <a:r>
               <a:rPr lang="en-US" dirty="0"/>
-              <a:t>']</a:t>
+              <a:t>}</a:t>
             </a:r>
           </a:p>
         </p:txBody>
@@ -5519,7 +5627,7 @@
           <a:p>
             <a:r>
               <a:rPr lang="en-US" dirty="0"/>
-              <a:t>Example picking</a:t>
+              <a:t>Example: Picking the</a:t>
             </a:r>
             <a:br>
               <a:rPr lang="en-US" dirty="0"/>
@@ -6022,13 +6130,29 @@
           <a:p>
             <a:r>
               <a:rPr lang="en-US" sz="2800" dirty="0"/>
-              <a:t>t.py:8</a:t>
-            </a:r>
-          </a:p>
-          <a:p>
+              <a:t>t.py:8   (in </a:t>
+            </a:r>
+            <a:r>
+              <a:rPr lang="en-US" sz="2800" b="1" dirty="0"/>
+              <a:t>main</a:t>
+            </a:r>
             <a:r>
               <a:rPr lang="en-US" sz="2800" dirty="0"/>
-              <a:t>t.py:4</a:t>
+              <a:t>)</a:t>
+            </a:r>
+          </a:p>
+          <a:p>
+            <a:r>
+              <a:rPr lang="en-US" sz="2800" dirty="0"/>
+              <a:t>t.py:4   (in </a:t>
+            </a:r>
+            <a:r>
+              <a:rPr lang="en-US" sz="2800" b="1" dirty="0"/>
+              <a:t>f</a:t>
+            </a:r>
+            <a:r>
+              <a:rPr lang="en-US" sz="2800" dirty="0"/>
+              <a:t>)</a:t>
             </a:r>
           </a:p>
           <a:p>
@@ -6143,7 +6267,7 @@
         <p:spPr>
           <a:xfrm>
             <a:off x="2608805" y="2228520"/>
-            <a:ext cx="1943161" cy="523220"/>
+            <a:ext cx="2044149" cy="523220"/>
           </a:xfrm>
           <a:prstGeom prst="rect">
             <a:avLst/>
@@ -6157,7 +6281,10 @@
           <a:lstStyle/>
           <a:p>
             <a:r>
-              <a:rPr lang="en-US" sz="2800" dirty="0" err="1"/>
+              <a:rPr lang="en-US" sz="2400" dirty="0" err="1">
+                <a:latin typeface="Consolas" panose="020B0609020204030204" pitchFamily="49" charset="0"/>
+                <a:cs typeface="Consolas" panose="020B0609020204030204" pitchFamily="49" charset="0"/>
+              </a:rPr>
               <a:t>t.py</a:t>
             </a:r>
             <a:r>
@@ -6804,7 +6931,7 @@
           <a:prstGeom prst="line">
             <a:avLst/>
           </a:prstGeom>
-          <a:ln w="15875">
+          <a:ln w="25400">
             <a:solidFill>
               <a:srgbClr val="FF0000"/>
             </a:solidFill>
@@ -7146,8 +7273,8 @@
         </p:nvSpPr>
         <p:spPr>
           <a:xfrm>
-            <a:off x="838200" y="1545996"/>
-            <a:ext cx="10515600" cy="4630967"/>
+            <a:off x="838199" y="1545996"/>
+            <a:ext cx="10814821" cy="4630967"/>
           </a:xfrm>
         </p:spPr>
         <p:txBody>
@@ -7156,13 +7283,13 @@
           <a:p>
             <a:r>
               <a:rPr lang="en-US" dirty="0"/>
-              <a:t>My prototype used try/except but it was unwieldy for the user</a:t>
-            </a:r>
-          </a:p>
-          <a:p>
-            <a:r>
-              <a:rPr lang="en-US" dirty="0"/>
-              <a:t>And, the code looks like error handling, which obscures purpose</a:t>
+              <a:t>My prototype used try/except but was unwieldy for the user</a:t>
+            </a:r>
+          </a:p>
+          <a:p>
+            <a:r>
+              <a:rPr lang="en-US" dirty="0"/>
+              <a:t>And, the code looked like error handling, which obscured purpose</a:t>
             </a:r>
           </a:p>
           <a:p>
@@ -7499,8 +7626,8 @@
         </p:nvSpPr>
         <p:spPr>
           <a:xfrm>
-            <a:off x="3494200" y="6377018"/>
-            <a:ext cx="4041491" cy="338554"/>
+            <a:off x="806760" y="6421622"/>
+            <a:ext cx="5477782" cy="338554"/>
           </a:xfrm>
           <a:prstGeom prst="rect">
             <a:avLst/>
@@ -7515,7 +7642,15 @@
           <a:p>
             <a:r>
               <a:rPr lang="en-US" sz="1600" dirty="0"/>
-              <a:t>(might not be able to hide everything here)</a:t>
+              <a:t>(might not be able to hide everything here, like reraising </a:t>
+            </a:r>
+            <a:r>
+              <a:rPr lang="en-US" sz="1600" b="1" dirty="0"/>
+              <a:t>e</a:t>
+            </a:r>
+            <a:r>
+              <a:rPr lang="en-US" sz="1600" dirty="0"/>
+              <a:t>)</a:t>
             </a:r>
           </a:p>
         </p:txBody>
@@ -7531,13 +7666,12 @@
           </p:cNvPr>
           <p:cNvCxnSpPr>
             <a:cxnSpLocks/>
-            <a:stCxn id="9" idx="1"/>
           </p:cNvCxnSpPr>
           <p:nvPr/>
         </p:nvCxnSpPr>
         <p:spPr>
           <a:xfrm flipV="1">
-            <a:off x="3494200" y="6253753"/>
+            <a:off x="3884497" y="6197294"/>
             <a:ext cx="0" cy="292542"/>
           </a:xfrm>
           <a:prstGeom prst="straightConnector1">
@@ -8127,16 +8261,20 @@
           <a:lstStyle/>
           <a:p>
             <a:r>
-              <a:rPr lang="en-US" dirty="0"/>
-              <a:t>Method </a:t>
-            </a:r>
-            <a:r>
               <a:rPr lang="en-US" b="1" dirty="0"/>
               <a:t>explain</a:t>
             </a:r>
             <a:r>
               <a:rPr lang="en-US" dirty="0"/>
-              <a:t>() creates a tracer object and registers it with Python via </a:t>
+              <a:t>() object's </a:t>
+            </a:r>
+            <a:r>
+              <a:rPr lang="en-US" b="1" dirty="0"/>
+              <a:t>__enter__()</a:t>
+            </a:r>
+            <a:r>
+              <a:rPr lang="en-US" dirty="0"/>
+              <a:t> method creates a tracer object and registers it with Python via </a:t>
             </a:r>
             <a:r>
               <a:rPr lang="en-US" b="1" dirty="0" err="1"/>
@@ -8145,6 +8283,10 @@
             <a:r>
               <a:rPr lang="en-US" b="1" dirty="0"/>
               <a:t>()</a:t>
+            </a:r>
+            <a:r>
+              <a:rPr lang="en-US" dirty="0"/>
+              <a:t> [1]</a:t>
             </a:r>
           </a:p>
           <a:p>
@@ -8307,7 +8449,7 @@
           <a:p>
             <a:r>
               <a:rPr lang="en-US" sz="1400" dirty="0"/>
-              <a:t>See </a:t>
+              <a:t>[1] </a:t>
             </a:r>
             <a:r>
               <a:rPr lang="en-US" sz="1400" dirty="0">
@@ -8423,21 +8565,21 @@
           <a:p>
             <a:r>
               <a:rPr lang="en-US" dirty="0"/>
-              <a:t>The hard part was getting fine-grained exceptions from Python</a:t>
+              <a:t>The tricky bit was getting fine-grained exceptions from Python</a:t>
             </a:r>
           </a:p>
           <a:p>
             <a:pPr lvl="1"/>
             <a:r>
               <a:rPr lang="en-US" dirty="0"/>
-              <a:t>key idea is to reevaluate the offending line operator by operator and wait for the exception to happen again</a:t>
+              <a:t>The key idea is to reevaluate the offending line operator-by-operator and wait for the exception to happen again</a:t>
             </a:r>
           </a:p>
           <a:p>
             <a:pPr lvl="1"/>
             <a:r>
               <a:rPr lang="en-US" dirty="0"/>
-              <a:t>involves extracting source line, parsing into an AST, then calling </a:t>
+              <a:t>Involves extracting source line, parsing into an AST, then calling </a:t>
             </a:r>
             <a:r>
               <a:rPr lang="en-US" b="1" dirty="0"/>
@@ -9739,7 +9881,7 @@
           <a:p>
             <a:r>
               <a:rPr lang="en-US" dirty="0"/>
-              <a:t>We need to know which operator and operands failed so let's highlight the offending elements:</a:t>
+              <a:t>We need to know which operator and operands failed so we should highlight the offending elements:</a:t>
             </a:r>
           </a:p>
           <a:p>
